--- a/tetm/reference/Deepdive Practice.pptx
+++ b/tetm/reference/Deepdive Practice.pptx
@@ -5,11 +5,15 @@
     <p:sldMasterId id="2147483648" r:id="rId1"/>
   </p:sldMasterIdLst>
   <p:sldIdLst>
-    <p:sldId id="261" r:id="rId2"/>
-    <p:sldId id="258" r:id="rId3"/>
-    <p:sldId id="259" r:id="rId4"/>
-    <p:sldId id="264" r:id="rId5"/>
-    <p:sldId id="260" r:id="rId6"/>
+    <p:sldId id="266" r:id="rId2"/>
+    <p:sldId id="261" r:id="rId3"/>
+    <p:sldId id="258" r:id="rId4"/>
+    <p:sldId id="259" r:id="rId5"/>
+    <p:sldId id="264" r:id="rId6"/>
+    <p:sldId id="260" r:id="rId7"/>
+    <p:sldId id="267" r:id="rId8"/>
+    <p:sldId id="268" r:id="rId9"/>
+    <p:sldId id="265" r:id="rId10"/>
   </p:sldIdLst>
   <p:sldSz cx="12192000" cy="6858000"/>
   <p:notesSz cx="6858000" cy="9144000"/>
@@ -108,6 +112,29 @@
       </a:defRPr>
     </a:lvl9pPr>
   </p:defaultTextStyle>
+  <p:extLst>
+    <p:ext uri="{521415D9-36F7-43E2-AB2F-B90AF26B5E84}">
+      <p14:sectionLst xmlns:p14="http://schemas.microsoft.com/office/powerpoint/2010/main">
+        <p14:section name="기본 구역" id="{AD0635E4-7603-44D7-A0F3-F79D335EBC7B}">
+          <p14:sldIdLst>
+            <p14:sldId id="266"/>
+            <p14:sldId id="261"/>
+            <p14:sldId id="258"/>
+            <p14:sldId id="259"/>
+            <p14:sldId id="264"/>
+            <p14:sldId id="260"/>
+            <p14:sldId id="267"/>
+            <p14:sldId id="268"/>
+          </p14:sldIdLst>
+        </p14:section>
+        <p14:section name="백업" id="{CF54C186-F453-49E6-9504-CBB845C53F83}">
+          <p14:sldIdLst>
+            <p14:sldId id="265"/>
+          </p14:sldIdLst>
+        </p14:section>
+      </p14:sectionLst>
+    </p:ext>
+  </p:extLst>
 </p:presentation>
 </file>
 
@@ -3327,6 +3354,90 @@
       </p:grpSpPr>
       <p:sp>
         <p:nvSpPr>
+          <p:cNvPr id="2" name="제목 1">
+            <a:extLst>
+              <a:ext uri="{FF2B5EF4-FFF2-40B4-BE49-F238E27FC236}">
+                <a16:creationId xmlns:a16="http://schemas.microsoft.com/office/drawing/2014/main" id="{0E8FF393-D046-45F3-84D4-4D0116CEC442}"/>
+              </a:ext>
+            </a:extLst>
+          </p:cNvPr>
+          <p:cNvSpPr>
+            <a:spLocks noGrp="1"/>
+          </p:cNvSpPr>
+          <p:nvPr>
+            <p:ph type="title"/>
+          </p:nvPr>
+        </p:nvSpPr>
+        <p:spPr/>
+        <p:txBody>
+          <a:bodyPr/>
+          <a:lstStyle/>
+          <a:p>
+            <a:r>
+              <a:rPr lang="en-US" altLang="ko-KR" b="1" dirty="0"/>
+              <a:t>Edge Computing</a:t>
+            </a:r>
+            <a:endParaRPr lang="ko-KR" altLang="en-US" dirty="0"/>
+          </a:p>
+        </p:txBody>
+      </p:sp>
+      <p:sp>
+        <p:nvSpPr>
+          <p:cNvPr id="3" name="내용 개체 틀 2">
+            <a:extLst>
+              <a:ext uri="{FF2B5EF4-FFF2-40B4-BE49-F238E27FC236}">
+                <a16:creationId xmlns:a16="http://schemas.microsoft.com/office/drawing/2014/main" id="{95E75740-F1D6-41C4-8326-705F98DC5C2C}"/>
+              </a:ext>
+            </a:extLst>
+          </p:cNvPr>
+          <p:cNvSpPr>
+            <a:spLocks noGrp="1"/>
+          </p:cNvSpPr>
+          <p:nvPr>
+            <p:ph idx="1"/>
+          </p:nvPr>
+        </p:nvSpPr>
+        <p:spPr/>
+        <p:txBody>
+          <a:bodyPr/>
+          <a:lstStyle/>
+          <a:p>
+            <a:endParaRPr lang="ko-KR" altLang="en-US"/>
+          </a:p>
+        </p:txBody>
+      </p:sp>
+    </p:spTree>
+    <p:extLst>
+      <p:ext uri="{BB962C8B-B14F-4D97-AF65-F5344CB8AC3E}">
+        <p14:creationId xmlns:p14="http://schemas.microsoft.com/office/powerpoint/2010/main" val="3648545757"/>
+      </p:ext>
+    </p:extLst>
+  </p:cSld>
+  <p:clrMapOvr>
+    <a:masterClrMapping/>
+  </p:clrMapOvr>
+</p:sld>
+</file>
+
+<file path=ppt/slides/slide2.xml><?xml version="1.0" encoding="utf-8"?>
+<p:sld xmlns:a="http://schemas.openxmlformats.org/drawingml/2006/main" xmlns:r="http://schemas.openxmlformats.org/officeDocument/2006/relationships" xmlns:p="http://schemas.openxmlformats.org/presentationml/2006/main">
+  <p:cSld>
+    <p:spTree>
+      <p:nvGrpSpPr>
+        <p:cNvPr id="1" name=""/>
+        <p:cNvGrpSpPr/>
+        <p:nvPr/>
+      </p:nvGrpSpPr>
+      <p:grpSpPr>
+        <a:xfrm>
+          <a:off x="0" y="0"/>
+          <a:ext cx="0" cy="0"/>
+          <a:chOff x="0" y="0"/>
+          <a:chExt cx="0" cy="0"/>
+        </a:xfrm>
+      </p:grpSpPr>
+      <p:sp>
+        <p:nvSpPr>
           <p:cNvPr id="8" name="직사각형 7">
             <a:extLst>
               <a:ext uri="{FF2B5EF4-FFF2-40B4-BE49-F238E27FC236}">
@@ -5783,7 +5894,7 @@
 </p:sld>
 </file>
 
-<file path=ppt/slides/slide2.xml><?xml version="1.0" encoding="utf-8"?>
+<file path=ppt/slides/slide3.xml><?xml version="1.0" encoding="utf-8"?>
 <p:sld xmlns:a="http://schemas.openxmlformats.org/drawingml/2006/main" xmlns:r="http://schemas.openxmlformats.org/officeDocument/2006/relationships" xmlns:p="http://schemas.openxmlformats.org/presentationml/2006/main">
   <p:cSld>
     <p:spTree>
@@ -8030,7 +8141,7 @@
 </p:sld>
 </file>
 
-<file path=ppt/slides/slide3.xml><?xml version="1.0" encoding="utf-8"?>
+<file path=ppt/slides/slide4.xml><?xml version="1.0" encoding="utf-8"?>
 <p:sld xmlns:a="http://schemas.openxmlformats.org/drawingml/2006/main" xmlns:r="http://schemas.openxmlformats.org/officeDocument/2006/relationships" xmlns:p="http://schemas.openxmlformats.org/presentationml/2006/main">
   <p:cSld>
     <p:spTree>
@@ -10114,7 +10225,7 @@
 </p:sld>
 </file>
 
-<file path=ppt/slides/slide4.xml><?xml version="1.0" encoding="utf-8"?>
+<file path=ppt/slides/slide5.xml><?xml version="1.0" encoding="utf-8"?>
 <p:sld xmlns:a="http://schemas.openxmlformats.org/drawingml/2006/main" xmlns:r="http://schemas.openxmlformats.org/officeDocument/2006/relationships" xmlns:p="http://schemas.openxmlformats.org/presentationml/2006/main">
   <p:cSld>
     <p:spTree>
@@ -10198,14 +10309,14 @@
           <p:nvPr>
             <p:extLst>
               <p:ext uri="{D42A27DB-BD31-4B8C-83A1-F6EECF244321}">
-                <p14:modId xmlns:p14="http://schemas.microsoft.com/office/powerpoint/2010/main" val="587513530"/>
+                <p14:modId xmlns:p14="http://schemas.microsoft.com/office/powerpoint/2010/main" val="1048008854"/>
               </p:ext>
             </p:extLst>
           </p:nvPr>
         </p:nvGraphicFramePr>
         <p:xfrm>
           <a:off x="660400" y="828379"/>
-          <a:ext cx="10909300" cy="5385558"/>
+          <a:ext cx="10909300" cy="5790135"/>
         </p:xfrm>
         <a:graphic>
           <a:graphicData uri="http://schemas.openxmlformats.org/drawingml/2006/table">
@@ -10243,7 +10354,7 @@
                   </a:extLst>
                 </a:gridCol>
               </a:tblGrid>
-              <a:tr h="343886">
+              <a:tr h="294515">
                 <a:tc>
                   <a:txBody>
                     <a:bodyPr/>
@@ -10342,7 +10453,7 @@
                   </a:ext>
                 </a:extLst>
               </a:tr>
-              <a:tr h="515829">
+              <a:tr h="441773">
                 <a:tc>
                   <a:txBody>
                     <a:bodyPr/>
@@ -10584,7 +10695,7 @@
                   </a:ext>
                 </a:extLst>
               </a:tr>
-              <a:tr h="515829">
+              <a:tr h="441773">
                 <a:tc>
                   <a:txBody>
                     <a:bodyPr/>
@@ -10759,7 +10870,7 @@
                   </a:ext>
                 </a:extLst>
               </a:tr>
-              <a:tr h="734468">
+              <a:tr h="629022">
                 <a:tc>
                   <a:txBody>
                     <a:bodyPr/>
@@ -10900,7 +11011,7 @@
                   </a:ext>
                 </a:extLst>
               </a:tr>
-              <a:tr h="734468">
+              <a:tr h="629022">
                 <a:tc>
                   <a:txBody>
                     <a:bodyPr/>
@@ -11110,7 +11221,7 @@
                   </a:ext>
                 </a:extLst>
               </a:tr>
-              <a:tr h="515829">
+              <a:tr h="441773">
                 <a:tc>
                   <a:txBody>
                     <a:bodyPr/>
@@ -11243,7 +11354,7 @@
                   </a:ext>
                 </a:extLst>
               </a:tr>
-              <a:tr h="734468">
+              <a:tr h="441773">
                 <a:tc>
                   <a:txBody>
                     <a:bodyPr/>
@@ -11271,7 +11382,7 @@
                           <a:latin typeface="LG스마트체 Regular" panose="020B0600000101010101" pitchFamily="50" charset="-127"/>
                           <a:ea typeface="LG스마트체 Regular" panose="020B0600000101010101" pitchFamily="50" charset="-127"/>
                         </a:rPr>
-                        <a:t>서비스 로깅</a:t>
+                        <a:t>서비스 로그 출력</a:t>
                       </a:r>
                     </a:p>
                   </a:txBody>
@@ -11290,148 +11401,7 @@
                           <a:latin typeface="LG스마트체 Regular" panose="020B0600000101010101" pitchFamily="50" charset="-127"/>
                           <a:ea typeface="LG스마트체 Regular" panose="020B0600000101010101" pitchFamily="50" charset="-127"/>
                         </a:rPr>
-                        <a:t>시스템</a:t>
-                      </a:r>
-                      <a:r>
-                        <a:rPr lang="en-US" altLang="ko-KR" sz="1200" dirty="0">
-                          <a:latin typeface="LG스마트체 Regular" panose="020B0600000101010101" pitchFamily="50" charset="-127"/>
-                          <a:ea typeface="LG스마트체 Regular" panose="020B0600000101010101" pitchFamily="50" charset="-127"/>
-                        </a:rPr>
-                        <a:t>, </a:t>
-                      </a:r>
-                      <a:r>
-                        <a:rPr lang="ko-KR" altLang="en-US" sz="1200" dirty="0">
-                          <a:latin typeface="LG스마트체 Regular" panose="020B0600000101010101" pitchFamily="50" charset="-127"/>
-                          <a:ea typeface="LG스마트체 Regular" panose="020B0600000101010101" pitchFamily="50" charset="-127"/>
-                        </a:rPr>
-                        <a:t>어플리케이션이 남기는 로그들을 수집하고 모니터링</a:t>
-                      </a:r>
-                    </a:p>
-                  </a:txBody>
-                  <a:tcPr anchor="ctr">
-                    <a:noFill/>
-                  </a:tcPr>
-                </a:tc>
-                <a:tc>
-                  <a:txBody>
-                    <a:bodyPr/>
-                    <a:lstStyle/>
-                    <a:p>
-                      <a:pPr latinLnBrk="0"/>
-                      <a:r>
-                        <a:rPr lang="en-US" altLang="ko-KR" sz="1200" dirty="0">
-                          <a:latin typeface="LG스마트체 Regular" panose="020B0600000101010101" pitchFamily="50" charset="-127"/>
-                          <a:ea typeface="LG스마트체 Regular" panose="020B0600000101010101" pitchFamily="50" charset="-127"/>
-                        </a:rPr>
-                        <a:t>ELK Stack (Elasticsearch, Logstash, Kibana)</a:t>
-                      </a:r>
-                    </a:p>
-                    <a:p>
-                      <a:pPr latinLnBrk="0"/>
-                      <a:r>
-                        <a:rPr lang="en-US" altLang="ko-KR" sz="1200" dirty="0">
-                          <a:latin typeface="LG스마트체 Regular" panose="020B0600000101010101" pitchFamily="50" charset="-127"/>
-                          <a:ea typeface="LG스마트체 Regular" panose="020B0600000101010101" pitchFamily="50" charset="-127"/>
-                        </a:rPr>
-                        <a:t>Prometheus, Grafana</a:t>
-                      </a:r>
-                      <a:endParaRPr lang="ko-KR" altLang="en-US" sz="1200" dirty="0">
-                        <a:latin typeface="LG스마트체 Regular" panose="020B0600000101010101" pitchFamily="50" charset="-127"/>
-                        <a:ea typeface="LG스마트체 Regular" panose="020B0600000101010101" pitchFamily="50" charset="-127"/>
-                      </a:endParaRPr>
-                    </a:p>
-                  </a:txBody>
-                  <a:tcPr anchor="ctr">
-                    <a:noFill/>
-                  </a:tcPr>
-                </a:tc>
-                <a:tc>
-                  <a:txBody>
-                    <a:bodyPr/>
-                    <a:lstStyle/>
-                    <a:p>
-                      <a:pPr latinLnBrk="0"/>
-                      <a:r>
-                        <a:rPr lang="ko-KR" altLang="en-US" sz="1200" dirty="0">
-                          <a:latin typeface="LG스마트체 Regular" panose="020B0600000101010101" pitchFamily="50" charset="-127"/>
-                          <a:ea typeface="LG스마트체 Regular" panose="020B0600000101010101" pitchFamily="50" charset="-127"/>
-                        </a:rPr>
-                        <a:t>시스템</a:t>
-                      </a:r>
-                      <a:r>
-                        <a:rPr lang="en-US" altLang="ko-KR" sz="1200" dirty="0">
-                          <a:latin typeface="LG스마트체 Regular" panose="020B0600000101010101" pitchFamily="50" charset="-127"/>
-                          <a:ea typeface="LG스마트체 Regular" panose="020B0600000101010101" pitchFamily="50" charset="-127"/>
-                        </a:rPr>
-                        <a:t>,</a:t>
-                      </a:r>
-                      <a:r>
-                        <a:rPr lang="ko-KR" altLang="en-US" sz="1200" dirty="0">
-                          <a:latin typeface="LG스마트체 Regular" panose="020B0600000101010101" pitchFamily="50" charset="-127"/>
-                          <a:ea typeface="LG스마트체 Regular" panose="020B0600000101010101" pitchFamily="50" charset="-127"/>
-                        </a:rPr>
-                        <a:t>어플리케이션이 남기는 로그들을 수집하고 분석해서 시스템의 상태를 실시간으로 확인할 수 있는 환경 구성을 지원</a:t>
-                      </a:r>
-                    </a:p>
-                  </a:txBody>
-                  <a:tcPr anchor="ctr">
-                    <a:noFill/>
-                  </a:tcPr>
-                </a:tc>
-                <a:extLst>
-                  <a:ext uri="{0D108BD9-81ED-4DB2-BD59-A6C34878D82A}">
-                    <a16:rowId xmlns:a16="http://schemas.microsoft.com/office/drawing/2014/main" val="2449278400"/>
-                  </a:ext>
-                </a:extLst>
-              </a:tr>
-              <a:tr h="568621">
-                <a:tc>
-                  <a:txBody>
-                    <a:bodyPr/>
-                    <a:lstStyle/>
-                    <a:p>
-                      <a:pPr marL="0" marR="0" lvl="0" indent="0" algn="l" defTabSz="914400" rtl="0" eaLnBrk="1" fontAlgn="auto" latinLnBrk="0" hangingPunct="1">
-                        <a:lnSpc>
-                          <a:spcPct val="100000"/>
-                        </a:lnSpc>
-                        <a:spcBef>
-                          <a:spcPts val="0"/>
-                        </a:spcBef>
-                        <a:spcAft>
-                          <a:spcPts val="0"/>
-                        </a:spcAft>
-                        <a:buClrTx/>
-                        <a:buSzTx/>
-                        <a:buFontTx/>
-                        <a:buNone/>
-                        <a:tabLst/>
-                        <a:defRPr/>
-                      </a:pPr>
-                      <a:r>
-                        <a:rPr lang="ko-KR" altLang="en-US" sz="1200" dirty="0">
-                          <a:latin typeface="LG스마트체 Regular" panose="020B0600000101010101" pitchFamily="50" charset="-127"/>
-                          <a:ea typeface="LG스마트체 Regular" panose="020B0600000101010101" pitchFamily="50" charset="-127"/>
-                        </a:rPr>
-                        <a:t>서비스 추적</a:t>
-                      </a:r>
-                    </a:p>
-                  </a:txBody>
-                  <a:tcPr anchor="ctr">
-                    <a:noFill/>
-                  </a:tcPr>
-                </a:tc>
-                <a:tc>
-                  <a:txBody>
-                    <a:bodyPr/>
-                    <a:lstStyle/>
-                    <a:p>
-                      <a:pPr latinLnBrk="0"/>
-                      <a:r>
-                        <a:rPr lang="ko-KR" altLang="en-US" sz="1200" dirty="0">
-                          <a:latin typeface="LG스마트체 Regular" panose="020B0600000101010101" pitchFamily="50" charset="-127"/>
-                          <a:ea typeface="LG스마트체 Regular" panose="020B0600000101010101" pitchFamily="50" charset="-127"/>
-                        </a:rPr>
-                        <a:t>서비스 간 요청에 대해 추적하고 관리</a:t>
+                        <a:t>로그 출력 수준에 맞춰 로그를 출력하는 기능</a:t>
                       </a:r>
                     </a:p>
                   </a:txBody>
@@ -11462,16 +11432,12 @@
                         <a:defRPr/>
                       </a:pPr>
                       <a:r>
-                        <a:rPr lang="en-US" altLang="ko-KR" sz="1200" dirty="0" err="1">
-                          <a:latin typeface="LG스마트체 Regular" panose="020B0600000101010101" pitchFamily="50" charset="-127"/>
-                          <a:ea typeface="LG스마트체 Regular" panose="020B0600000101010101" pitchFamily="50" charset="-127"/>
-                        </a:rPr>
-                        <a:t>OpenTelemetry</a:t>
-                      </a:r>
-                      <a:endParaRPr lang="en-US" altLang="ko-KR" sz="1200" dirty="0">
-                        <a:latin typeface="LG스마트체 Regular" panose="020B0600000101010101" pitchFamily="50" charset="-127"/>
-                        <a:ea typeface="LG스마트체 Regular" panose="020B0600000101010101" pitchFamily="50" charset="-127"/>
-                      </a:endParaRPr>
+                        <a:rPr lang="en-US" altLang="ko-KR" sz="1200" dirty="0">
+                          <a:latin typeface="LG스마트체 Regular" panose="020B0600000101010101" pitchFamily="50" charset="-127"/>
+                          <a:ea typeface="LG스마트체 Regular" panose="020B0600000101010101" pitchFamily="50" charset="-127"/>
+                        </a:rPr>
+                        <a:t>Log4J, Slf4J</a:t>
+                      </a:r>
                     </a:p>
                   </a:txBody>
                   <a:tcPr anchor="ctr">
@@ -11489,7 +11455,70 @@
                           <a:latin typeface="LG스마트체 Regular" panose="020B0600000101010101" pitchFamily="50" charset="-127"/>
                           <a:ea typeface="LG스마트체 Regular" panose="020B0600000101010101" pitchFamily="50" charset="-127"/>
                         </a:rPr>
-                        <a:t>서비스 간 요청에 대해 추적 기능을 제공하고 문제 발생시 빠르게 문제를 파악할 수 있음</a:t>
+                        <a:t>로그 </a:t>
+                      </a:r>
+                      <a:r>
+                        <a:rPr lang="ko-KR" altLang="en-US" sz="1200" dirty="0" err="1">
+                          <a:latin typeface="LG스마트체 Regular" panose="020B0600000101010101" pitchFamily="50" charset="-127"/>
+                          <a:ea typeface="LG스마트체 Regular" panose="020B0600000101010101" pitchFamily="50" charset="-127"/>
+                        </a:rPr>
+                        <a:t>레별</a:t>
+                      </a:r>
+                      <a:r>
+                        <a:rPr lang="en-US" altLang="ko-KR" sz="1200" dirty="0">
+                          <a:latin typeface="LG스마트체 Regular" panose="020B0600000101010101" pitchFamily="50" charset="-127"/>
+                          <a:ea typeface="LG스마트체 Regular" panose="020B0600000101010101" pitchFamily="50" charset="-127"/>
+                        </a:rPr>
+                        <a:t>(error,</a:t>
+                      </a:r>
+                      <a:r>
+                        <a:rPr lang="ko-KR" altLang="en-US" sz="1200" dirty="0">
+                          <a:latin typeface="LG스마트체 Regular" panose="020B0600000101010101" pitchFamily="50" charset="-127"/>
+                          <a:ea typeface="LG스마트체 Regular" panose="020B0600000101010101" pitchFamily="50" charset="-127"/>
+                        </a:rPr>
+                        <a:t> </a:t>
+                      </a:r>
+                      <a:r>
+                        <a:rPr lang="en-US" altLang="ko-KR" sz="1200" dirty="0">
+                          <a:latin typeface="LG스마트체 Regular" panose="020B0600000101010101" pitchFamily="50" charset="-127"/>
+                          <a:ea typeface="LG스마트체 Regular" panose="020B0600000101010101" pitchFamily="50" charset="-127"/>
+                        </a:rPr>
+                        <a:t>warn,</a:t>
+                      </a:r>
+                      <a:r>
+                        <a:rPr lang="ko-KR" altLang="en-US" sz="1200" dirty="0">
+                          <a:latin typeface="LG스마트체 Regular" panose="020B0600000101010101" pitchFamily="50" charset="-127"/>
+                          <a:ea typeface="LG스마트체 Regular" panose="020B0600000101010101" pitchFamily="50" charset="-127"/>
+                        </a:rPr>
+                        <a:t> </a:t>
+                      </a:r>
+                      <a:r>
+                        <a:rPr lang="en-US" altLang="ko-KR" sz="1200" dirty="0">
+                          <a:latin typeface="LG스마트체 Regular" panose="020B0600000101010101" pitchFamily="50" charset="-127"/>
+                          <a:ea typeface="LG스마트체 Regular" panose="020B0600000101010101" pitchFamily="50" charset="-127"/>
+                        </a:rPr>
+                        <a:t>info, debug, trace)</a:t>
+                      </a:r>
+                      <a:r>
+                        <a:rPr lang="ko-KR" altLang="en-US" sz="1200" dirty="0">
+                          <a:latin typeface="LG스마트체 Regular" panose="020B0600000101010101" pitchFamily="50" charset="-127"/>
+                          <a:ea typeface="LG스마트체 Regular" panose="020B0600000101010101" pitchFamily="50" charset="-127"/>
+                        </a:rPr>
+                        <a:t>별로 로그를 출력</a:t>
+                      </a:r>
+                      <a:r>
+                        <a:rPr lang="en-US" altLang="ko-KR" sz="1200" dirty="0">
+                          <a:latin typeface="LG스마트체 Regular" panose="020B0600000101010101" pitchFamily="50" charset="-127"/>
+                          <a:ea typeface="LG스마트체 Regular" panose="020B0600000101010101" pitchFamily="50" charset="-127"/>
+                        </a:rPr>
+                        <a:t>/</a:t>
+                      </a:r>
+                      <a:r>
+                        <a:rPr lang="ko-KR" altLang="en-US" sz="1200" dirty="0">
+                          <a:latin typeface="LG스마트체 Regular" panose="020B0600000101010101" pitchFamily="50" charset="-127"/>
+                          <a:ea typeface="LG스마트체 Regular" panose="020B0600000101010101" pitchFamily="50" charset="-127"/>
+                        </a:rPr>
+                        <a:t>관리할 수 있는 기능을 제공</a:t>
                       </a:r>
                     </a:p>
                   </a:txBody>
@@ -11499,11 +11528,11 @@
                 </a:tc>
                 <a:extLst>
                   <a:ext uri="{0D108BD9-81ED-4DB2-BD59-A6C34878D82A}">
-                    <a16:rowId xmlns:a16="http://schemas.microsoft.com/office/drawing/2014/main" val="4099867513"/>
+                    <a16:rowId xmlns:a16="http://schemas.microsoft.com/office/drawing/2014/main" val="1102310821"/>
                   </a:ext>
                 </a:extLst>
               </a:tr>
-              <a:tr h="722160">
+              <a:tr h="629022">
                 <a:tc>
                   <a:txBody>
                     <a:bodyPr/>
@@ -11527,11 +11556,87 @@
                         <a:defRPr/>
                       </a:pPr>
                       <a:r>
-                        <a:rPr lang="ko-KR" altLang="en-US" sz="1200" dirty="0" err="1">
-                          <a:latin typeface="LG스마트체 Regular" panose="020B0600000101010101" pitchFamily="50" charset="-127"/>
-                          <a:ea typeface="LG스마트체 Regular" panose="020B0600000101010101" pitchFamily="50" charset="-127"/>
-                        </a:rPr>
-                        <a:t>로드밸런싱</a:t>
+                        <a:rPr lang="ko-KR" altLang="en-US" sz="1200" dirty="0">
+                          <a:latin typeface="LG스마트체 Regular" panose="020B0600000101010101" pitchFamily="50" charset="-127"/>
+                          <a:ea typeface="LG스마트체 Regular" panose="020B0600000101010101" pitchFamily="50" charset="-127"/>
+                        </a:rPr>
+                        <a:t>서비스 로그 수집</a:t>
+                      </a:r>
+                      <a:r>
+                        <a:rPr lang="en-US" altLang="ko-KR" sz="1200" dirty="0">
+                          <a:latin typeface="LG스마트체 Regular" panose="020B0600000101010101" pitchFamily="50" charset="-127"/>
+                          <a:ea typeface="LG스마트체 Regular" panose="020B0600000101010101" pitchFamily="50" charset="-127"/>
+                        </a:rPr>
+                        <a:t>/</a:t>
+                      </a:r>
+                      <a:r>
+                        <a:rPr lang="ko-KR" altLang="en-US" sz="1200" dirty="0">
+                          <a:latin typeface="LG스마트체 Regular" panose="020B0600000101010101" pitchFamily="50" charset="-127"/>
+                          <a:ea typeface="LG스마트체 Regular" panose="020B0600000101010101" pitchFamily="50" charset="-127"/>
+                        </a:rPr>
+                        <a:t>모니터링</a:t>
+                      </a:r>
+                    </a:p>
+                  </a:txBody>
+                  <a:tcPr anchor="ctr">
+                    <a:noFill/>
+                  </a:tcPr>
+                </a:tc>
+                <a:tc>
+                  <a:txBody>
+                    <a:bodyPr/>
+                    <a:lstStyle/>
+                    <a:p>
+                      <a:pPr latinLnBrk="0"/>
+                      <a:r>
+                        <a:rPr lang="ko-KR" altLang="en-US" sz="1200" dirty="0">
+                          <a:latin typeface="LG스마트체 Regular" panose="020B0600000101010101" pitchFamily="50" charset="-127"/>
+                          <a:ea typeface="LG스마트체 Regular" panose="020B0600000101010101" pitchFamily="50" charset="-127"/>
+                        </a:rPr>
+                        <a:t>시스템</a:t>
+                      </a:r>
+                      <a:r>
+                        <a:rPr lang="en-US" altLang="ko-KR" sz="1200" dirty="0">
+                          <a:latin typeface="LG스마트체 Regular" panose="020B0600000101010101" pitchFamily="50" charset="-127"/>
+                          <a:ea typeface="LG스마트체 Regular" panose="020B0600000101010101" pitchFamily="50" charset="-127"/>
+                        </a:rPr>
+                        <a:t>, </a:t>
+                      </a:r>
+                      <a:r>
+                        <a:rPr lang="ko-KR" altLang="en-US" sz="1200" dirty="0">
+                          <a:latin typeface="LG스마트체 Regular" panose="020B0600000101010101" pitchFamily="50" charset="-127"/>
+                          <a:ea typeface="LG스마트체 Regular" panose="020B0600000101010101" pitchFamily="50" charset="-127"/>
+                        </a:rPr>
+                        <a:t>어플리케이션이 남기는 로그들을 수집하고 모니터링</a:t>
+                      </a:r>
+                    </a:p>
+                  </a:txBody>
+                  <a:tcPr anchor="ctr">
+                    <a:noFill/>
+                  </a:tcPr>
+                </a:tc>
+                <a:tc>
+                  <a:txBody>
+                    <a:bodyPr/>
+                    <a:lstStyle/>
+                    <a:p>
+                      <a:pPr latinLnBrk="0"/>
+                      <a:r>
+                        <a:rPr lang="en-US" altLang="ko-KR" sz="1200" dirty="0">
+                          <a:latin typeface="LG스마트체 Regular" panose="020B0600000101010101" pitchFamily="50" charset="-127"/>
+                          <a:ea typeface="LG스마트체 Regular" panose="020B0600000101010101" pitchFamily="50" charset="-127"/>
+                        </a:rPr>
+                        <a:t>ELK Stack (Elasticsearch, Logstash, Kibana)</a:t>
+                      </a:r>
+                    </a:p>
+                    <a:p>
+                      <a:pPr latinLnBrk="0"/>
+                      <a:r>
+                        <a:rPr lang="en-US" altLang="ko-KR" sz="1200" dirty="0">
+                          <a:latin typeface="LG스마트체 Regular" panose="020B0600000101010101" pitchFamily="50" charset="-127"/>
+                          <a:ea typeface="LG스마트체 Regular" panose="020B0600000101010101" pitchFamily="50" charset="-127"/>
+                        </a:rPr>
+                        <a:t>Prometheus, Grafana</a:t>
                       </a:r>
                       <a:endParaRPr lang="ko-KR" altLang="en-US" sz="1200" dirty="0">
                         <a:latin typeface="LG스마트체 Regular" panose="020B0600000101010101" pitchFamily="50" charset="-127"/>
@@ -11554,7 +11659,63 @@
                           <a:latin typeface="LG스마트체 Regular" panose="020B0600000101010101" pitchFamily="50" charset="-127"/>
                           <a:ea typeface="LG스마트체 Regular" panose="020B0600000101010101" pitchFamily="50" charset="-127"/>
                         </a:rPr>
-                        <a:t>서비스 단일 접근 포인트를 제공하고 멀티 서비스들의 부하 분산 지원</a:t>
+                        <a:t>시스템</a:t>
+                      </a:r>
+                      <a:r>
+                        <a:rPr lang="en-US" altLang="ko-KR" sz="1200" dirty="0">
+                          <a:latin typeface="LG스마트체 Regular" panose="020B0600000101010101" pitchFamily="50" charset="-127"/>
+                          <a:ea typeface="LG스마트체 Regular" panose="020B0600000101010101" pitchFamily="50" charset="-127"/>
+                        </a:rPr>
+                        <a:t>,</a:t>
+                      </a:r>
+                      <a:r>
+                        <a:rPr lang="ko-KR" altLang="en-US" sz="1200" dirty="0">
+                          <a:latin typeface="LG스마트체 Regular" panose="020B0600000101010101" pitchFamily="50" charset="-127"/>
+                          <a:ea typeface="LG스마트체 Regular" panose="020B0600000101010101" pitchFamily="50" charset="-127"/>
+                        </a:rPr>
+                        <a:t>어플리케이션이 남기는 로그들을 수집하고 분석해서 시스템의 상태를 실시간으로 확인할 수 있는 환경 구성을 지원</a:t>
+                      </a:r>
+                    </a:p>
+                  </a:txBody>
+                  <a:tcPr anchor="ctr">
+                    <a:noFill/>
+                  </a:tcPr>
+                </a:tc>
+                <a:extLst>
+                  <a:ext uri="{0D108BD9-81ED-4DB2-BD59-A6C34878D82A}">
+                    <a16:rowId xmlns:a16="http://schemas.microsoft.com/office/drawing/2014/main" val="2449278400"/>
+                  </a:ext>
+                </a:extLst>
+              </a:tr>
+              <a:tr h="486986">
+                <a:tc>
+                  <a:txBody>
+                    <a:bodyPr/>
+                    <a:lstStyle/>
+                    <a:p>
+                      <a:pPr marL="0" marR="0" lvl="0" indent="0" algn="l" defTabSz="914400" rtl="0" eaLnBrk="1" fontAlgn="auto" latinLnBrk="0" hangingPunct="1">
+                        <a:lnSpc>
+                          <a:spcPct val="100000"/>
+                        </a:lnSpc>
+                        <a:spcBef>
+                          <a:spcPts val="0"/>
+                        </a:spcBef>
+                        <a:spcAft>
+                          <a:spcPts val="0"/>
+                        </a:spcAft>
+                        <a:buClrTx/>
+                        <a:buSzTx/>
+                        <a:buFontTx/>
+                        <a:buNone/>
+                        <a:tabLst/>
+                        <a:defRPr/>
+                      </a:pPr>
+                      <a:r>
+                        <a:rPr lang="ko-KR" altLang="en-US" sz="1200" dirty="0">
+                          <a:latin typeface="LG스마트체 Regular" panose="020B0600000101010101" pitchFamily="50" charset="-127"/>
+                          <a:ea typeface="LG스마트체 Regular" panose="020B0600000101010101" pitchFamily="50" charset="-127"/>
+                        </a:rPr>
+                        <a:t>서비스 추적</a:t>
                       </a:r>
                     </a:p>
                   </a:txBody>
@@ -11567,16 +11728,48 @@
                     <a:bodyPr/>
                     <a:lstStyle/>
                     <a:p>
-                      <a:pPr marL="0" indent="0" latinLnBrk="0">
+                      <a:pPr latinLnBrk="0"/>
+                      <a:r>
+                        <a:rPr lang="ko-KR" altLang="en-US" sz="1200" dirty="0">
+                          <a:latin typeface="LG스마트체 Regular" panose="020B0600000101010101" pitchFamily="50" charset="-127"/>
+                          <a:ea typeface="LG스마트체 Regular" panose="020B0600000101010101" pitchFamily="50" charset="-127"/>
+                        </a:rPr>
+                        <a:t>서비스 간 요청에 대해 추적하고 관리</a:t>
+                      </a:r>
+                    </a:p>
+                  </a:txBody>
+                  <a:tcPr anchor="ctr">
+                    <a:noFill/>
+                  </a:tcPr>
+                </a:tc>
+                <a:tc>
+                  <a:txBody>
+                    <a:bodyPr/>
+                    <a:lstStyle/>
+                    <a:p>
+                      <a:pPr marL="0" marR="0" lvl="0" indent="0" algn="l" defTabSz="914400" rtl="0" eaLnBrk="1" fontAlgn="auto" latinLnBrk="0" hangingPunct="1">
+                        <a:lnSpc>
+                          <a:spcPct val="100000"/>
+                        </a:lnSpc>
+                        <a:spcBef>
+                          <a:spcPts val="0"/>
+                        </a:spcBef>
+                        <a:spcAft>
+                          <a:spcPts val="0"/>
+                        </a:spcAft>
+                        <a:buClrTx/>
+                        <a:buSzTx/>
                         <a:buFontTx/>
                         <a:buNone/>
+                        <a:tabLst/>
+                        <a:defRPr/>
                       </a:pPr>
                       <a:r>
                         <a:rPr lang="en-US" altLang="ko-KR" sz="1200" dirty="0" err="1">
                           <a:latin typeface="LG스마트체 Regular" panose="020B0600000101010101" pitchFamily="50" charset="-127"/>
                           <a:ea typeface="LG스마트체 Regular" panose="020B0600000101010101" pitchFamily="50" charset="-127"/>
                         </a:rPr>
-                        <a:t>HAProxy</a:t>
+                        <a:t>OpenTelemetry</a:t>
                       </a:r>
                       <a:endParaRPr lang="en-US" altLang="ko-KR" sz="1200" dirty="0">
                         <a:latin typeface="LG스마트체 Regular" panose="020B0600000101010101" pitchFamily="50" charset="-127"/>
@@ -11599,6 +11792,116 @@
                           <a:latin typeface="LG스마트체 Regular" panose="020B0600000101010101" pitchFamily="50" charset="-127"/>
                           <a:ea typeface="LG스마트체 Regular" panose="020B0600000101010101" pitchFamily="50" charset="-127"/>
                         </a:rPr>
+                        <a:t>서비스 간 요청에 대해 추적 기능을 제공하고 문제 발생시 빠르게 문제를 파악할 수 있음</a:t>
+                      </a:r>
+                    </a:p>
+                  </a:txBody>
+                  <a:tcPr anchor="ctr">
+                    <a:noFill/>
+                  </a:tcPr>
+                </a:tc>
+                <a:extLst>
+                  <a:ext uri="{0D108BD9-81ED-4DB2-BD59-A6C34878D82A}">
+                    <a16:rowId xmlns:a16="http://schemas.microsoft.com/office/drawing/2014/main" val="4099867513"/>
+                  </a:ext>
+                </a:extLst>
+              </a:tr>
+              <a:tr h="618481">
+                <a:tc>
+                  <a:txBody>
+                    <a:bodyPr/>
+                    <a:lstStyle/>
+                    <a:p>
+                      <a:pPr marL="0" marR="0" lvl="0" indent="0" algn="l" defTabSz="914400" rtl="0" eaLnBrk="1" fontAlgn="auto" latinLnBrk="0" hangingPunct="1">
+                        <a:lnSpc>
+                          <a:spcPct val="100000"/>
+                        </a:lnSpc>
+                        <a:spcBef>
+                          <a:spcPts val="0"/>
+                        </a:spcBef>
+                        <a:spcAft>
+                          <a:spcPts val="0"/>
+                        </a:spcAft>
+                        <a:buClrTx/>
+                        <a:buSzTx/>
+                        <a:buFontTx/>
+                        <a:buNone/>
+                        <a:tabLst/>
+                        <a:defRPr/>
+                      </a:pPr>
+                      <a:r>
+                        <a:rPr lang="ko-KR" altLang="en-US" sz="1200" dirty="0" err="1">
+                          <a:latin typeface="LG스마트체 Regular" panose="020B0600000101010101" pitchFamily="50" charset="-127"/>
+                          <a:ea typeface="LG스마트체 Regular" panose="020B0600000101010101" pitchFamily="50" charset="-127"/>
+                        </a:rPr>
+                        <a:t>로드밸런싱</a:t>
+                      </a:r>
+                      <a:endParaRPr lang="ko-KR" altLang="en-US" sz="1200" dirty="0">
+                        <a:latin typeface="LG스마트체 Regular" panose="020B0600000101010101" pitchFamily="50" charset="-127"/>
+                        <a:ea typeface="LG스마트체 Regular" panose="020B0600000101010101" pitchFamily="50" charset="-127"/>
+                      </a:endParaRPr>
+                    </a:p>
+                  </a:txBody>
+                  <a:tcPr anchor="ctr">
+                    <a:noFill/>
+                  </a:tcPr>
+                </a:tc>
+                <a:tc>
+                  <a:txBody>
+                    <a:bodyPr/>
+                    <a:lstStyle/>
+                    <a:p>
+                      <a:pPr latinLnBrk="0"/>
+                      <a:r>
+                        <a:rPr lang="ko-KR" altLang="en-US" sz="1200" dirty="0">
+                          <a:latin typeface="LG스마트체 Regular" panose="020B0600000101010101" pitchFamily="50" charset="-127"/>
+                          <a:ea typeface="LG스마트체 Regular" panose="020B0600000101010101" pitchFamily="50" charset="-127"/>
+                        </a:rPr>
+                        <a:t>서비스 단일 접근 포인트를 제공하고 멀티 서비스들의 부하 분산 지원</a:t>
+                      </a:r>
+                    </a:p>
+                  </a:txBody>
+                  <a:tcPr anchor="ctr">
+                    <a:noFill/>
+                  </a:tcPr>
+                </a:tc>
+                <a:tc>
+                  <a:txBody>
+                    <a:bodyPr/>
+                    <a:lstStyle/>
+                    <a:p>
+                      <a:pPr marL="0" indent="0" latinLnBrk="0">
+                        <a:buFontTx/>
+                        <a:buNone/>
+                      </a:pPr>
+                      <a:r>
+                        <a:rPr lang="en-US" altLang="ko-KR" sz="1200" dirty="0" err="1">
+                          <a:latin typeface="LG스마트체 Regular" panose="020B0600000101010101" pitchFamily="50" charset="-127"/>
+                          <a:ea typeface="LG스마트체 Regular" panose="020B0600000101010101" pitchFamily="50" charset="-127"/>
+                        </a:rPr>
+                        <a:t>HAProxy</a:t>
+                      </a:r>
+                      <a:endParaRPr lang="en-US" altLang="ko-KR" sz="1200" dirty="0">
+                        <a:latin typeface="LG스마트체 Regular" panose="020B0600000101010101" pitchFamily="50" charset="-127"/>
+                        <a:ea typeface="LG스마트체 Regular" panose="020B0600000101010101" pitchFamily="50" charset="-127"/>
+                      </a:endParaRPr>
+                    </a:p>
+                  </a:txBody>
+                  <a:tcPr anchor="ctr">
+                    <a:noFill/>
+                  </a:tcPr>
+                </a:tc>
+                <a:tc>
+                  <a:txBody>
+                    <a:bodyPr/>
+                    <a:lstStyle/>
+                    <a:p>
+                      <a:pPr latinLnBrk="0"/>
+                      <a:r>
+                        <a:rPr lang="ko-KR" altLang="en-US" sz="1200" dirty="0">
+                          <a:latin typeface="LG스마트체 Regular" panose="020B0600000101010101" pitchFamily="50" charset="-127"/>
+                          <a:ea typeface="LG스마트체 Regular" panose="020B0600000101010101" pitchFamily="50" charset="-127"/>
+                        </a:rPr>
                         <a:t>하드웨어 스위치를 대체하는 소프트웨어 </a:t>
                       </a:r>
                       <a:r>
@@ -11648,10 +11951,2579 @@
                   </a:ext>
                 </a:extLst>
               </a:tr>
+              <a:tr h="631345">
+                <a:tc>
+                  <a:txBody>
+                    <a:bodyPr/>
+                    <a:lstStyle/>
+                    <a:p>
+                      <a:pPr marL="0" marR="0" lvl="0" indent="0" algn="l" defTabSz="914400" rtl="0" eaLnBrk="1" fontAlgn="auto" latinLnBrk="0" hangingPunct="1">
+                        <a:lnSpc>
+                          <a:spcPct val="100000"/>
+                        </a:lnSpc>
+                        <a:spcBef>
+                          <a:spcPts val="0"/>
+                        </a:spcBef>
+                        <a:spcAft>
+                          <a:spcPts val="0"/>
+                        </a:spcAft>
+                        <a:buClrTx/>
+                        <a:buSzTx/>
+                        <a:buFontTx/>
+                        <a:buNone/>
+                        <a:tabLst/>
+                        <a:defRPr/>
+                      </a:pPr>
+                      <a:r>
+                        <a:rPr lang="en-US" altLang="ko-KR" sz="1200" dirty="0">
+                          <a:latin typeface="LG스마트체 Regular" panose="020B0600000101010101" pitchFamily="50" charset="-127"/>
+                          <a:ea typeface="LG스마트체 Regular" panose="020B0600000101010101" pitchFamily="50" charset="-127"/>
+                        </a:rPr>
+                        <a:t>OPEN API</a:t>
+                      </a:r>
+                      <a:endParaRPr lang="ko-KR" altLang="en-US" sz="1200" dirty="0">
+                        <a:latin typeface="LG스마트체 Regular" panose="020B0600000101010101" pitchFamily="50" charset="-127"/>
+                        <a:ea typeface="LG스마트체 Regular" panose="020B0600000101010101" pitchFamily="50" charset="-127"/>
+                      </a:endParaRPr>
+                    </a:p>
+                  </a:txBody>
+                  <a:tcPr anchor="ctr">
+                    <a:noFill/>
+                  </a:tcPr>
+                </a:tc>
+                <a:tc>
+                  <a:txBody>
+                    <a:bodyPr/>
+                    <a:lstStyle/>
+                    <a:p>
+                      <a:pPr latinLnBrk="0"/>
+                      <a:r>
+                        <a:rPr lang="ko-KR" altLang="en-US" sz="1200" dirty="0" err="1">
+                          <a:latin typeface="LG스마트체 Regular" panose="020B0600000101010101" pitchFamily="50" charset="-127"/>
+                          <a:ea typeface="LG스마트체 Regular" panose="020B0600000101010101" pitchFamily="50" charset="-127"/>
+                        </a:rPr>
+                        <a:t>레가시</a:t>
+                      </a:r>
+                      <a:r>
+                        <a:rPr lang="en-US" altLang="ko-KR" sz="1200" dirty="0">
+                          <a:latin typeface="LG스마트체 Regular" panose="020B0600000101010101" pitchFamily="50" charset="-127"/>
+                          <a:ea typeface="LG스마트체 Regular" panose="020B0600000101010101" pitchFamily="50" charset="-127"/>
+                        </a:rPr>
+                        <a:t>/</a:t>
+                      </a:r>
+                      <a:r>
+                        <a:rPr lang="ko-KR" altLang="en-US" sz="1200" dirty="0">
+                          <a:latin typeface="LG스마트체 Regular" panose="020B0600000101010101" pitchFamily="50" charset="-127"/>
+                          <a:ea typeface="LG스마트체 Regular" panose="020B0600000101010101" pitchFamily="50" charset="-127"/>
+                        </a:rPr>
+                        <a:t>외부 시스템과의 연계 기능 </a:t>
+                      </a:r>
+                    </a:p>
+                  </a:txBody>
+                  <a:tcPr anchor="ctr">
+                    <a:noFill/>
+                  </a:tcPr>
+                </a:tc>
+                <a:tc>
+                  <a:txBody>
+                    <a:bodyPr/>
+                    <a:lstStyle/>
+                    <a:p>
+                      <a:pPr marL="0" indent="0" latinLnBrk="0">
+                        <a:buFontTx/>
+                        <a:buNone/>
+                      </a:pPr>
+                      <a:r>
+                        <a:rPr lang="en-US" altLang="ko-KR" sz="1200" dirty="0">
+                          <a:latin typeface="LG스마트체 Regular" panose="020B0600000101010101" pitchFamily="50" charset="-127"/>
+                          <a:ea typeface="LG스마트체 Regular" panose="020B0600000101010101" pitchFamily="50" charset="-127"/>
+                        </a:rPr>
+                        <a:t>REST API</a:t>
+                      </a:r>
+                    </a:p>
+                  </a:txBody>
+                  <a:tcPr anchor="ctr">
+                    <a:noFill/>
+                  </a:tcPr>
+                </a:tc>
+                <a:tc>
+                  <a:txBody>
+                    <a:bodyPr/>
+                    <a:lstStyle/>
+                    <a:p>
+                      <a:pPr latinLnBrk="0"/>
+                      <a:r>
+                        <a:rPr lang="ko-KR" altLang="en-US" sz="1200" dirty="0">
+                          <a:latin typeface="LG스마트체 Regular" panose="020B0600000101010101" pitchFamily="50" charset="-127"/>
+                          <a:ea typeface="LG스마트체 Regular" panose="020B0600000101010101" pitchFamily="50" charset="-127"/>
+                        </a:rPr>
+                        <a:t>다양한 </a:t>
+                      </a:r>
+                      <a:r>
+                        <a:rPr lang="ko-KR" altLang="en-US" sz="1200" dirty="0" err="1">
+                          <a:latin typeface="LG스마트체 Regular" panose="020B0600000101010101" pitchFamily="50" charset="-127"/>
+                          <a:ea typeface="LG스마트체 Regular" panose="020B0600000101010101" pitchFamily="50" charset="-127"/>
+                        </a:rPr>
+                        <a:t>레가시</a:t>
+                      </a:r>
+                      <a:r>
+                        <a:rPr lang="en-US" altLang="ko-KR" sz="1200" dirty="0">
+                          <a:latin typeface="LG스마트체 Regular" panose="020B0600000101010101" pitchFamily="50" charset="-127"/>
+                          <a:ea typeface="LG스마트체 Regular" panose="020B0600000101010101" pitchFamily="50" charset="-127"/>
+                        </a:rPr>
+                        <a:t>/</a:t>
+                      </a:r>
+                      <a:r>
+                        <a:rPr lang="ko-KR" altLang="en-US" sz="1200" dirty="0">
+                          <a:latin typeface="LG스마트체 Regular" panose="020B0600000101010101" pitchFamily="50" charset="-127"/>
+                          <a:ea typeface="LG스마트체 Regular" panose="020B0600000101010101" pitchFamily="50" charset="-127"/>
+                        </a:rPr>
+                        <a:t>외부시스템과 연동하기 위한 통신 프로토콜</a:t>
+                      </a:r>
+                      <a:r>
+                        <a:rPr lang="en-US" altLang="ko-KR" sz="1200" dirty="0">
+                          <a:latin typeface="LG스마트체 Regular" panose="020B0600000101010101" pitchFamily="50" charset="-127"/>
+                          <a:ea typeface="LG스마트체 Regular" panose="020B0600000101010101" pitchFamily="50" charset="-127"/>
+                        </a:rPr>
+                        <a:t>/</a:t>
+                      </a:r>
+                      <a:r>
+                        <a:rPr lang="ko-KR" altLang="en-US" sz="1200" dirty="0">
+                          <a:latin typeface="LG스마트체 Regular" panose="020B0600000101010101" pitchFamily="50" charset="-127"/>
+                          <a:ea typeface="LG스마트체 Regular" panose="020B0600000101010101" pitchFamily="50" charset="-127"/>
+                        </a:rPr>
+                        <a:t>명세를 제공</a:t>
+                      </a:r>
+                    </a:p>
+                  </a:txBody>
+                  <a:tcPr anchor="ctr">
+                    <a:noFill/>
+                  </a:tcPr>
+                </a:tc>
+                <a:extLst>
+                  <a:ext uri="{0D108BD9-81ED-4DB2-BD59-A6C34878D82A}">
+                    <a16:rowId xmlns:a16="http://schemas.microsoft.com/office/drawing/2014/main" val="3585214498"/>
+                  </a:ext>
+                </a:extLst>
+              </a:tr>
             </a:tbl>
           </a:graphicData>
         </a:graphic>
       </p:graphicFrame>
+      <p:grpSp>
+        <p:nvGrpSpPr>
+          <p:cNvPr id="3" name="그룹 2">
+            <a:extLst>
+              <a:ext uri="{FF2B5EF4-FFF2-40B4-BE49-F238E27FC236}">
+                <a16:creationId xmlns:a16="http://schemas.microsoft.com/office/drawing/2014/main" id="{7E398F2D-47C2-4078-BB05-1C72374E0673}"/>
+              </a:ext>
+            </a:extLst>
+          </p:cNvPr>
+          <p:cNvGrpSpPr/>
+          <p:nvPr/>
+        </p:nvGrpSpPr>
+        <p:grpSpPr>
+          <a:xfrm>
+            <a:off x="660400" y="7064425"/>
+            <a:ext cx="11423978" cy="5472289"/>
+            <a:chOff x="462844" y="968021"/>
+            <a:chExt cx="11423978" cy="5472289"/>
+          </a:xfrm>
+        </p:grpSpPr>
+        <p:sp>
+          <p:nvSpPr>
+            <p:cNvPr id="46" name="직사각형 45">
+              <a:extLst>
+                <a:ext uri="{FF2B5EF4-FFF2-40B4-BE49-F238E27FC236}">
+                  <a16:creationId xmlns:a16="http://schemas.microsoft.com/office/drawing/2014/main" id="{A614955C-214D-4D28-9B33-29C2FF335322}"/>
+                </a:ext>
+              </a:extLst>
+            </p:cNvPr>
+            <p:cNvSpPr/>
+            <p:nvPr/>
+          </p:nvSpPr>
+          <p:spPr>
+            <a:xfrm>
+              <a:off x="2394255" y="968021"/>
+              <a:ext cx="7752038" cy="5472289"/>
+            </a:xfrm>
+            <a:prstGeom prst="rect">
+              <a:avLst/>
+            </a:prstGeom>
+          </p:spPr>
+          <p:style>
+            <a:lnRef idx="2">
+              <a:schemeClr val="accent1">
+                <a:shade val="50000"/>
+              </a:schemeClr>
+            </a:lnRef>
+            <a:fillRef idx="1">
+              <a:schemeClr val="accent1"/>
+            </a:fillRef>
+            <a:effectRef idx="0">
+              <a:schemeClr val="accent1"/>
+            </a:effectRef>
+            <a:fontRef idx="minor">
+              <a:schemeClr val="lt1"/>
+            </a:fontRef>
+          </p:style>
+          <p:txBody>
+            <a:bodyPr rtlCol="0" anchor="t"/>
+            <a:lstStyle/>
+            <a:p>
+              <a:pPr algn="ctr"/>
+              <a:endParaRPr lang="en-US" altLang="ko-KR" sz="800" dirty="0"/>
+            </a:p>
+            <a:p>
+              <a:pPr algn="ctr"/>
+              <a:r>
+                <a:rPr lang="en-US" altLang="ko-KR" sz="2000" dirty="0"/>
+                <a:t>Edge Node</a:t>
+              </a:r>
+              <a:endParaRPr lang="ko-KR" altLang="en-US" sz="2000" dirty="0"/>
+            </a:p>
+          </p:txBody>
+        </p:sp>
+        <p:sp>
+          <p:nvSpPr>
+            <p:cNvPr id="47" name="순서도: 처리 46">
+              <a:extLst>
+                <a:ext uri="{FF2B5EF4-FFF2-40B4-BE49-F238E27FC236}">
+                  <a16:creationId xmlns:a16="http://schemas.microsoft.com/office/drawing/2014/main" id="{4D654D38-801B-49E9-86A6-D0381FAC92BF}"/>
+                </a:ext>
+              </a:extLst>
+            </p:cNvPr>
+            <p:cNvSpPr/>
+            <p:nvPr/>
+          </p:nvSpPr>
+          <p:spPr>
+            <a:xfrm>
+              <a:off x="5961657" y="4370282"/>
+              <a:ext cx="3836086" cy="1136604"/>
+            </a:xfrm>
+            <a:prstGeom prst="flowChartProcess">
+              <a:avLst/>
+            </a:prstGeom>
+            <a:solidFill>
+              <a:schemeClr val="bg1">
+                <a:lumMod val="85000"/>
+              </a:schemeClr>
+            </a:solidFill>
+          </p:spPr>
+          <p:style>
+            <a:lnRef idx="2">
+              <a:schemeClr val="accent1">
+                <a:shade val="50000"/>
+              </a:schemeClr>
+            </a:lnRef>
+            <a:fillRef idx="1">
+              <a:schemeClr val="accent1"/>
+            </a:fillRef>
+            <a:effectRef idx="0">
+              <a:schemeClr val="accent1"/>
+            </a:effectRef>
+            <a:fontRef idx="minor">
+              <a:schemeClr val="lt1"/>
+            </a:fontRef>
+          </p:style>
+          <p:txBody>
+            <a:bodyPr rtlCol="0" anchor="t"/>
+            <a:lstStyle/>
+            <a:p>
+              <a:pPr algn="ctr"/>
+              <a:r>
+                <a:rPr lang="en-US" altLang="ko-KR" sz="1200" dirty="0">
+                  <a:solidFill>
+                    <a:schemeClr val="tx1"/>
+                  </a:solidFill>
+                </a:rPr>
+                <a:t>Http Client Worker Pool</a:t>
+              </a:r>
+              <a:endParaRPr lang="ko-KR" altLang="en-US" sz="1200" dirty="0">
+                <a:solidFill>
+                  <a:schemeClr val="tx1"/>
+                </a:solidFill>
+              </a:endParaRPr>
+            </a:p>
+          </p:txBody>
+        </p:sp>
+        <p:sp>
+          <p:nvSpPr>
+            <p:cNvPr id="48" name="직사각형 47">
+              <a:extLst>
+                <a:ext uri="{FF2B5EF4-FFF2-40B4-BE49-F238E27FC236}">
+                  <a16:creationId xmlns:a16="http://schemas.microsoft.com/office/drawing/2014/main" id="{132C79B0-232E-4CF2-B2EC-12BBEB93E5A2}"/>
+                </a:ext>
+              </a:extLst>
+            </p:cNvPr>
+            <p:cNvSpPr/>
+            <p:nvPr/>
+          </p:nvSpPr>
+          <p:spPr>
+            <a:xfrm>
+              <a:off x="462844" y="968022"/>
+              <a:ext cx="1731434" cy="5472288"/>
+            </a:xfrm>
+            <a:prstGeom prst="rect">
+              <a:avLst/>
+            </a:prstGeom>
+          </p:spPr>
+          <p:style>
+            <a:lnRef idx="2">
+              <a:schemeClr val="accent1">
+                <a:shade val="50000"/>
+              </a:schemeClr>
+            </a:lnRef>
+            <a:fillRef idx="1">
+              <a:schemeClr val="accent1"/>
+            </a:fillRef>
+            <a:effectRef idx="0">
+              <a:schemeClr val="accent1"/>
+            </a:effectRef>
+            <a:fontRef idx="minor">
+              <a:schemeClr val="lt1"/>
+            </a:fontRef>
+          </p:style>
+          <p:txBody>
+            <a:bodyPr rtlCol="0" anchor="t"/>
+            <a:lstStyle/>
+            <a:p>
+              <a:pPr algn="ctr"/>
+              <a:endParaRPr lang="en-US" altLang="ko-KR" sz="800" dirty="0"/>
+            </a:p>
+            <a:p>
+              <a:pPr algn="ctr"/>
+              <a:r>
+                <a:rPr lang="en-US" altLang="ko-KR" sz="2000" dirty="0"/>
+                <a:t>Server</a:t>
+              </a:r>
+              <a:endParaRPr lang="ko-KR" altLang="en-US" sz="2000" dirty="0"/>
+            </a:p>
+          </p:txBody>
+        </p:sp>
+        <p:sp>
+          <p:nvSpPr>
+            <p:cNvPr id="49" name="순서도: 수동 입력 48">
+              <a:extLst>
+                <a:ext uri="{FF2B5EF4-FFF2-40B4-BE49-F238E27FC236}">
+                  <a16:creationId xmlns:a16="http://schemas.microsoft.com/office/drawing/2014/main" id="{85862407-DFC3-47B9-9AF8-2A9226F2AA62}"/>
+                </a:ext>
+              </a:extLst>
+            </p:cNvPr>
+            <p:cNvSpPr/>
+            <p:nvPr/>
+          </p:nvSpPr>
+          <p:spPr>
+            <a:xfrm>
+              <a:off x="620888" y="1711481"/>
+              <a:ext cx="1350735" cy="654755"/>
+            </a:xfrm>
+            <a:prstGeom prst="flowChartManualInput">
+              <a:avLst/>
+            </a:prstGeom>
+            <a:solidFill>
+              <a:schemeClr val="bg1">
+                <a:lumMod val="95000"/>
+              </a:schemeClr>
+            </a:solidFill>
+          </p:spPr>
+          <p:style>
+            <a:lnRef idx="2">
+              <a:schemeClr val="accent1">
+                <a:shade val="50000"/>
+              </a:schemeClr>
+            </a:lnRef>
+            <a:fillRef idx="1">
+              <a:schemeClr val="accent1"/>
+            </a:fillRef>
+            <a:effectRef idx="0">
+              <a:schemeClr val="accent1"/>
+            </a:effectRef>
+            <a:fontRef idx="minor">
+              <a:schemeClr val="lt1"/>
+            </a:fontRef>
+          </p:style>
+          <p:txBody>
+            <a:bodyPr rtlCol="0" anchor="ctr"/>
+            <a:lstStyle/>
+            <a:p>
+              <a:pPr algn="ctr"/>
+              <a:r>
+                <a:rPr lang="en-US" altLang="ko-KR" sz="1400" dirty="0">
+                  <a:solidFill>
+                    <a:schemeClr val="tx1"/>
+                  </a:solidFill>
+                </a:rPr>
+                <a:t>Console Input</a:t>
+              </a:r>
+              <a:endParaRPr lang="ko-KR" altLang="en-US" sz="1400" dirty="0">
+                <a:solidFill>
+                  <a:schemeClr val="tx1"/>
+                </a:solidFill>
+              </a:endParaRPr>
+            </a:p>
+          </p:txBody>
+        </p:sp>
+        <p:sp>
+          <p:nvSpPr>
+            <p:cNvPr id="50" name="순서도: 수동 입력 49">
+              <a:extLst>
+                <a:ext uri="{FF2B5EF4-FFF2-40B4-BE49-F238E27FC236}">
+                  <a16:creationId xmlns:a16="http://schemas.microsoft.com/office/drawing/2014/main" id="{8B468D6C-3163-4AF9-8902-CB7F9B8E04C3}"/>
+                </a:ext>
+              </a:extLst>
+            </p:cNvPr>
+            <p:cNvSpPr/>
+            <p:nvPr/>
+          </p:nvSpPr>
+          <p:spPr>
+            <a:xfrm>
+              <a:off x="620888" y="2941972"/>
+              <a:ext cx="1350735" cy="654755"/>
+            </a:xfrm>
+            <a:prstGeom prst="flowChartManualInput">
+              <a:avLst/>
+            </a:prstGeom>
+            <a:solidFill>
+              <a:schemeClr val="bg1">
+                <a:lumMod val="95000"/>
+              </a:schemeClr>
+            </a:solidFill>
+          </p:spPr>
+          <p:style>
+            <a:lnRef idx="2">
+              <a:schemeClr val="accent1">
+                <a:shade val="50000"/>
+              </a:schemeClr>
+            </a:lnRef>
+            <a:fillRef idx="1">
+              <a:schemeClr val="accent1"/>
+            </a:fillRef>
+            <a:effectRef idx="0">
+              <a:schemeClr val="accent1"/>
+            </a:effectRef>
+            <a:fontRef idx="minor">
+              <a:schemeClr val="lt1"/>
+            </a:fontRef>
+          </p:style>
+          <p:txBody>
+            <a:bodyPr rtlCol="0" anchor="ctr"/>
+            <a:lstStyle/>
+            <a:p>
+              <a:pPr algn="ctr"/>
+              <a:r>
+                <a:rPr lang="en-US" altLang="ko-KR" sz="1400" dirty="0">
+                  <a:solidFill>
+                    <a:schemeClr val="tx1"/>
+                  </a:solidFill>
+                </a:rPr>
+                <a:t>Http Request</a:t>
+              </a:r>
+              <a:endParaRPr lang="ko-KR" altLang="en-US" sz="1400" dirty="0">
+                <a:solidFill>
+                  <a:schemeClr val="tx1"/>
+                </a:solidFill>
+              </a:endParaRPr>
+            </a:p>
+          </p:txBody>
+        </p:sp>
+        <p:sp>
+          <p:nvSpPr>
+            <p:cNvPr id="51" name="직사각형 50">
+              <a:extLst>
+                <a:ext uri="{FF2B5EF4-FFF2-40B4-BE49-F238E27FC236}">
+                  <a16:creationId xmlns:a16="http://schemas.microsoft.com/office/drawing/2014/main" id="{FA90250C-1329-4B52-9BD4-6C43299A746F}"/>
+                </a:ext>
+              </a:extLst>
+            </p:cNvPr>
+            <p:cNvSpPr/>
+            <p:nvPr/>
+          </p:nvSpPr>
+          <p:spPr>
+            <a:xfrm>
+              <a:off x="2670753" y="1711481"/>
+              <a:ext cx="2573999" cy="654755"/>
+            </a:xfrm>
+            <a:prstGeom prst="rect">
+              <a:avLst/>
+            </a:prstGeom>
+            <a:solidFill>
+              <a:schemeClr val="bg1">
+                <a:lumMod val="95000"/>
+              </a:schemeClr>
+            </a:solidFill>
+          </p:spPr>
+          <p:style>
+            <a:lnRef idx="2">
+              <a:schemeClr val="accent1">
+                <a:shade val="50000"/>
+              </a:schemeClr>
+            </a:lnRef>
+            <a:fillRef idx="1">
+              <a:schemeClr val="accent1"/>
+            </a:fillRef>
+            <a:effectRef idx="0">
+              <a:schemeClr val="accent1"/>
+            </a:effectRef>
+            <a:fontRef idx="minor">
+              <a:schemeClr val="lt1"/>
+            </a:fontRef>
+          </p:style>
+          <p:txBody>
+            <a:bodyPr rtlCol="0" anchor="ctr"/>
+            <a:lstStyle/>
+            <a:p>
+              <a:pPr algn="ctr"/>
+              <a:r>
+                <a:rPr lang="en-US" altLang="ko-KR" sz="1400" dirty="0">
+                  <a:solidFill>
+                    <a:schemeClr val="tx1"/>
+                  </a:solidFill>
+                </a:rPr>
+                <a:t>Console Input Reader</a:t>
+              </a:r>
+            </a:p>
+            <a:p>
+              <a:pPr algn="ctr"/>
+              <a:r>
+                <a:rPr lang="en-US" altLang="ko-KR" sz="1400" dirty="0">
+                  <a:solidFill>
+                    <a:schemeClr val="tx1"/>
+                  </a:solidFill>
+                </a:rPr>
+                <a:t>(</a:t>
+              </a:r>
+              <a:r>
+                <a:rPr lang="ko-KR" altLang="en-US" sz="1400" dirty="0">
+                  <a:solidFill>
+                    <a:schemeClr val="tx1"/>
+                  </a:solidFill>
+                </a:rPr>
+                <a:t>표준입력 처리</a:t>
+              </a:r>
+              <a:r>
+                <a:rPr lang="en-US" altLang="ko-KR" sz="1400" dirty="0">
+                  <a:solidFill>
+                    <a:schemeClr val="tx1"/>
+                  </a:solidFill>
+                </a:rPr>
+                <a:t>, String Parser)</a:t>
+              </a:r>
+              <a:endParaRPr lang="ko-KR" altLang="en-US" sz="1400" dirty="0">
+                <a:solidFill>
+                  <a:schemeClr val="tx1"/>
+                </a:solidFill>
+              </a:endParaRPr>
+            </a:p>
+          </p:txBody>
+        </p:sp>
+        <p:sp>
+          <p:nvSpPr>
+            <p:cNvPr id="52" name="직사각형 51">
+              <a:extLst>
+                <a:ext uri="{FF2B5EF4-FFF2-40B4-BE49-F238E27FC236}">
+                  <a16:creationId xmlns:a16="http://schemas.microsoft.com/office/drawing/2014/main" id="{6456A48A-E568-4637-9804-5EC3B640D622}"/>
+                </a:ext>
+              </a:extLst>
+            </p:cNvPr>
+            <p:cNvSpPr/>
+            <p:nvPr/>
+          </p:nvSpPr>
+          <p:spPr>
+            <a:xfrm>
+              <a:off x="2679094" y="3426960"/>
+              <a:ext cx="2573999" cy="654755"/>
+            </a:xfrm>
+            <a:prstGeom prst="rect">
+              <a:avLst/>
+            </a:prstGeom>
+            <a:solidFill>
+              <a:schemeClr val="bg1">
+                <a:lumMod val="95000"/>
+              </a:schemeClr>
+            </a:solidFill>
+          </p:spPr>
+          <p:style>
+            <a:lnRef idx="2">
+              <a:schemeClr val="accent1">
+                <a:shade val="50000"/>
+              </a:schemeClr>
+            </a:lnRef>
+            <a:fillRef idx="1">
+              <a:schemeClr val="accent1"/>
+            </a:fillRef>
+            <a:effectRef idx="0">
+              <a:schemeClr val="accent1"/>
+            </a:effectRef>
+            <a:fontRef idx="minor">
+              <a:schemeClr val="lt1"/>
+            </a:fontRef>
+          </p:style>
+          <p:txBody>
+            <a:bodyPr rtlCol="0" anchor="ctr"/>
+            <a:lstStyle/>
+            <a:p>
+              <a:pPr algn="ctr"/>
+              <a:r>
+                <a:rPr lang="en-US" altLang="ko-KR" sz="1400" dirty="0">
+                  <a:solidFill>
+                    <a:schemeClr val="tx1"/>
+                  </a:solidFill>
+                </a:rPr>
+                <a:t>Http Server for Server</a:t>
+              </a:r>
+            </a:p>
+            <a:p>
+              <a:pPr algn="ctr"/>
+              <a:r>
+                <a:rPr lang="en-US" altLang="ko-KR" sz="1400" dirty="0">
+                  <a:solidFill>
+                    <a:schemeClr val="tx1"/>
+                  </a:solidFill>
+                </a:rPr>
+                <a:t>(Jetty, Http Server)</a:t>
+              </a:r>
+              <a:endParaRPr lang="ko-KR" altLang="en-US" sz="1400" dirty="0">
+                <a:solidFill>
+                  <a:schemeClr val="tx1"/>
+                </a:solidFill>
+              </a:endParaRPr>
+            </a:p>
+          </p:txBody>
+        </p:sp>
+        <p:grpSp>
+          <p:nvGrpSpPr>
+            <p:cNvPr id="53" name="그룹 52">
+              <a:extLst>
+                <a:ext uri="{FF2B5EF4-FFF2-40B4-BE49-F238E27FC236}">
+                  <a16:creationId xmlns:a16="http://schemas.microsoft.com/office/drawing/2014/main" id="{F97B524B-7818-47F0-8444-9600F18255D4}"/>
+                </a:ext>
+              </a:extLst>
+            </p:cNvPr>
+            <p:cNvGrpSpPr/>
+            <p:nvPr/>
+          </p:nvGrpSpPr>
+          <p:grpSpPr>
+            <a:xfrm>
+              <a:off x="10304641" y="1060838"/>
+              <a:ext cx="1560944" cy="1257127"/>
+              <a:chOff x="6741089" y="1909436"/>
+              <a:chExt cx="2133596" cy="1712686"/>
+            </a:xfrm>
+          </p:grpSpPr>
+          <p:sp>
+            <p:nvSpPr>
+              <p:cNvPr id="54" name="사각형: 둥근 모서리 53">
+                <a:extLst>
+                  <a:ext uri="{FF2B5EF4-FFF2-40B4-BE49-F238E27FC236}">
+                    <a16:creationId xmlns:a16="http://schemas.microsoft.com/office/drawing/2014/main" id="{3D7C5FB4-2B3A-46A6-89F6-F97953AA86D8}"/>
+                  </a:ext>
+                </a:extLst>
+              </p:cNvPr>
+              <p:cNvSpPr/>
+              <p:nvPr/>
+            </p:nvSpPr>
+            <p:spPr>
+              <a:xfrm>
+                <a:off x="6741089" y="1909436"/>
+                <a:ext cx="2133596" cy="1712686"/>
+              </a:xfrm>
+              <a:prstGeom prst="roundRect">
+                <a:avLst/>
+              </a:prstGeom>
+              <a:solidFill>
+                <a:schemeClr val="accent6">
+                  <a:lumMod val="20000"/>
+                  <a:lumOff val="80000"/>
+                </a:schemeClr>
+              </a:solidFill>
+            </p:spPr>
+            <p:style>
+              <a:lnRef idx="2">
+                <a:schemeClr val="accent1">
+                  <a:shade val="50000"/>
+                </a:schemeClr>
+              </a:lnRef>
+              <a:fillRef idx="1">
+                <a:schemeClr val="accent1"/>
+              </a:fillRef>
+              <a:effectRef idx="0">
+                <a:schemeClr val="accent1"/>
+              </a:effectRef>
+              <a:fontRef idx="minor">
+                <a:schemeClr val="lt1"/>
+              </a:fontRef>
+            </p:style>
+            <p:txBody>
+              <a:bodyPr rtlCol="0" anchor="t"/>
+              <a:lstStyle/>
+              <a:p>
+                <a:pPr algn="ctr"/>
+                <a:r>
+                  <a:rPr lang="ko-KR" altLang="en-US" sz="1200" dirty="0">
+                    <a:solidFill>
+                      <a:schemeClr val="tx1"/>
+                    </a:solidFill>
+                  </a:rPr>
+                  <a:t>정보 조회</a:t>
+                </a:r>
+                <a:endParaRPr lang="en-US" altLang="ko-KR" sz="1200" dirty="0">
+                  <a:solidFill>
+                    <a:schemeClr val="tx1"/>
+                  </a:solidFill>
+                </a:endParaRPr>
+              </a:p>
+              <a:p>
+                <a:pPr algn="ctr"/>
+                <a:r>
+                  <a:rPr lang="ko-KR" altLang="en-US" sz="1200" dirty="0">
+                    <a:solidFill>
+                      <a:schemeClr val="tx1"/>
+                    </a:solidFill>
+                  </a:rPr>
+                  <a:t>초기 데이터</a:t>
+                </a:r>
+              </a:p>
+            </p:txBody>
+          </p:sp>
+          <p:sp>
+            <p:nvSpPr>
+              <p:cNvPr id="55" name="순서도: 문서 54">
+                <a:extLst>
+                  <a:ext uri="{FF2B5EF4-FFF2-40B4-BE49-F238E27FC236}">
+                    <a16:creationId xmlns:a16="http://schemas.microsoft.com/office/drawing/2014/main" id="{D5BA7630-A1BD-41D5-BC4A-AC0B5E00F6A9}"/>
+                  </a:ext>
+                </a:extLst>
+              </p:cNvPr>
+              <p:cNvSpPr/>
+              <p:nvPr/>
+            </p:nvSpPr>
+            <p:spPr>
+              <a:xfrm>
+                <a:off x="7041048" y="2554111"/>
+                <a:ext cx="1591733" cy="451554"/>
+              </a:xfrm>
+              <a:prstGeom prst="flowChartDocument">
+                <a:avLst/>
+              </a:prstGeom>
+              <a:solidFill>
+                <a:schemeClr val="bg1">
+                  <a:lumMod val="95000"/>
+                </a:schemeClr>
+              </a:solidFill>
+            </p:spPr>
+            <p:style>
+              <a:lnRef idx="2">
+                <a:schemeClr val="accent1">
+                  <a:shade val="50000"/>
+                </a:schemeClr>
+              </a:lnRef>
+              <a:fillRef idx="1">
+                <a:schemeClr val="accent1"/>
+              </a:fillRef>
+              <a:effectRef idx="0">
+                <a:schemeClr val="accent1"/>
+              </a:effectRef>
+              <a:fontRef idx="minor">
+                <a:schemeClr val="lt1"/>
+              </a:fontRef>
+            </p:style>
+            <p:txBody>
+              <a:bodyPr rtlCol="0" anchor="ctr"/>
+              <a:lstStyle/>
+              <a:p>
+                <a:pPr algn="ctr"/>
+                <a:r>
+                  <a:rPr lang="en-US" altLang="ko-KR" sz="1000" dirty="0">
+                    <a:solidFill>
+                      <a:schemeClr val="tx1"/>
+                    </a:solidFill>
+                  </a:rPr>
+                  <a:t>Device</a:t>
+                </a:r>
+                <a:r>
+                  <a:rPr lang="ko-KR" altLang="en-US" sz="1000" dirty="0">
+                    <a:solidFill>
+                      <a:schemeClr val="tx1"/>
+                    </a:solidFill>
+                  </a:rPr>
+                  <a:t> 정보</a:t>
+                </a:r>
+              </a:p>
+            </p:txBody>
+          </p:sp>
+          <p:sp>
+            <p:nvSpPr>
+              <p:cNvPr id="56" name="순서도: 문서 55">
+                <a:extLst>
+                  <a:ext uri="{FF2B5EF4-FFF2-40B4-BE49-F238E27FC236}">
+                    <a16:creationId xmlns:a16="http://schemas.microsoft.com/office/drawing/2014/main" id="{B7D2770E-AA11-4003-9769-79C142A0F376}"/>
+                  </a:ext>
+                </a:extLst>
+              </p:cNvPr>
+              <p:cNvSpPr/>
+              <p:nvPr/>
+            </p:nvSpPr>
+            <p:spPr>
+              <a:xfrm>
+                <a:off x="7041048" y="3031468"/>
+                <a:ext cx="1591733" cy="451554"/>
+              </a:xfrm>
+              <a:prstGeom prst="flowChartDocument">
+                <a:avLst/>
+              </a:prstGeom>
+              <a:solidFill>
+                <a:schemeClr val="bg1">
+                  <a:lumMod val="95000"/>
+                </a:schemeClr>
+              </a:solidFill>
+            </p:spPr>
+            <p:style>
+              <a:lnRef idx="2">
+                <a:schemeClr val="accent1">
+                  <a:shade val="50000"/>
+                </a:schemeClr>
+              </a:lnRef>
+              <a:fillRef idx="1">
+                <a:schemeClr val="accent1"/>
+              </a:fillRef>
+              <a:effectRef idx="0">
+                <a:schemeClr val="accent1"/>
+              </a:effectRef>
+              <a:fontRef idx="minor">
+                <a:schemeClr val="lt1"/>
+              </a:fontRef>
+            </p:style>
+            <p:txBody>
+              <a:bodyPr rtlCol="0" anchor="ctr"/>
+              <a:lstStyle/>
+              <a:p>
+                <a:pPr algn="ctr"/>
+                <a:r>
+                  <a:rPr lang="en-US" altLang="ko-KR" sz="1000" dirty="0">
+                    <a:solidFill>
+                      <a:schemeClr val="tx1"/>
+                    </a:solidFill>
+                  </a:rPr>
+                  <a:t>Command</a:t>
+                </a:r>
+              </a:p>
+              <a:p>
+                <a:pPr algn="ctr"/>
+                <a:r>
+                  <a:rPr lang="ko-KR" altLang="en-US" sz="1000" dirty="0">
+                    <a:solidFill>
+                      <a:schemeClr val="tx1"/>
+                    </a:solidFill>
+                  </a:rPr>
+                  <a:t>정보</a:t>
+                </a:r>
+              </a:p>
+            </p:txBody>
+          </p:sp>
+        </p:grpSp>
+        <p:cxnSp>
+          <p:nvCxnSpPr>
+            <p:cNvPr id="57" name="직선 화살표 연결선 56">
+              <a:extLst>
+                <a:ext uri="{FF2B5EF4-FFF2-40B4-BE49-F238E27FC236}">
+                  <a16:creationId xmlns:a16="http://schemas.microsoft.com/office/drawing/2014/main" id="{0B3309FF-AA8B-43F0-8920-FFE309D91DBC}"/>
+                </a:ext>
+              </a:extLst>
+            </p:cNvPr>
+            <p:cNvCxnSpPr>
+              <a:cxnSpLocks/>
+              <a:stCxn id="49" idx="3"/>
+              <a:endCxn id="51" idx="1"/>
+            </p:cNvCxnSpPr>
+            <p:nvPr/>
+          </p:nvCxnSpPr>
+          <p:spPr>
+            <a:xfrm>
+              <a:off x="1971623" y="2038859"/>
+              <a:ext cx="699130" cy="0"/>
+            </a:xfrm>
+            <a:prstGeom prst="straightConnector1">
+              <a:avLst/>
+            </a:prstGeom>
+            <a:ln>
+              <a:solidFill>
+                <a:schemeClr val="tx1"/>
+              </a:solidFill>
+              <a:tailEnd type="triangle"/>
+            </a:ln>
+          </p:spPr>
+          <p:style>
+            <a:lnRef idx="1">
+              <a:schemeClr val="accent1"/>
+            </a:lnRef>
+            <a:fillRef idx="0">
+              <a:schemeClr val="accent1"/>
+            </a:fillRef>
+            <a:effectRef idx="0">
+              <a:schemeClr val="accent1"/>
+            </a:effectRef>
+            <a:fontRef idx="minor">
+              <a:schemeClr val="tx1"/>
+            </a:fontRef>
+          </p:style>
+        </p:cxnSp>
+        <p:cxnSp>
+          <p:nvCxnSpPr>
+            <p:cNvPr id="58" name="직선 화살표 연결선 57">
+              <a:extLst>
+                <a:ext uri="{FF2B5EF4-FFF2-40B4-BE49-F238E27FC236}">
+                  <a16:creationId xmlns:a16="http://schemas.microsoft.com/office/drawing/2014/main" id="{3A1D8BF5-60AE-4F56-9561-8912C3EFD6A5}"/>
+                </a:ext>
+              </a:extLst>
+            </p:cNvPr>
+            <p:cNvCxnSpPr>
+              <a:cxnSpLocks/>
+              <a:stCxn id="50" idx="3"/>
+              <a:endCxn id="52" idx="1"/>
+            </p:cNvCxnSpPr>
+            <p:nvPr/>
+          </p:nvCxnSpPr>
+          <p:spPr>
+            <a:xfrm>
+              <a:off x="1971623" y="3269350"/>
+              <a:ext cx="707471" cy="484988"/>
+            </a:xfrm>
+            <a:prstGeom prst="straightConnector1">
+              <a:avLst/>
+            </a:prstGeom>
+            <a:ln>
+              <a:solidFill>
+                <a:schemeClr val="tx1"/>
+              </a:solidFill>
+              <a:tailEnd type="triangle"/>
+            </a:ln>
+          </p:spPr>
+          <p:style>
+            <a:lnRef idx="1">
+              <a:schemeClr val="accent1"/>
+            </a:lnRef>
+            <a:fillRef idx="0">
+              <a:schemeClr val="accent1"/>
+            </a:fillRef>
+            <a:effectRef idx="0">
+              <a:schemeClr val="accent1"/>
+            </a:effectRef>
+            <a:fontRef idx="minor">
+              <a:schemeClr val="tx1"/>
+            </a:fontRef>
+          </p:style>
+        </p:cxnSp>
+        <p:sp>
+          <p:nvSpPr>
+            <p:cNvPr id="59" name="직사각형 58">
+              <a:extLst>
+                <a:ext uri="{FF2B5EF4-FFF2-40B4-BE49-F238E27FC236}">
+                  <a16:creationId xmlns:a16="http://schemas.microsoft.com/office/drawing/2014/main" id="{01B348F8-4807-4930-8A8C-5DCF9E35805C}"/>
+                </a:ext>
+              </a:extLst>
+            </p:cNvPr>
+            <p:cNvSpPr/>
+            <p:nvPr/>
+          </p:nvSpPr>
+          <p:spPr>
+            <a:xfrm>
+              <a:off x="3111158" y="4352449"/>
+              <a:ext cx="2133596" cy="494292"/>
+            </a:xfrm>
+            <a:prstGeom prst="rect">
+              <a:avLst/>
+            </a:prstGeom>
+            <a:solidFill>
+              <a:schemeClr val="bg1">
+                <a:lumMod val="95000"/>
+              </a:schemeClr>
+            </a:solidFill>
+          </p:spPr>
+          <p:style>
+            <a:lnRef idx="2">
+              <a:schemeClr val="accent1">
+                <a:shade val="50000"/>
+              </a:schemeClr>
+            </a:lnRef>
+            <a:fillRef idx="1">
+              <a:schemeClr val="accent1"/>
+            </a:fillRef>
+            <a:effectRef idx="0">
+              <a:schemeClr val="accent1"/>
+            </a:effectRef>
+            <a:fontRef idx="minor">
+              <a:schemeClr val="lt1"/>
+            </a:fontRef>
+          </p:style>
+          <p:txBody>
+            <a:bodyPr rtlCol="0" anchor="ctr"/>
+            <a:lstStyle/>
+            <a:p>
+              <a:pPr algn="ctr"/>
+              <a:r>
+                <a:rPr lang="en-US" altLang="ko-KR" dirty="0">
+                  <a:solidFill>
+                    <a:schemeClr val="tx1"/>
+                  </a:solidFill>
+                </a:rPr>
+                <a:t>Request Handler</a:t>
+              </a:r>
+              <a:endParaRPr lang="ko-KR" altLang="en-US" dirty="0">
+                <a:solidFill>
+                  <a:schemeClr val="tx1"/>
+                </a:solidFill>
+              </a:endParaRPr>
+            </a:p>
+          </p:txBody>
+        </p:sp>
+        <p:sp>
+          <p:nvSpPr>
+            <p:cNvPr id="60" name="직사각형 59">
+              <a:extLst>
+                <a:ext uri="{FF2B5EF4-FFF2-40B4-BE49-F238E27FC236}">
+                  <a16:creationId xmlns:a16="http://schemas.microsoft.com/office/drawing/2014/main" id="{BC09856E-2CCE-4B0C-9CB3-81B374E9D792}"/>
+                </a:ext>
+              </a:extLst>
+            </p:cNvPr>
+            <p:cNvSpPr/>
+            <p:nvPr/>
+          </p:nvSpPr>
+          <p:spPr>
+            <a:xfrm>
+              <a:off x="3269505" y="4459101"/>
+              <a:ext cx="2133596" cy="494292"/>
+            </a:xfrm>
+            <a:prstGeom prst="rect">
+              <a:avLst/>
+            </a:prstGeom>
+            <a:solidFill>
+              <a:schemeClr val="bg1">
+                <a:lumMod val="95000"/>
+              </a:schemeClr>
+            </a:solidFill>
+          </p:spPr>
+          <p:style>
+            <a:lnRef idx="2">
+              <a:schemeClr val="accent1">
+                <a:shade val="50000"/>
+              </a:schemeClr>
+            </a:lnRef>
+            <a:fillRef idx="1">
+              <a:schemeClr val="accent1"/>
+            </a:fillRef>
+            <a:effectRef idx="0">
+              <a:schemeClr val="accent1"/>
+            </a:effectRef>
+            <a:fontRef idx="minor">
+              <a:schemeClr val="lt1"/>
+            </a:fontRef>
+          </p:style>
+          <p:txBody>
+            <a:bodyPr rtlCol="0" anchor="ctr"/>
+            <a:lstStyle/>
+            <a:p>
+              <a:pPr algn="ctr"/>
+              <a:r>
+                <a:rPr lang="en-US" altLang="ko-KR" dirty="0">
+                  <a:solidFill>
+                    <a:schemeClr val="tx1"/>
+                  </a:solidFill>
+                </a:rPr>
+                <a:t>Request Handler</a:t>
+              </a:r>
+              <a:endParaRPr lang="ko-KR" altLang="en-US" dirty="0">
+                <a:solidFill>
+                  <a:schemeClr val="tx1"/>
+                </a:solidFill>
+              </a:endParaRPr>
+            </a:p>
+          </p:txBody>
+        </p:sp>
+        <p:sp>
+          <p:nvSpPr>
+            <p:cNvPr id="61" name="직사각형 60">
+              <a:extLst>
+                <a:ext uri="{FF2B5EF4-FFF2-40B4-BE49-F238E27FC236}">
+                  <a16:creationId xmlns:a16="http://schemas.microsoft.com/office/drawing/2014/main" id="{1B8C8A51-EB19-40CA-98C3-F8FCB3E381CF}"/>
+                </a:ext>
+              </a:extLst>
+            </p:cNvPr>
+            <p:cNvSpPr/>
+            <p:nvPr/>
+          </p:nvSpPr>
+          <p:spPr>
+            <a:xfrm>
+              <a:off x="3454761" y="4562703"/>
+              <a:ext cx="2133596" cy="629455"/>
+            </a:xfrm>
+            <a:prstGeom prst="rect">
+              <a:avLst/>
+            </a:prstGeom>
+            <a:solidFill>
+              <a:schemeClr val="bg1">
+                <a:lumMod val="95000"/>
+              </a:schemeClr>
+            </a:solidFill>
+          </p:spPr>
+          <p:style>
+            <a:lnRef idx="2">
+              <a:schemeClr val="accent1">
+                <a:shade val="50000"/>
+              </a:schemeClr>
+            </a:lnRef>
+            <a:fillRef idx="1">
+              <a:schemeClr val="accent1"/>
+            </a:fillRef>
+            <a:effectRef idx="0">
+              <a:schemeClr val="accent1"/>
+            </a:effectRef>
+            <a:fontRef idx="minor">
+              <a:schemeClr val="lt1"/>
+            </a:fontRef>
+          </p:style>
+          <p:txBody>
+            <a:bodyPr rtlCol="0" anchor="ctr"/>
+            <a:lstStyle/>
+            <a:p>
+              <a:pPr algn="ctr"/>
+              <a:r>
+                <a:rPr lang="en-US" altLang="ko-KR" sz="1400" dirty="0">
+                  <a:solidFill>
+                    <a:schemeClr val="tx1"/>
+                  </a:solidFill>
+                </a:rPr>
+                <a:t>Http Request Handler</a:t>
+              </a:r>
+            </a:p>
+            <a:p>
+              <a:pPr algn="ctr"/>
+              <a:r>
+                <a:rPr lang="en-US" altLang="ko-KR" sz="1400" dirty="0">
+                  <a:solidFill>
+                    <a:schemeClr val="tx1"/>
+                  </a:solidFill>
+                </a:rPr>
+                <a:t>(Servlet, </a:t>
+              </a:r>
+              <a:r>
+                <a:rPr lang="en-US" altLang="ko-KR" sz="1400" dirty="0" err="1">
+                  <a:solidFill>
+                    <a:schemeClr val="tx1"/>
+                  </a:solidFill>
+                </a:rPr>
+                <a:t>Url</a:t>
+              </a:r>
+              <a:r>
+                <a:rPr lang="en-US" altLang="ko-KR" sz="1400" dirty="0">
+                  <a:solidFill>
+                    <a:schemeClr val="tx1"/>
+                  </a:solidFill>
+                </a:rPr>
+                <a:t> Mapping, Json Se/Deserialization)</a:t>
+              </a:r>
+              <a:endParaRPr lang="ko-KR" altLang="en-US" sz="1400" dirty="0">
+                <a:solidFill>
+                  <a:schemeClr val="tx1"/>
+                </a:solidFill>
+              </a:endParaRPr>
+            </a:p>
+          </p:txBody>
+        </p:sp>
+        <p:cxnSp>
+          <p:nvCxnSpPr>
+            <p:cNvPr id="62" name="연결선: 꺾임 61">
+              <a:extLst>
+                <a:ext uri="{FF2B5EF4-FFF2-40B4-BE49-F238E27FC236}">
+                  <a16:creationId xmlns:a16="http://schemas.microsoft.com/office/drawing/2014/main" id="{691DB0E5-F9E5-4790-9081-9B24B18FD153}"/>
+                </a:ext>
+              </a:extLst>
+            </p:cNvPr>
+            <p:cNvCxnSpPr>
+              <a:cxnSpLocks/>
+              <a:endCxn id="59" idx="1"/>
+            </p:cNvCxnSpPr>
+            <p:nvPr/>
+          </p:nvCxnSpPr>
+          <p:spPr>
+            <a:xfrm rot="16200000" flipH="1">
+              <a:off x="2748400" y="4236836"/>
+              <a:ext cx="517879" cy="207637"/>
+            </a:xfrm>
+            <a:prstGeom prst="bentConnector2">
+              <a:avLst/>
+            </a:prstGeom>
+            <a:ln>
+              <a:solidFill>
+                <a:schemeClr val="tx1"/>
+              </a:solidFill>
+              <a:tailEnd type="triangle"/>
+            </a:ln>
+          </p:spPr>
+          <p:style>
+            <a:lnRef idx="1">
+              <a:schemeClr val="accent1"/>
+            </a:lnRef>
+            <a:fillRef idx="0">
+              <a:schemeClr val="accent1"/>
+            </a:fillRef>
+            <a:effectRef idx="0">
+              <a:schemeClr val="accent1"/>
+            </a:effectRef>
+            <a:fontRef idx="minor">
+              <a:schemeClr val="tx1"/>
+            </a:fontRef>
+          </p:style>
+        </p:cxnSp>
+        <p:sp>
+          <p:nvSpPr>
+            <p:cNvPr id="63" name="직사각형 62">
+              <a:extLst>
+                <a:ext uri="{FF2B5EF4-FFF2-40B4-BE49-F238E27FC236}">
+                  <a16:creationId xmlns:a16="http://schemas.microsoft.com/office/drawing/2014/main" id="{F71F956D-5B86-4549-93DE-625DF37AEC84}"/>
+                </a:ext>
+              </a:extLst>
+            </p:cNvPr>
+            <p:cNvSpPr/>
+            <p:nvPr/>
+          </p:nvSpPr>
+          <p:spPr>
+            <a:xfrm>
+              <a:off x="6057621" y="3683545"/>
+              <a:ext cx="3601395" cy="494292"/>
+            </a:xfrm>
+            <a:prstGeom prst="rect">
+              <a:avLst/>
+            </a:prstGeom>
+            <a:solidFill>
+              <a:schemeClr val="bg1">
+                <a:lumMod val="95000"/>
+              </a:schemeClr>
+            </a:solidFill>
+          </p:spPr>
+          <p:style>
+            <a:lnRef idx="2">
+              <a:schemeClr val="accent1">
+                <a:shade val="50000"/>
+              </a:schemeClr>
+            </a:lnRef>
+            <a:fillRef idx="1">
+              <a:schemeClr val="accent1"/>
+            </a:fillRef>
+            <a:effectRef idx="0">
+              <a:schemeClr val="accent1"/>
+            </a:effectRef>
+            <a:fontRef idx="minor">
+              <a:schemeClr val="lt1"/>
+            </a:fontRef>
+          </p:style>
+          <p:txBody>
+            <a:bodyPr rtlCol="0" anchor="ctr"/>
+            <a:lstStyle/>
+            <a:p>
+              <a:pPr algn="ctr"/>
+              <a:r>
+                <a:rPr lang="en-US" altLang="ko-KR" sz="1400" dirty="0">
+                  <a:solidFill>
+                    <a:schemeClr val="tx1"/>
+                  </a:solidFill>
+                </a:rPr>
+                <a:t>Http</a:t>
+              </a:r>
+              <a:r>
+                <a:rPr lang="ko-KR" altLang="en-US" sz="1400" dirty="0">
+                  <a:solidFill>
+                    <a:schemeClr val="tx1"/>
+                  </a:solidFill>
+                </a:rPr>
+                <a:t> 요청 </a:t>
+              </a:r>
+              <a:r>
+                <a:rPr lang="en-US" altLang="ko-KR" sz="1400" dirty="0">
+                  <a:solidFill>
+                    <a:schemeClr val="tx1"/>
+                  </a:solidFill>
+                </a:rPr>
+                <a:t>Workers</a:t>
+              </a:r>
+            </a:p>
+            <a:p>
+              <a:pPr algn="ctr"/>
+              <a:r>
+                <a:rPr lang="en-US" altLang="ko-KR" sz="1400" dirty="0">
+                  <a:solidFill>
+                    <a:schemeClr val="tx1"/>
+                  </a:solidFill>
+                </a:rPr>
+                <a:t>(</a:t>
+              </a:r>
+              <a:r>
+                <a:rPr lang="ko-KR" altLang="en-US" sz="1400" dirty="0">
+                  <a:solidFill>
+                    <a:schemeClr val="tx1"/>
+                  </a:solidFill>
+                </a:rPr>
+                <a:t>병렬처리</a:t>
+              </a:r>
+              <a:r>
+                <a:rPr lang="en-US" altLang="ko-KR" sz="1400" dirty="0">
+                  <a:solidFill>
+                    <a:schemeClr val="tx1"/>
+                  </a:solidFill>
+                </a:rPr>
+                <a:t>, Worker</a:t>
+              </a:r>
+              <a:r>
+                <a:rPr lang="ko-KR" altLang="en-US" sz="1400" dirty="0">
+                  <a:solidFill>
+                    <a:schemeClr val="tx1"/>
+                  </a:solidFill>
+                </a:rPr>
+                <a:t> </a:t>
+              </a:r>
+              <a:r>
+                <a:rPr lang="en-US" altLang="ko-KR" sz="1400" dirty="0">
+                  <a:solidFill>
+                    <a:schemeClr val="tx1"/>
+                  </a:solidFill>
+                </a:rPr>
+                <a:t>Pool</a:t>
+              </a:r>
+              <a:r>
+                <a:rPr lang="ko-KR" altLang="en-US" sz="1400" dirty="0">
+                  <a:solidFill>
+                    <a:schemeClr val="tx1"/>
+                  </a:solidFill>
+                </a:rPr>
+                <a:t>관리</a:t>
+              </a:r>
+              <a:r>
+                <a:rPr lang="en-US" altLang="ko-KR" sz="1400" dirty="0">
+                  <a:solidFill>
+                    <a:schemeClr val="tx1"/>
+                  </a:solidFill>
+                </a:rPr>
+                <a:t>)</a:t>
+              </a:r>
+              <a:endParaRPr lang="ko-KR" altLang="en-US" sz="1400" dirty="0">
+                <a:solidFill>
+                  <a:schemeClr val="tx1"/>
+                </a:solidFill>
+              </a:endParaRPr>
+            </a:p>
+          </p:txBody>
+        </p:sp>
+        <p:cxnSp>
+          <p:nvCxnSpPr>
+            <p:cNvPr id="64" name="직선 화살표 연결선 63">
+              <a:extLst>
+                <a:ext uri="{FF2B5EF4-FFF2-40B4-BE49-F238E27FC236}">
+                  <a16:creationId xmlns:a16="http://schemas.microsoft.com/office/drawing/2014/main" id="{496B7820-47E8-47BF-8E1A-76A9A9ECBFCF}"/>
+                </a:ext>
+              </a:extLst>
+            </p:cNvPr>
+            <p:cNvCxnSpPr>
+              <a:cxnSpLocks/>
+              <a:stCxn id="54" idx="1"/>
+              <a:endCxn id="66" idx="3"/>
+            </p:cNvCxnSpPr>
+            <p:nvPr/>
+          </p:nvCxnSpPr>
+          <p:spPr>
+            <a:xfrm flipH="1">
+              <a:off x="9900410" y="1689402"/>
+              <a:ext cx="404231" cy="247356"/>
+            </a:xfrm>
+            <a:prstGeom prst="straightConnector1">
+              <a:avLst/>
+            </a:prstGeom>
+            <a:ln>
+              <a:solidFill>
+                <a:schemeClr val="tx1"/>
+              </a:solidFill>
+              <a:prstDash val="dash"/>
+              <a:tailEnd type="triangle"/>
+            </a:ln>
+          </p:spPr>
+          <p:style>
+            <a:lnRef idx="1">
+              <a:schemeClr val="accent1"/>
+            </a:lnRef>
+            <a:fillRef idx="0">
+              <a:schemeClr val="accent1"/>
+            </a:fillRef>
+            <a:effectRef idx="0">
+              <a:schemeClr val="accent1"/>
+            </a:effectRef>
+            <a:fontRef idx="minor">
+              <a:schemeClr val="tx1"/>
+            </a:fontRef>
+          </p:style>
+        </p:cxnSp>
+        <p:cxnSp>
+          <p:nvCxnSpPr>
+            <p:cNvPr id="65" name="연결선: 꺾임 64">
+              <a:extLst>
+                <a:ext uri="{FF2B5EF4-FFF2-40B4-BE49-F238E27FC236}">
+                  <a16:creationId xmlns:a16="http://schemas.microsoft.com/office/drawing/2014/main" id="{665BC0F7-FE45-41F7-819D-FAC11E50ED72}"/>
+                </a:ext>
+              </a:extLst>
+            </p:cNvPr>
+            <p:cNvCxnSpPr>
+              <a:cxnSpLocks/>
+              <a:stCxn id="61" idx="3"/>
+              <a:endCxn id="63" idx="1"/>
+            </p:cNvCxnSpPr>
+            <p:nvPr/>
+          </p:nvCxnSpPr>
+          <p:spPr>
+            <a:xfrm flipV="1">
+              <a:off x="5588357" y="3930691"/>
+              <a:ext cx="469264" cy="946740"/>
+            </a:xfrm>
+            <a:prstGeom prst="bentConnector3">
+              <a:avLst/>
+            </a:prstGeom>
+            <a:ln>
+              <a:solidFill>
+                <a:schemeClr val="tx1"/>
+              </a:solidFill>
+              <a:tailEnd type="triangle"/>
+            </a:ln>
+          </p:spPr>
+          <p:style>
+            <a:lnRef idx="1">
+              <a:schemeClr val="accent1"/>
+            </a:lnRef>
+            <a:fillRef idx="0">
+              <a:schemeClr val="accent1"/>
+            </a:fillRef>
+            <a:effectRef idx="0">
+              <a:schemeClr val="accent1"/>
+            </a:effectRef>
+            <a:fontRef idx="minor">
+              <a:schemeClr val="tx1"/>
+            </a:fontRef>
+          </p:style>
+        </p:cxnSp>
+        <p:sp>
+          <p:nvSpPr>
+            <p:cNvPr id="66" name="직사각형 65">
+              <a:extLst>
+                <a:ext uri="{FF2B5EF4-FFF2-40B4-BE49-F238E27FC236}">
+                  <a16:creationId xmlns:a16="http://schemas.microsoft.com/office/drawing/2014/main" id="{DF8C3B2D-9B36-4AEE-9B15-5CA2AE3D14D3}"/>
+                </a:ext>
+              </a:extLst>
+            </p:cNvPr>
+            <p:cNvSpPr/>
+            <p:nvPr/>
+          </p:nvSpPr>
+          <p:spPr>
+            <a:xfrm>
+              <a:off x="7559153" y="1609380"/>
+              <a:ext cx="2341257" cy="654755"/>
+            </a:xfrm>
+            <a:prstGeom prst="rect">
+              <a:avLst/>
+            </a:prstGeom>
+            <a:solidFill>
+              <a:schemeClr val="bg1">
+                <a:lumMod val="95000"/>
+              </a:schemeClr>
+            </a:solidFill>
+          </p:spPr>
+          <p:style>
+            <a:lnRef idx="2">
+              <a:schemeClr val="accent1">
+                <a:shade val="50000"/>
+              </a:schemeClr>
+            </a:lnRef>
+            <a:fillRef idx="1">
+              <a:schemeClr val="accent1"/>
+            </a:fillRef>
+            <a:effectRef idx="0">
+              <a:schemeClr val="accent1"/>
+            </a:effectRef>
+            <a:fontRef idx="minor">
+              <a:schemeClr val="lt1"/>
+            </a:fontRef>
+          </p:style>
+          <p:txBody>
+            <a:bodyPr rtlCol="0" anchor="ctr"/>
+            <a:lstStyle/>
+            <a:p>
+              <a:pPr algn="ctr"/>
+              <a:r>
+                <a:rPr lang="en-US" altLang="ko-KR" sz="1400" dirty="0">
+                  <a:solidFill>
+                    <a:schemeClr val="tx1"/>
+                  </a:solidFill>
+                </a:rPr>
+                <a:t>Initial Data Loader</a:t>
+              </a:r>
+            </a:p>
+            <a:p>
+              <a:pPr algn="ctr"/>
+              <a:r>
+                <a:rPr lang="en-US" altLang="ko-KR" sz="1400" dirty="0">
+                  <a:solidFill>
+                    <a:schemeClr val="tx1"/>
+                  </a:solidFill>
+                </a:rPr>
+                <a:t>(File Reader, String</a:t>
+              </a:r>
+              <a:r>
+                <a:rPr lang="ko-KR" altLang="en-US" sz="1400" dirty="0">
+                  <a:solidFill>
+                    <a:schemeClr val="tx1"/>
+                  </a:solidFill>
+                </a:rPr>
+                <a:t> </a:t>
+              </a:r>
+              <a:r>
+                <a:rPr lang="en-US" altLang="ko-KR" sz="1400" dirty="0">
+                  <a:solidFill>
+                    <a:schemeClr val="tx1"/>
+                  </a:solidFill>
+                </a:rPr>
+                <a:t>Parser, Json Se/Deserialization)</a:t>
+              </a:r>
+              <a:endParaRPr lang="ko-KR" altLang="en-US" sz="1400" dirty="0">
+                <a:solidFill>
+                  <a:schemeClr val="tx1"/>
+                </a:solidFill>
+              </a:endParaRPr>
+            </a:p>
+          </p:txBody>
+        </p:sp>
+        <p:sp>
+          <p:nvSpPr>
+            <p:cNvPr id="67" name="직사각형 66">
+              <a:extLst>
+                <a:ext uri="{FF2B5EF4-FFF2-40B4-BE49-F238E27FC236}">
+                  <a16:creationId xmlns:a16="http://schemas.microsoft.com/office/drawing/2014/main" id="{3FD749EF-38F2-48E9-821A-9C7619DC4D32}"/>
+                </a:ext>
+              </a:extLst>
+            </p:cNvPr>
+            <p:cNvSpPr/>
+            <p:nvPr/>
+          </p:nvSpPr>
+          <p:spPr>
+            <a:xfrm>
+              <a:off x="7317759" y="2820574"/>
+              <a:ext cx="2341257" cy="663279"/>
+            </a:xfrm>
+            <a:prstGeom prst="rect">
+              <a:avLst/>
+            </a:prstGeom>
+            <a:solidFill>
+              <a:schemeClr val="accent6">
+                <a:lumMod val="60000"/>
+                <a:lumOff val="40000"/>
+              </a:schemeClr>
+            </a:solidFill>
+          </p:spPr>
+          <p:style>
+            <a:lnRef idx="2">
+              <a:schemeClr val="accent1">
+                <a:shade val="50000"/>
+              </a:schemeClr>
+            </a:lnRef>
+            <a:fillRef idx="1">
+              <a:schemeClr val="accent1"/>
+            </a:fillRef>
+            <a:effectRef idx="0">
+              <a:schemeClr val="accent1"/>
+            </a:effectRef>
+            <a:fontRef idx="minor">
+              <a:schemeClr val="lt1"/>
+            </a:fontRef>
+          </p:style>
+          <p:txBody>
+            <a:bodyPr rtlCol="0" anchor="ctr"/>
+            <a:lstStyle/>
+            <a:p>
+              <a:pPr algn="ctr"/>
+              <a:r>
+                <a:rPr lang="en-US" altLang="ko-KR" sz="1400" dirty="0">
+                  <a:solidFill>
+                    <a:schemeClr val="tx1"/>
+                  </a:solidFill>
+                </a:rPr>
+                <a:t>Device/Command</a:t>
+              </a:r>
+              <a:r>
+                <a:rPr lang="ko-KR" altLang="en-US" sz="1400" dirty="0">
+                  <a:solidFill>
+                    <a:schemeClr val="tx1"/>
+                  </a:solidFill>
+                </a:rPr>
+                <a:t> 정보</a:t>
+              </a:r>
+            </a:p>
+          </p:txBody>
+        </p:sp>
+        <p:cxnSp>
+          <p:nvCxnSpPr>
+            <p:cNvPr id="68" name="직선 화살표 연결선 67">
+              <a:extLst>
+                <a:ext uri="{FF2B5EF4-FFF2-40B4-BE49-F238E27FC236}">
+                  <a16:creationId xmlns:a16="http://schemas.microsoft.com/office/drawing/2014/main" id="{CA2A79ED-2FF4-4C9A-AB2D-C95911D48A88}"/>
+                </a:ext>
+              </a:extLst>
+            </p:cNvPr>
+            <p:cNvCxnSpPr>
+              <a:cxnSpLocks/>
+              <a:stCxn id="66" idx="2"/>
+              <a:endCxn id="67" idx="0"/>
+            </p:cNvCxnSpPr>
+            <p:nvPr/>
+          </p:nvCxnSpPr>
+          <p:spPr>
+            <a:xfrm flipH="1">
+              <a:off x="8488388" y="2264135"/>
+              <a:ext cx="241394" cy="556439"/>
+            </a:xfrm>
+            <a:prstGeom prst="straightConnector1">
+              <a:avLst/>
+            </a:prstGeom>
+            <a:ln>
+              <a:solidFill>
+                <a:schemeClr val="tx1"/>
+              </a:solidFill>
+              <a:tailEnd type="triangle"/>
+            </a:ln>
+          </p:spPr>
+          <p:style>
+            <a:lnRef idx="1">
+              <a:schemeClr val="accent1"/>
+            </a:lnRef>
+            <a:fillRef idx="0">
+              <a:schemeClr val="accent1"/>
+            </a:fillRef>
+            <a:effectRef idx="0">
+              <a:schemeClr val="accent1"/>
+            </a:effectRef>
+            <a:fontRef idx="minor">
+              <a:schemeClr val="tx1"/>
+            </a:fontRef>
+          </p:style>
+        </p:cxnSp>
+        <p:cxnSp>
+          <p:nvCxnSpPr>
+            <p:cNvPr id="69" name="직선 화살표 연결선 68">
+              <a:extLst>
+                <a:ext uri="{FF2B5EF4-FFF2-40B4-BE49-F238E27FC236}">
+                  <a16:creationId xmlns:a16="http://schemas.microsoft.com/office/drawing/2014/main" id="{1CF9D207-505C-4B0B-AEA1-F4FFE96F4D88}"/>
+                </a:ext>
+              </a:extLst>
+            </p:cNvPr>
+            <p:cNvCxnSpPr>
+              <a:cxnSpLocks/>
+              <a:stCxn id="63" idx="0"/>
+              <a:endCxn id="67" idx="2"/>
+            </p:cNvCxnSpPr>
+            <p:nvPr/>
+          </p:nvCxnSpPr>
+          <p:spPr>
+            <a:xfrm flipV="1">
+              <a:off x="7858319" y="3483853"/>
+              <a:ext cx="630069" cy="199692"/>
+            </a:xfrm>
+            <a:prstGeom prst="straightConnector1">
+              <a:avLst/>
+            </a:prstGeom>
+            <a:ln>
+              <a:solidFill>
+                <a:schemeClr val="tx1"/>
+              </a:solidFill>
+              <a:prstDash val="dash"/>
+              <a:tailEnd type="arrow"/>
+            </a:ln>
+          </p:spPr>
+          <p:style>
+            <a:lnRef idx="1">
+              <a:schemeClr val="accent1"/>
+            </a:lnRef>
+            <a:fillRef idx="0">
+              <a:schemeClr val="accent1"/>
+            </a:fillRef>
+            <a:effectRef idx="0">
+              <a:schemeClr val="accent1"/>
+            </a:effectRef>
+            <a:fontRef idx="minor">
+              <a:schemeClr val="tx1"/>
+            </a:fontRef>
+          </p:style>
+        </p:cxnSp>
+        <p:sp>
+          <p:nvSpPr>
+            <p:cNvPr id="70" name="직사각형 69">
+              <a:extLst>
+                <a:ext uri="{FF2B5EF4-FFF2-40B4-BE49-F238E27FC236}">
+                  <a16:creationId xmlns:a16="http://schemas.microsoft.com/office/drawing/2014/main" id="{CFD19855-723F-4A82-AC1E-EDDA35C8D008}"/>
+                </a:ext>
+              </a:extLst>
+            </p:cNvPr>
+            <p:cNvSpPr/>
+            <p:nvPr/>
+          </p:nvSpPr>
+          <p:spPr>
+            <a:xfrm>
+              <a:off x="4277544" y="2451401"/>
+              <a:ext cx="2133596" cy="494292"/>
+            </a:xfrm>
+            <a:prstGeom prst="rect">
+              <a:avLst/>
+            </a:prstGeom>
+            <a:solidFill>
+              <a:schemeClr val="bg1">
+                <a:lumMod val="95000"/>
+              </a:schemeClr>
+            </a:solidFill>
+          </p:spPr>
+          <p:style>
+            <a:lnRef idx="2">
+              <a:schemeClr val="accent1">
+                <a:shade val="50000"/>
+              </a:schemeClr>
+            </a:lnRef>
+            <a:fillRef idx="1">
+              <a:schemeClr val="accent1"/>
+            </a:fillRef>
+            <a:effectRef idx="0">
+              <a:schemeClr val="accent1"/>
+            </a:effectRef>
+            <a:fontRef idx="minor">
+              <a:schemeClr val="lt1"/>
+            </a:fontRef>
+          </p:style>
+          <p:txBody>
+            <a:bodyPr rtlCol="0" anchor="ctr"/>
+            <a:lstStyle/>
+            <a:p>
+              <a:pPr algn="ctr"/>
+              <a:r>
+                <a:rPr lang="en-US" altLang="ko-KR" sz="1400" dirty="0">
+                  <a:solidFill>
+                    <a:schemeClr val="tx1"/>
+                  </a:solidFill>
+                </a:rPr>
+                <a:t> String Request Handler</a:t>
+              </a:r>
+            </a:p>
+          </p:txBody>
+        </p:sp>
+        <p:cxnSp>
+          <p:nvCxnSpPr>
+            <p:cNvPr id="71" name="직선 화살표 연결선 70">
+              <a:extLst>
+                <a:ext uri="{FF2B5EF4-FFF2-40B4-BE49-F238E27FC236}">
+                  <a16:creationId xmlns:a16="http://schemas.microsoft.com/office/drawing/2014/main" id="{2E3DC28D-3A7A-455A-BAFB-8A5616FA598E}"/>
+                </a:ext>
+              </a:extLst>
+            </p:cNvPr>
+            <p:cNvCxnSpPr>
+              <a:cxnSpLocks/>
+              <a:stCxn id="70" idx="2"/>
+              <a:endCxn id="67" idx="1"/>
+            </p:cNvCxnSpPr>
+            <p:nvPr/>
+          </p:nvCxnSpPr>
+          <p:spPr>
+            <a:xfrm>
+              <a:off x="5344342" y="2945693"/>
+              <a:ext cx="1973417" cy="206521"/>
+            </a:xfrm>
+            <a:prstGeom prst="straightConnector1">
+              <a:avLst/>
+            </a:prstGeom>
+            <a:ln>
+              <a:solidFill>
+                <a:schemeClr val="tx1"/>
+              </a:solidFill>
+              <a:prstDash val="dash"/>
+              <a:tailEnd type="arrow"/>
+            </a:ln>
+          </p:spPr>
+          <p:style>
+            <a:lnRef idx="1">
+              <a:schemeClr val="accent1"/>
+            </a:lnRef>
+            <a:fillRef idx="0">
+              <a:schemeClr val="accent1"/>
+            </a:fillRef>
+            <a:effectRef idx="0">
+              <a:schemeClr val="accent1"/>
+            </a:effectRef>
+            <a:fontRef idx="minor">
+              <a:schemeClr val="tx1"/>
+            </a:fontRef>
+          </p:style>
+        </p:cxnSp>
+        <p:cxnSp>
+          <p:nvCxnSpPr>
+            <p:cNvPr id="72" name="연결선: 꺾임 71">
+              <a:extLst>
+                <a:ext uri="{FF2B5EF4-FFF2-40B4-BE49-F238E27FC236}">
+                  <a16:creationId xmlns:a16="http://schemas.microsoft.com/office/drawing/2014/main" id="{B802B84A-72A0-4F27-8EB6-7701450AC529}"/>
+                </a:ext>
+              </a:extLst>
+            </p:cNvPr>
+            <p:cNvCxnSpPr>
+              <a:cxnSpLocks/>
+              <a:stCxn id="51" idx="2"/>
+              <a:endCxn id="70" idx="1"/>
+            </p:cNvCxnSpPr>
+            <p:nvPr/>
+          </p:nvCxnSpPr>
+          <p:spPr>
+            <a:xfrm rot="16200000" flipH="1">
+              <a:off x="3951493" y="2372495"/>
+              <a:ext cx="332311" cy="319791"/>
+            </a:xfrm>
+            <a:prstGeom prst="bentConnector2">
+              <a:avLst/>
+            </a:prstGeom>
+            <a:ln>
+              <a:solidFill>
+                <a:schemeClr val="tx1"/>
+              </a:solidFill>
+              <a:tailEnd type="triangle"/>
+            </a:ln>
+          </p:spPr>
+          <p:style>
+            <a:lnRef idx="1">
+              <a:schemeClr val="accent1"/>
+            </a:lnRef>
+            <a:fillRef idx="0">
+              <a:schemeClr val="accent1"/>
+            </a:fillRef>
+            <a:effectRef idx="0">
+              <a:schemeClr val="accent1"/>
+            </a:effectRef>
+            <a:fontRef idx="minor">
+              <a:schemeClr val="tx1"/>
+            </a:fontRef>
+          </p:style>
+        </p:cxnSp>
+        <p:sp>
+          <p:nvSpPr>
+            <p:cNvPr id="73" name="육각형 72">
+              <a:extLst>
+                <a:ext uri="{FF2B5EF4-FFF2-40B4-BE49-F238E27FC236}">
+                  <a16:creationId xmlns:a16="http://schemas.microsoft.com/office/drawing/2014/main" id="{9EE5D1F3-7227-4B51-83E7-ED457E2E3494}"/>
+                </a:ext>
+              </a:extLst>
+            </p:cNvPr>
+            <p:cNvSpPr/>
+            <p:nvPr/>
+          </p:nvSpPr>
+          <p:spPr>
+            <a:xfrm>
+              <a:off x="10325878" y="4028150"/>
+              <a:ext cx="1560944" cy="1377875"/>
+            </a:xfrm>
+            <a:prstGeom prst="hexagon">
+              <a:avLst/>
+            </a:prstGeom>
+          </p:spPr>
+          <p:style>
+            <a:lnRef idx="2">
+              <a:schemeClr val="accent1">
+                <a:shade val="50000"/>
+              </a:schemeClr>
+            </a:lnRef>
+            <a:fillRef idx="1">
+              <a:schemeClr val="accent1"/>
+            </a:fillRef>
+            <a:effectRef idx="0">
+              <a:schemeClr val="accent1"/>
+            </a:effectRef>
+            <a:fontRef idx="minor">
+              <a:schemeClr val="lt1"/>
+            </a:fontRef>
+          </p:style>
+          <p:txBody>
+            <a:bodyPr rtlCol="0" anchor="ctr"/>
+            <a:lstStyle/>
+            <a:p>
+              <a:pPr algn="ctr"/>
+              <a:r>
+                <a:rPr lang="en-US" altLang="ko-KR" dirty="0"/>
+                <a:t>Device</a:t>
+              </a:r>
+              <a:endParaRPr lang="ko-KR" altLang="en-US" dirty="0"/>
+            </a:p>
+          </p:txBody>
+        </p:sp>
+        <p:cxnSp>
+          <p:nvCxnSpPr>
+            <p:cNvPr id="74" name="연결선: 꺾임 73">
+              <a:extLst>
+                <a:ext uri="{FF2B5EF4-FFF2-40B4-BE49-F238E27FC236}">
+                  <a16:creationId xmlns:a16="http://schemas.microsoft.com/office/drawing/2014/main" id="{AE4C4779-C5ED-4739-AB1F-F81DBB86F9CB}"/>
+                </a:ext>
+              </a:extLst>
+            </p:cNvPr>
+            <p:cNvCxnSpPr>
+              <a:cxnSpLocks/>
+              <a:stCxn id="70" idx="3"/>
+              <a:endCxn id="73" idx="4"/>
+            </p:cNvCxnSpPr>
+            <p:nvPr/>
+          </p:nvCxnSpPr>
+          <p:spPr>
+            <a:xfrm>
+              <a:off x="6411140" y="2698547"/>
+              <a:ext cx="4259207" cy="1329603"/>
+            </a:xfrm>
+            <a:prstGeom prst="bentConnector2">
+              <a:avLst/>
+            </a:prstGeom>
+            <a:ln>
+              <a:solidFill>
+                <a:schemeClr val="tx1"/>
+              </a:solidFill>
+              <a:tailEnd type="triangle"/>
+            </a:ln>
+          </p:spPr>
+          <p:style>
+            <a:lnRef idx="1">
+              <a:schemeClr val="accent1"/>
+            </a:lnRef>
+            <a:fillRef idx="0">
+              <a:schemeClr val="accent1"/>
+            </a:fillRef>
+            <a:effectRef idx="0">
+              <a:schemeClr val="accent1"/>
+            </a:effectRef>
+            <a:fontRef idx="minor">
+              <a:schemeClr val="tx1"/>
+            </a:fontRef>
+          </p:style>
+        </p:cxnSp>
+        <p:sp>
+          <p:nvSpPr>
+            <p:cNvPr id="75" name="직사각형 74">
+              <a:extLst>
+                <a:ext uri="{FF2B5EF4-FFF2-40B4-BE49-F238E27FC236}">
+                  <a16:creationId xmlns:a16="http://schemas.microsoft.com/office/drawing/2014/main" id="{BED10E81-3AE3-409C-821A-D04AE884CC3E}"/>
+                </a:ext>
+              </a:extLst>
+            </p:cNvPr>
+            <p:cNvSpPr/>
+            <p:nvPr/>
+          </p:nvSpPr>
+          <p:spPr>
+            <a:xfrm>
+              <a:off x="6096000" y="4734419"/>
+              <a:ext cx="1028419" cy="629455"/>
+            </a:xfrm>
+            <a:prstGeom prst="rect">
+              <a:avLst/>
+            </a:prstGeom>
+            <a:solidFill>
+              <a:schemeClr val="bg1">
+                <a:lumMod val="95000"/>
+              </a:schemeClr>
+            </a:solidFill>
+          </p:spPr>
+          <p:style>
+            <a:lnRef idx="2">
+              <a:schemeClr val="accent1">
+                <a:shade val="50000"/>
+              </a:schemeClr>
+            </a:lnRef>
+            <a:fillRef idx="1">
+              <a:schemeClr val="accent1"/>
+            </a:fillRef>
+            <a:effectRef idx="0">
+              <a:schemeClr val="accent1"/>
+            </a:effectRef>
+            <a:fontRef idx="minor">
+              <a:schemeClr val="lt1"/>
+            </a:fontRef>
+          </p:style>
+          <p:txBody>
+            <a:bodyPr rtlCol="0" anchor="ctr"/>
+            <a:lstStyle/>
+            <a:p>
+              <a:pPr algn="ctr"/>
+              <a:r>
+                <a:rPr lang="en-US" altLang="ko-KR" sz="1000" dirty="0">
+                  <a:solidFill>
+                    <a:schemeClr val="tx1"/>
+                  </a:solidFill>
+                </a:rPr>
+                <a:t>Http Request worker #1</a:t>
+              </a:r>
+            </a:p>
+            <a:p>
+              <a:pPr algn="ctr"/>
+              <a:r>
+                <a:rPr lang="en-US" altLang="ko-KR" sz="1000" dirty="0">
+                  <a:solidFill>
+                    <a:schemeClr val="tx1"/>
+                  </a:solidFill>
+                </a:rPr>
+                <a:t>(Thread, Http Client)</a:t>
+              </a:r>
+              <a:endParaRPr lang="ko-KR" altLang="en-US" sz="1000" dirty="0">
+                <a:solidFill>
+                  <a:schemeClr val="tx1"/>
+                </a:solidFill>
+              </a:endParaRPr>
+            </a:p>
+          </p:txBody>
+        </p:sp>
+        <p:cxnSp>
+          <p:nvCxnSpPr>
+            <p:cNvPr id="76" name="직선 화살표 연결선 75">
+              <a:extLst>
+                <a:ext uri="{FF2B5EF4-FFF2-40B4-BE49-F238E27FC236}">
+                  <a16:creationId xmlns:a16="http://schemas.microsoft.com/office/drawing/2014/main" id="{48D079C8-A3AB-4961-A043-0F3CCCD2AADE}"/>
+                </a:ext>
+              </a:extLst>
+            </p:cNvPr>
+            <p:cNvCxnSpPr>
+              <a:cxnSpLocks/>
+              <a:stCxn id="79" idx="3"/>
+              <a:endCxn id="73" idx="3"/>
+            </p:cNvCxnSpPr>
+            <p:nvPr/>
+          </p:nvCxnSpPr>
+          <p:spPr>
+            <a:xfrm flipV="1">
+              <a:off x="9626020" y="4717088"/>
+              <a:ext cx="699858" cy="332058"/>
+            </a:xfrm>
+            <a:prstGeom prst="straightConnector1">
+              <a:avLst/>
+            </a:prstGeom>
+            <a:ln>
+              <a:solidFill>
+                <a:schemeClr val="tx1"/>
+              </a:solidFill>
+              <a:tailEnd type="triangle"/>
+            </a:ln>
+          </p:spPr>
+          <p:style>
+            <a:lnRef idx="1">
+              <a:schemeClr val="accent1"/>
+            </a:lnRef>
+            <a:fillRef idx="0">
+              <a:schemeClr val="accent1"/>
+            </a:fillRef>
+            <a:effectRef idx="0">
+              <a:schemeClr val="accent1"/>
+            </a:effectRef>
+            <a:fontRef idx="minor">
+              <a:schemeClr val="tx1"/>
+            </a:fontRef>
+          </p:style>
+        </p:cxnSp>
+        <p:sp>
+          <p:nvSpPr>
+            <p:cNvPr id="77" name="직사각형 76">
+              <a:extLst>
+                <a:ext uri="{FF2B5EF4-FFF2-40B4-BE49-F238E27FC236}">
+                  <a16:creationId xmlns:a16="http://schemas.microsoft.com/office/drawing/2014/main" id="{2B776514-84CF-4C2E-A9D5-7A18CCFEE1FC}"/>
+                </a:ext>
+              </a:extLst>
+            </p:cNvPr>
+            <p:cNvSpPr/>
+            <p:nvPr/>
+          </p:nvSpPr>
+          <p:spPr>
+            <a:xfrm>
+              <a:off x="6119190" y="5641056"/>
+              <a:ext cx="3499865" cy="558810"/>
+            </a:xfrm>
+            <a:prstGeom prst="rect">
+              <a:avLst/>
+            </a:prstGeom>
+            <a:solidFill>
+              <a:schemeClr val="bg1">
+                <a:lumMod val="95000"/>
+              </a:schemeClr>
+            </a:solidFill>
+          </p:spPr>
+          <p:style>
+            <a:lnRef idx="2">
+              <a:schemeClr val="accent1">
+                <a:shade val="50000"/>
+              </a:schemeClr>
+            </a:lnRef>
+            <a:fillRef idx="1">
+              <a:schemeClr val="accent1"/>
+            </a:fillRef>
+            <a:effectRef idx="0">
+              <a:schemeClr val="accent1"/>
+            </a:effectRef>
+            <a:fontRef idx="minor">
+              <a:schemeClr val="lt1"/>
+            </a:fontRef>
+          </p:style>
+          <p:txBody>
+            <a:bodyPr rtlCol="0" anchor="ctr"/>
+            <a:lstStyle/>
+            <a:p>
+              <a:pPr algn="ctr"/>
+              <a:r>
+                <a:rPr lang="en-US" altLang="ko-KR" sz="1400" dirty="0">
+                  <a:solidFill>
+                    <a:schemeClr val="tx1"/>
+                  </a:solidFill>
+                </a:rPr>
+                <a:t>Computing</a:t>
+              </a:r>
+            </a:p>
+            <a:p>
+              <a:pPr algn="ctr"/>
+              <a:r>
+                <a:rPr lang="en-US" altLang="ko-KR" sz="1400" dirty="0">
+                  <a:solidFill>
+                    <a:schemeClr val="tx1"/>
+                  </a:solidFill>
+                </a:rPr>
+                <a:t>(</a:t>
+              </a:r>
+              <a:r>
+                <a:rPr lang="ko-KR" altLang="en-US" sz="1400" dirty="0">
+                  <a:solidFill>
+                    <a:schemeClr val="tx1"/>
+                  </a:solidFill>
+                </a:rPr>
+                <a:t>동적 라이브러리 로딩</a:t>
+              </a:r>
+              <a:r>
+                <a:rPr lang="en-US" altLang="ko-KR" sz="1400" dirty="0">
+                  <a:solidFill>
+                    <a:schemeClr val="tx1"/>
+                  </a:solidFill>
+                </a:rPr>
+                <a:t>/</a:t>
+              </a:r>
+              <a:r>
+                <a:rPr lang="ko-KR" altLang="en-US" sz="1400" dirty="0">
+                  <a:solidFill>
+                    <a:schemeClr val="tx1"/>
+                  </a:solidFill>
+                </a:rPr>
+                <a:t>실행</a:t>
+              </a:r>
+              <a:r>
+                <a:rPr lang="en-US" altLang="ko-KR" sz="1400" dirty="0">
+                  <a:solidFill>
+                    <a:schemeClr val="tx1"/>
+                  </a:solidFill>
+                </a:rPr>
+                <a:t>)</a:t>
+              </a:r>
+              <a:endParaRPr lang="ko-KR" altLang="en-US" sz="1400" dirty="0">
+                <a:solidFill>
+                  <a:schemeClr val="tx1"/>
+                </a:solidFill>
+              </a:endParaRPr>
+            </a:p>
+          </p:txBody>
+        </p:sp>
+        <p:sp>
+          <p:nvSpPr>
+            <p:cNvPr id="78" name="직사각형 77">
+              <a:extLst>
+                <a:ext uri="{FF2B5EF4-FFF2-40B4-BE49-F238E27FC236}">
+                  <a16:creationId xmlns:a16="http://schemas.microsoft.com/office/drawing/2014/main" id="{D7401FA1-9BBA-4D2F-AA0D-19D8F13483B5}"/>
+                </a:ext>
+              </a:extLst>
+            </p:cNvPr>
+            <p:cNvSpPr/>
+            <p:nvPr/>
+          </p:nvSpPr>
+          <p:spPr>
+            <a:xfrm>
+              <a:off x="7167693" y="4734419"/>
+              <a:ext cx="1028419" cy="629455"/>
+            </a:xfrm>
+            <a:prstGeom prst="rect">
+              <a:avLst/>
+            </a:prstGeom>
+            <a:solidFill>
+              <a:schemeClr val="bg1">
+                <a:lumMod val="95000"/>
+              </a:schemeClr>
+            </a:solidFill>
+          </p:spPr>
+          <p:style>
+            <a:lnRef idx="2">
+              <a:schemeClr val="accent1">
+                <a:shade val="50000"/>
+              </a:schemeClr>
+            </a:lnRef>
+            <a:fillRef idx="1">
+              <a:schemeClr val="accent1"/>
+            </a:fillRef>
+            <a:effectRef idx="0">
+              <a:schemeClr val="accent1"/>
+            </a:effectRef>
+            <a:fontRef idx="minor">
+              <a:schemeClr val="lt1"/>
+            </a:fontRef>
+          </p:style>
+          <p:txBody>
+            <a:bodyPr rtlCol="0" anchor="ctr"/>
+            <a:lstStyle/>
+            <a:p>
+              <a:pPr algn="ctr"/>
+              <a:r>
+                <a:rPr lang="en-US" altLang="ko-KR" sz="1000" dirty="0">
+                  <a:solidFill>
+                    <a:schemeClr val="tx1"/>
+                  </a:solidFill>
+                </a:rPr>
+                <a:t>Http Request worker #2</a:t>
+              </a:r>
+            </a:p>
+            <a:p>
+              <a:pPr algn="ctr"/>
+              <a:r>
+                <a:rPr lang="en-US" altLang="ko-KR" sz="1000" dirty="0">
+                  <a:solidFill>
+                    <a:schemeClr val="tx1"/>
+                  </a:solidFill>
+                </a:rPr>
+                <a:t>(Thread, Http Client)</a:t>
+              </a:r>
+              <a:endParaRPr lang="ko-KR" altLang="en-US" sz="1000" dirty="0">
+                <a:solidFill>
+                  <a:schemeClr val="tx1"/>
+                </a:solidFill>
+              </a:endParaRPr>
+            </a:p>
+          </p:txBody>
+        </p:sp>
+        <p:sp>
+          <p:nvSpPr>
+            <p:cNvPr id="79" name="직사각형 78">
+              <a:extLst>
+                <a:ext uri="{FF2B5EF4-FFF2-40B4-BE49-F238E27FC236}">
+                  <a16:creationId xmlns:a16="http://schemas.microsoft.com/office/drawing/2014/main" id="{2EFBAE69-0FE5-49AC-95C9-3331A5768EDB}"/>
+                </a:ext>
+              </a:extLst>
+            </p:cNvPr>
+            <p:cNvSpPr/>
+            <p:nvPr/>
+          </p:nvSpPr>
+          <p:spPr>
+            <a:xfrm>
+              <a:off x="8534820" y="4734418"/>
+              <a:ext cx="1091200" cy="629455"/>
+            </a:xfrm>
+            <a:prstGeom prst="rect">
+              <a:avLst/>
+            </a:prstGeom>
+            <a:solidFill>
+              <a:schemeClr val="bg1">
+                <a:lumMod val="95000"/>
+              </a:schemeClr>
+            </a:solidFill>
+          </p:spPr>
+          <p:style>
+            <a:lnRef idx="2">
+              <a:schemeClr val="accent1">
+                <a:shade val="50000"/>
+              </a:schemeClr>
+            </a:lnRef>
+            <a:fillRef idx="1">
+              <a:schemeClr val="accent1"/>
+            </a:fillRef>
+            <a:effectRef idx="0">
+              <a:schemeClr val="accent1"/>
+            </a:effectRef>
+            <a:fontRef idx="minor">
+              <a:schemeClr val="lt1"/>
+            </a:fontRef>
+          </p:style>
+          <p:txBody>
+            <a:bodyPr rtlCol="0" anchor="ctr"/>
+            <a:lstStyle/>
+            <a:p>
+              <a:pPr algn="ctr"/>
+              <a:r>
+                <a:rPr lang="en-US" altLang="ko-KR" sz="1000" dirty="0">
+                  <a:solidFill>
+                    <a:schemeClr val="tx1"/>
+                  </a:solidFill>
+                </a:rPr>
+                <a:t>Http Request worker #n</a:t>
+              </a:r>
+            </a:p>
+            <a:p>
+              <a:pPr algn="ctr"/>
+              <a:r>
+                <a:rPr lang="en-US" altLang="ko-KR" sz="1000" dirty="0">
+                  <a:solidFill>
+                    <a:schemeClr val="tx1"/>
+                  </a:solidFill>
+                </a:rPr>
+                <a:t>(Thread, Http Client)</a:t>
+              </a:r>
+              <a:endParaRPr lang="ko-KR" altLang="en-US" sz="1000" dirty="0">
+                <a:solidFill>
+                  <a:schemeClr val="tx1"/>
+                </a:solidFill>
+              </a:endParaRPr>
+            </a:p>
+          </p:txBody>
+        </p:sp>
+        <p:sp>
+          <p:nvSpPr>
+            <p:cNvPr id="80" name="직사각형 79">
+              <a:extLst>
+                <a:ext uri="{FF2B5EF4-FFF2-40B4-BE49-F238E27FC236}">
+                  <a16:creationId xmlns:a16="http://schemas.microsoft.com/office/drawing/2014/main" id="{F3115A27-1371-4E4B-9F6C-4B73144527C6}"/>
+                </a:ext>
+              </a:extLst>
+            </p:cNvPr>
+            <p:cNvSpPr/>
+            <p:nvPr/>
+          </p:nvSpPr>
+          <p:spPr>
+            <a:xfrm>
+              <a:off x="8244712" y="4734419"/>
+              <a:ext cx="243676" cy="629455"/>
+            </a:xfrm>
+            <a:prstGeom prst="rect">
+              <a:avLst/>
+            </a:prstGeom>
+            <a:solidFill>
+              <a:schemeClr val="bg1">
+                <a:lumMod val="95000"/>
+              </a:schemeClr>
+            </a:solidFill>
+          </p:spPr>
+          <p:style>
+            <a:lnRef idx="2">
+              <a:schemeClr val="accent1">
+                <a:shade val="50000"/>
+              </a:schemeClr>
+            </a:lnRef>
+            <a:fillRef idx="1">
+              <a:schemeClr val="accent1"/>
+            </a:fillRef>
+            <a:effectRef idx="0">
+              <a:schemeClr val="accent1"/>
+            </a:effectRef>
+            <a:fontRef idx="minor">
+              <a:schemeClr val="lt1"/>
+            </a:fontRef>
+          </p:style>
+          <p:txBody>
+            <a:bodyPr rtlCol="0" anchor="ctr"/>
+            <a:lstStyle/>
+            <a:p>
+              <a:pPr algn="ctr"/>
+              <a:r>
+                <a:rPr lang="en-US" altLang="ko-KR" sz="1400" dirty="0">
+                  <a:solidFill>
+                    <a:schemeClr val="tx1"/>
+                  </a:solidFill>
+                </a:rPr>
+                <a:t>…</a:t>
+              </a:r>
+              <a:endParaRPr lang="ko-KR" altLang="en-US" sz="1400" dirty="0">
+                <a:solidFill>
+                  <a:schemeClr val="tx1"/>
+                </a:solidFill>
+              </a:endParaRPr>
+            </a:p>
+          </p:txBody>
+        </p:sp>
+        <p:cxnSp>
+          <p:nvCxnSpPr>
+            <p:cNvPr id="81" name="직선 화살표 연결선 80">
+              <a:extLst>
+                <a:ext uri="{FF2B5EF4-FFF2-40B4-BE49-F238E27FC236}">
+                  <a16:creationId xmlns:a16="http://schemas.microsoft.com/office/drawing/2014/main" id="{51D5E8D7-293A-4849-A488-69C4A8951BBC}"/>
+                </a:ext>
+              </a:extLst>
+            </p:cNvPr>
+            <p:cNvCxnSpPr>
+              <a:cxnSpLocks/>
+              <a:stCxn id="63" idx="2"/>
+              <a:endCxn id="47" idx="0"/>
+            </p:cNvCxnSpPr>
+            <p:nvPr/>
+          </p:nvCxnSpPr>
+          <p:spPr>
+            <a:xfrm>
+              <a:off x="7858319" y="4177837"/>
+              <a:ext cx="21381" cy="192445"/>
+            </a:xfrm>
+            <a:prstGeom prst="straightConnector1">
+              <a:avLst/>
+            </a:prstGeom>
+            <a:ln>
+              <a:solidFill>
+                <a:schemeClr val="tx1"/>
+              </a:solidFill>
+              <a:tailEnd type="triangle"/>
+            </a:ln>
+          </p:spPr>
+          <p:style>
+            <a:lnRef idx="1">
+              <a:schemeClr val="accent1"/>
+            </a:lnRef>
+            <a:fillRef idx="0">
+              <a:schemeClr val="accent1"/>
+            </a:fillRef>
+            <a:effectRef idx="0">
+              <a:schemeClr val="accent1"/>
+            </a:effectRef>
+            <a:fontRef idx="minor">
+              <a:schemeClr val="tx1"/>
+            </a:fontRef>
+          </p:style>
+        </p:cxnSp>
+        <p:cxnSp>
+          <p:nvCxnSpPr>
+            <p:cNvPr id="82" name="직선 화살표 연결선 81">
+              <a:extLst>
+                <a:ext uri="{FF2B5EF4-FFF2-40B4-BE49-F238E27FC236}">
+                  <a16:creationId xmlns:a16="http://schemas.microsoft.com/office/drawing/2014/main" id="{0D951B42-2104-4370-87D0-2F53A99913C7}"/>
+                </a:ext>
+              </a:extLst>
+            </p:cNvPr>
+            <p:cNvCxnSpPr>
+              <a:cxnSpLocks/>
+              <a:stCxn id="75" idx="2"/>
+              <a:endCxn id="77" idx="0"/>
+            </p:cNvCxnSpPr>
+            <p:nvPr/>
+          </p:nvCxnSpPr>
+          <p:spPr>
+            <a:xfrm>
+              <a:off x="6610210" y="5363874"/>
+              <a:ext cx="1258913" cy="277182"/>
+            </a:xfrm>
+            <a:prstGeom prst="straightConnector1">
+              <a:avLst/>
+            </a:prstGeom>
+            <a:ln>
+              <a:solidFill>
+                <a:schemeClr val="tx1"/>
+              </a:solidFill>
+              <a:tailEnd type="triangle"/>
+            </a:ln>
+          </p:spPr>
+          <p:style>
+            <a:lnRef idx="1">
+              <a:schemeClr val="accent1"/>
+            </a:lnRef>
+            <a:fillRef idx="0">
+              <a:schemeClr val="accent1"/>
+            </a:fillRef>
+            <a:effectRef idx="0">
+              <a:schemeClr val="accent1"/>
+            </a:effectRef>
+            <a:fontRef idx="minor">
+              <a:schemeClr val="tx1"/>
+            </a:fontRef>
+          </p:style>
+        </p:cxnSp>
+        <p:cxnSp>
+          <p:nvCxnSpPr>
+            <p:cNvPr id="83" name="직선 화살표 연결선 82">
+              <a:extLst>
+                <a:ext uri="{FF2B5EF4-FFF2-40B4-BE49-F238E27FC236}">
+                  <a16:creationId xmlns:a16="http://schemas.microsoft.com/office/drawing/2014/main" id="{1535982D-E92C-4F91-9BBD-5382691079D2}"/>
+                </a:ext>
+              </a:extLst>
+            </p:cNvPr>
+            <p:cNvCxnSpPr>
+              <a:cxnSpLocks/>
+              <a:stCxn id="78" idx="2"/>
+              <a:endCxn id="77" idx="0"/>
+            </p:cNvCxnSpPr>
+            <p:nvPr/>
+          </p:nvCxnSpPr>
+          <p:spPr>
+            <a:xfrm>
+              <a:off x="7681903" y="5363874"/>
+              <a:ext cx="187220" cy="277182"/>
+            </a:xfrm>
+            <a:prstGeom prst="straightConnector1">
+              <a:avLst/>
+            </a:prstGeom>
+            <a:ln>
+              <a:solidFill>
+                <a:schemeClr val="tx1"/>
+              </a:solidFill>
+              <a:tailEnd type="triangle"/>
+            </a:ln>
+          </p:spPr>
+          <p:style>
+            <a:lnRef idx="1">
+              <a:schemeClr val="accent1"/>
+            </a:lnRef>
+            <a:fillRef idx="0">
+              <a:schemeClr val="accent1"/>
+            </a:fillRef>
+            <a:effectRef idx="0">
+              <a:schemeClr val="accent1"/>
+            </a:effectRef>
+            <a:fontRef idx="minor">
+              <a:schemeClr val="tx1"/>
+            </a:fontRef>
+          </p:style>
+        </p:cxnSp>
+        <p:cxnSp>
+          <p:nvCxnSpPr>
+            <p:cNvPr id="84" name="직선 화살표 연결선 83">
+              <a:extLst>
+                <a:ext uri="{FF2B5EF4-FFF2-40B4-BE49-F238E27FC236}">
+                  <a16:creationId xmlns:a16="http://schemas.microsoft.com/office/drawing/2014/main" id="{A0DF0244-E429-4503-9E89-726C44001944}"/>
+                </a:ext>
+              </a:extLst>
+            </p:cNvPr>
+            <p:cNvCxnSpPr>
+              <a:cxnSpLocks/>
+              <a:endCxn id="77" idx="0"/>
+            </p:cNvCxnSpPr>
+            <p:nvPr/>
+          </p:nvCxnSpPr>
+          <p:spPr>
+            <a:xfrm flipH="1">
+              <a:off x="7869123" y="5374716"/>
+              <a:ext cx="1204548" cy="266340"/>
+            </a:xfrm>
+            <a:prstGeom prst="straightConnector1">
+              <a:avLst/>
+            </a:prstGeom>
+            <a:ln>
+              <a:solidFill>
+                <a:schemeClr val="tx1"/>
+              </a:solidFill>
+              <a:tailEnd type="triangle"/>
+            </a:ln>
+          </p:spPr>
+          <p:style>
+            <a:lnRef idx="1">
+              <a:schemeClr val="accent1"/>
+            </a:lnRef>
+            <a:fillRef idx="0">
+              <a:schemeClr val="accent1"/>
+            </a:fillRef>
+            <a:effectRef idx="0">
+              <a:schemeClr val="accent1"/>
+            </a:effectRef>
+            <a:fontRef idx="minor">
+              <a:schemeClr val="tx1"/>
+            </a:fontRef>
+          </p:style>
+        </p:cxnSp>
+      </p:grpSp>
     </p:spTree>
     <p:extLst>
       <p:ext uri="{BB962C8B-B14F-4D97-AF65-F5344CB8AC3E}">
@@ -11665,7 +14537,7 @@
 </p:sld>
 </file>
 
-<file path=ppt/slides/slide5.xml><?xml version="1.0" encoding="utf-8"?>
+<file path=ppt/slides/slide6.xml><?xml version="1.0" encoding="utf-8"?>
 <p:sld xmlns:a="http://schemas.openxmlformats.org/drawingml/2006/main" xmlns:r="http://schemas.openxmlformats.org/officeDocument/2006/relationships" xmlns:p="http://schemas.openxmlformats.org/presentationml/2006/main">
   <p:cSld>
     <p:spTree>
@@ -15553,6 +18425,3745 @@
     <p:extLst>
       <p:ext uri="{BB962C8B-B14F-4D97-AF65-F5344CB8AC3E}">
         <p14:creationId xmlns:p14="http://schemas.microsoft.com/office/powerpoint/2010/main" val="2730076446"/>
+      </p:ext>
+    </p:extLst>
+  </p:cSld>
+  <p:clrMapOvr>
+    <a:masterClrMapping/>
+  </p:clrMapOvr>
+</p:sld>
+</file>
+
+<file path=ppt/slides/slide7.xml><?xml version="1.0" encoding="utf-8"?>
+<p:sld xmlns:a="http://schemas.openxmlformats.org/drawingml/2006/main" xmlns:r="http://schemas.openxmlformats.org/officeDocument/2006/relationships" xmlns:p="http://schemas.openxmlformats.org/presentationml/2006/main">
+  <p:cSld>
+    <p:spTree>
+      <p:nvGrpSpPr>
+        <p:cNvPr id="1" name=""/>
+        <p:cNvGrpSpPr/>
+        <p:nvPr/>
+      </p:nvGrpSpPr>
+      <p:grpSpPr>
+        <a:xfrm>
+          <a:off x="0" y="0"/>
+          <a:ext cx="0" cy="0"/>
+          <a:chOff x="0" y="0"/>
+          <a:chExt cx="0" cy="0"/>
+        </a:xfrm>
+      </p:grpSpPr>
+      <p:sp>
+        <p:nvSpPr>
+          <p:cNvPr id="2" name="제목 1">
+            <a:extLst>
+              <a:ext uri="{FF2B5EF4-FFF2-40B4-BE49-F238E27FC236}">
+                <a16:creationId xmlns:a16="http://schemas.microsoft.com/office/drawing/2014/main" id="{0E8FF393-D046-45F3-84D4-4D0116CEC442}"/>
+              </a:ext>
+            </a:extLst>
+          </p:cNvPr>
+          <p:cNvSpPr>
+            <a:spLocks noGrp="1"/>
+          </p:cNvSpPr>
+          <p:nvPr>
+            <p:ph type="title"/>
+          </p:nvPr>
+        </p:nvSpPr>
+        <p:spPr/>
+        <p:txBody>
+          <a:bodyPr/>
+          <a:lstStyle/>
+          <a:p>
+            <a:r>
+              <a:rPr lang="en-US" altLang="ko-KR" dirty="0"/>
+              <a:t>Workflow</a:t>
+            </a:r>
+            <a:endParaRPr lang="ko-KR" altLang="en-US" dirty="0"/>
+          </a:p>
+        </p:txBody>
+      </p:sp>
+      <p:sp>
+        <p:nvSpPr>
+          <p:cNvPr id="3" name="내용 개체 틀 2">
+            <a:extLst>
+              <a:ext uri="{FF2B5EF4-FFF2-40B4-BE49-F238E27FC236}">
+                <a16:creationId xmlns:a16="http://schemas.microsoft.com/office/drawing/2014/main" id="{95E75740-F1D6-41C4-8326-705F98DC5C2C}"/>
+              </a:ext>
+            </a:extLst>
+          </p:cNvPr>
+          <p:cNvSpPr>
+            <a:spLocks noGrp="1"/>
+          </p:cNvSpPr>
+          <p:nvPr>
+            <p:ph idx="1"/>
+          </p:nvPr>
+        </p:nvSpPr>
+        <p:spPr/>
+        <p:txBody>
+          <a:bodyPr/>
+          <a:lstStyle/>
+          <a:p>
+            <a:endParaRPr lang="ko-KR" altLang="en-US"/>
+          </a:p>
+        </p:txBody>
+      </p:sp>
+    </p:spTree>
+    <p:extLst>
+      <p:ext uri="{BB962C8B-B14F-4D97-AF65-F5344CB8AC3E}">
+        <p14:creationId xmlns:p14="http://schemas.microsoft.com/office/powerpoint/2010/main" val="3386613377"/>
+      </p:ext>
+    </p:extLst>
+  </p:cSld>
+  <p:clrMapOvr>
+    <a:masterClrMapping/>
+  </p:clrMapOvr>
+</p:sld>
+</file>
+
+<file path=ppt/slides/slide8.xml><?xml version="1.0" encoding="utf-8"?>
+<p:sld xmlns:a="http://schemas.openxmlformats.org/drawingml/2006/main" xmlns:r="http://schemas.openxmlformats.org/officeDocument/2006/relationships" xmlns:p="http://schemas.openxmlformats.org/presentationml/2006/main">
+  <p:cSld>
+    <p:spTree>
+      <p:nvGrpSpPr>
+        <p:cNvPr id="1" name=""/>
+        <p:cNvGrpSpPr/>
+        <p:nvPr/>
+      </p:nvGrpSpPr>
+      <p:grpSpPr>
+        <a:xfrm>
+          <a:off x="0" y="0"/>
+          <a:ext cx="0" cy="0"/>
+          <a:chOff x="0" y="0"/>
+          <a:chExt cx="0" cy="0"/>
+        </a:xfrm>
+      </p:grpSpPr>
+      <p:sp>
+        <p:nvSpPr>
+          <p:cNvPr id="8" name="직사각형 7">
+            <a:extLst>
+              <a:ext uri="{FF2B5EF4-FFF2-40B4-BE49-F238E27FC236}">
+                <a16:creationId xmlns:a16="http://schemas.microsoft.com/office/drawing/2014/main" id="{6C800D32-25EF-495E-9497-4B19D4A610C4}"/>
+              </a:ext>
+            </a:extLst>
+          </p:cNvPr>
+          <p:cNvSpPr/>
+          <p:nvPr/>
+        </p:nvSpPr>
+        <p:spPr>
+          <a:xfrm>
+            <a:off x="2394255" y="968021"/>
+            <a:ext cx="7752038" cy="5472289"/>
+          </a:xfrm>
+          <a:prstGeom prst="rect">
+            <a:avLst/>
+          </a:prstGeom>
+        </p:spPr>
+        <p:style>
+          <a:lnRef idx="2">
+            <a:schemeClr val="accent1">
+              <a:shade val="50000"/>
+            </a:schemeClr>
+          </a:lnRef>
+          <a:fillRef idx="1">
+            <a:schemeClr val="accent1"/>
+          </a:fillRef>
+          <a:effectRef idx="0">
+            <a:schemeClr val="accent1"/>
+          </a:effectRef>
+          <a:fontRef idx="minor">
+            <a:schemeClr val="lt1"/>
+          </a:fontRef>
+        </p:style>
+        <p:txBody>
+          <a:bodyPr rtlCol="0" anchor="t"/>
+          <a:lstStyle/>
+          <a:p>
+            <a:pPr algn="ctr"/>
+            <a:endParaRPr lang="en-US" altLang="ko-KR" sz="800" dirty="0"/>
+          </a:p>
+          <a:p>
+            <a:pPr algn="ctr"/>
+            <a:r>
+              <a:rPr lang="en-US" altLang="ko-KR" sz="2000" dirty="0"/>
+              <a:t>Workflow Engine</a:t>
+            </a:r>
+            <a:endParaRPr lang="ko-KR" altLang="en-US" sz="2000" dirty="0"/>
+          </a:p>
+        </p:txBody>
+      </p:sp>
+      <p:sp>
+        <p:nvSpPr>
+          <p:cNvPr id="7" name="직사각형 6">
+            <a:extLst>
+              <a:ext uri="{FF2B5EF4-FFF2-40B4-BE49-F238E27FC236}">
+                <a16:creationId xmlns:a16="http://schemas.microsoft.com/office/drawing/2014/main" id="{97376170-2DED-46A4-B32F-ADCADBFAD2CA}"/>
+              </a:ext>
+            </a:extLst>
+          </p:cNvPr>
+          <p:cNvSpPr/>
+          <p:nvPr/>
+        </p:nvSpPr>
+        <p:spPr>
+          <a:xfrm>
+            <a:off x="462844" y="968022"/>
+            <a:ext cx="1731434" cy="5472288"/>
+          </a:xfrm>
+          <a:prstGeom prst="rect">
+            <a:avLst/>
+          </a:prstGeom>
+        </p:spPr>
+        <p:style>
+          <a:lnRef idx="2">
+            <a:schemeClr val="accent1">
+              <a:shade val="50000"/>
+            </a:schemeClr>
+          </a:lnRef>
+          <a:fillRef idx="1">
+            <a:schemeClr val="accent1"/>
+          </a:fillRef>
+          <a:effectRef idx="0">
+            <a:schemeClr val="accent1"/>
+          </a:effectRef>
+          <a:fontRef idx="minor">
+            <a:schemeClr val="lt1"/>
+          </a:fontRef>
+        </p:style>
+        <p:txBody>
+          <a:bodyPr rtlCol="0" anchor="t"/>
+          <a:lstStyle/>
+          <a:p>
+            <a:pPr algn="ctr"/>
+            <a:endParaRPr lang="en-US" altLang="ko-KR" sz="800" dirty="0"/>
+          </a:p>
+          <a:p>
+            <a:pPr algn="ctr"/>
+            <a:r>
+              <a:rPr lang="en-US" altLang="ko-KR" sz="2000" dirty="0"/>
+              <a:t>Client</a:t>
+            </a:r>
+            <a:endParaRPr lang="ko-KR" altLang="en-US" sz="2000" dirty="0"/>
+          </a:p>
+        </p:txBody>
+      </p:sp>
+      <p:sp>
+        <p:nvSpPr>
+          <p:cNvPr id="4" name="TextBox 3">
+            <a:extLst>
+              <a:ext uri="{FF2B5EF4-FFF2-40B4-BE49-F238E27FC236}">
+                <a16:creationId xmlns:a16="http://schemas.microsoft.com/office/drawing/2014/main" id="{6564232D-F8FC-40A1-B944-4413795A1578}"/>
+              </a:ext>
+            </a:extLst>
+          </p:cNvPr>
+          <p:cNvSpPr txBox="1"/>
+          <p:nvPr/>
+        </p:nvSpPr>
+        <p:spPr>
+          <a:xfrm>
+            <a:off x="462844" y="417689"/>
+            <a:ext cx="3014134" cy="369332"/>
+          </a:xfrm>
+          <a:prstGeom prst="rect">
+            <a:avLst/>
+          </a:prstGeom>
+          <a:noFill/>
+        </p:spPr>
+        <p:txBody>
+          <a:bodyPr wrap="square" rtlCol="0">
+            <a:spAutoFit/>
+          </a:bodyPr>
+          <a:lstStyle/>
+          <a:p>
+            <a:r>
+              <a:rPr lang="en-US" altLang="ko-KR" dirty="0"/>
+              <a:t>1. </a:t>
+            </a:r>
+            <a:r>
+              <a:rPr lang="ko-KR" altLang="en-US" dirty="0"/>
+              <a:t>구조 설계 </a:t>
+            </a:r>
+            <a:r>
+              <a:rPr lang="en-US" altLang="ko-KR" dirty="0"/>
+              <a:t>(</a:t>
+            </a:r>
+            <a:r>
+              <a:rPr lang="ko-KR" altLang="en-US" dirty="0"/>
+              <a:t>구성도</a:t>
+            </a:r>
+            <a:r>
+              <a:rPr lang="en-US" altLang="ko-KR" dirty="0"/>
+              <a:t>)</a:t>
+            </a:r>
+            <a:endParaRPr lang="ko-KR" altLang="en-US" dirty="0"/>
+          </a:p>
+        </p:txBody>
+      </p:sp>
+      <p:sp>
+        <p:nvSpPr>
+          <p:cNvPr id="5" name="순서도: 수동 입력 4">
+            <a:extLst>
+              <a:ext uri="{FF2B5EF4-FFF2-40B4-BE49-F238E27FC236}">
+                <a16:creationId xmlns:a16="http://schemas.microsoft.com/office/drawing/2014/main" id="{6DDD1AE3-D94C-4D55-B13A-1A909429B985}"/>
+              </a:ext>
+            </a:extLst>
+          </p:cNvPr>
+          <p:cNvSpPr/>
+          <p:nvPr/>
+        </p:nvSpPr>
+        <p:spPr>
+          <a:xfrm>
+            <a:off x="620888" y="1711481"/>
+            <a:ext cx="1350735" cy="654755"/>
+          </a:xfrm>
+          <a:prstGeom prst="flowChartManualInput">
+            <a:avLst/>
+          </a:prstGeom>
+          <a:solidFill>
+            <a:schemeClr val="bg1">
+              <a:lumMod val="95000"/>
+            </a:schemeClr>
+          </a:solidFill>
+        </p:spPr>
+        <p:style>
+          <a:lnRef idx="2">
+            <a:schemeClr val="accent1">
+              <a:shade val="50000"/>
+            </a:schemeClr>
+          </a:lnRef>
+          <a:fillRef idx="1">
+            <a:schemeClr val="accent1"/>
+          </a:fillRef>
+          <a:effectRef idx="0">
+            <a:schemeClr val="accent1"/>
+          </a:effectRef>
+          <a:fontRef idx="minor">
+            <a:schemeClr val="lt1"/>
+          </a:fontRef>
+        </p:style>
+        <p:txBody>
+          <a:bodyPr rtlCol="0" anchor="ctr"/>
+          <a:lstStyle/>
+          <a:p>
+            <a:pPr algn="ctr"/>
+            <a:r>
+              <a:rPr lang="en-US" altLang="ko-KR" sz="1400" dirty="0">
+                <a:solidFill>
+                  <a:schemeClr val="tx1"/>
+                </a:solidFill>
+              </a:rPr>
+              <a:t>Console Input</a:t>
+            </a:r>
+            <a:endParaRPr lang="ko-KR" altLang="en-US" sz="1400" dirty="0">
+              <a:solidFill>
+                <a:schemeClr val="tx1"/>
+              </a:solidFill>
+            </a:endParaRPr>
+          </a:p>
+        </p:txBody>
+      </p:sp>
+      <p:sp>
+        <p:nvSpPr>
+          <p:cNvPr id="10" name="직사각형 9">
+            <a:extLst>
+              <a:ext uri="{FF2B5EF4-FFF2-40B4-BE49-F238E27FC236}">
+                <a16:creationId xmlns:a16="http://schemas.microsoft.com/office/drawing/2014/main" id="{B04EE17B-3393-4374-BF3A-57F245CF97A1}"/>
+              </a:ext>
+            </a:extLst>
+          </p:cNvPr>
+          <p:cNvSpPr/>
+          <p:nvPr/>
+        </p:nvSpPr>
+        <p:spPr>
+          <a:xfrm>
+            <a:off x="2670753" y="1711481"/>
+            <a:ext cx="2573999" cy="654755"/>
+          </a:xfrm>
+          <a:prstGeom prst="rect">
+            <a:avLst/>
+          </a:prstGeom>
+          <a:solidFill>
+            <a:schemeClr val="bg1">
+              <a:lumMod val="95000"/>
+            </a:schemeClr>
+          </a:solidFill>
+        </p:spPr>
+        <p:style>
+          <a:lnRef idx="2">
+            <a:schemeClr val="accent1">
+              <a:shade val="50000"/>
+            </a:schemeClr>
+          </a:lnRef>
+          <a:fillRef idx="1">
+            <a:schemeClr val="accent1"/>
+          </a:fillRef>
+          <a:effectRef idx="0">
+            <a:schemeClr val="accent1"/>
+          </a:effectRef>
+          <a:fontRef idx="minor">
+            <a:schemeClr val="lt1"/>
+          </a:fontRef>
+        </p:style>
+        <p:txBody>
+          <a:bodyPr rtlCol="0" anchor="ctr"/>
+          <a:lstStyle/>
+          <a:p>
+            <a:pPr algn="ctr"/>
+            <a:r>
+              <a:rPr lang="en-US" altLang="ko-KR" sz="1400" dirty="0">
+                <a:solidFill>
+                  <a:schemeClr val="tx1"/>
+                </a:solidFill>
+              </a:rPr>
+              <a:t>Console Input Reader</a:t>
+            </a:r>
+          </a:p>
+          <a:p>
+            <a:pPr algn="ctr"/>
+            <a:r>
+              <a:rPr lang="en-US" altLang="ko-KR" sz="1400" dirty="0">
+                <a:solidFill>
+                  <a:schemeClr val="tx1"/>
+                </a:solidFill>
+              </a:rPr>
+              <a:t>(</a:t>
+            </a:r>
+            <a:r>
+              <a:rPr lang="ko-KR" altLang="en-US" sz="1400" dirty="0">
+                <a:solidFill>
+                  <a:schemeClr val="tx1"/>
+                </a:solidFill>
+              </a:rPr>
+              <a:t>표준입력 처리</a:t>
+            </a:r>
+            <a:r>
+              <a:rPr lang="en-US" altLang="ko-KR" sz="1400" dirty="0">
+                <a:solidFill>
+                  <a:schemeClr val="tx1"/>
+                </a:solidFill>
+              </a:rPr>
+              <a:t>, String Parser)</a:t>
+            </a:r>
+            <a:endParaRPr lang="ko-KR" altLang="en-US" sz="1400" dirty="0">
+              <a:solidFill>
+                <a:schemeClr val="tx1"/>
+              </a:solidFill>
+            </a:endParaRPr>
+          </a:p>
+        </p:txBody>
+      </p:sp>
+      <p:sp>
+        <p:nvSpPr>
+          <p:cNvPr id="11" name="직사각형 10">
+            <a:extLst>
+              <a:ext uri="{FF2B5EF4-FFF2-40B4-BE49-F238E27FC236}">
+                <a16:creationId xmlns:a16="http://schemas.microsoft.com/office/drawing/2014/main" id="{7E8A5ED3-B97A-42B2-BD61-46E21C01A394}"/>
+              </a:ext>
+            </a:extLst>
+          </p:cNvPr>
+          <p:cNvSpPr/>
+          <p:nvPr/>
+        </p:nvSpPr>
+        <p:spPr>
+          <a:xfrm>
+            <a:off x="2664580" y="3426960"/>
+            <a:ext cx="2573999" cy="654755"/>
+          </a:xfrm>
+          <a:prstGeom prst="rect">
+            <a:avLst/>
+          </a:prstGeom>
+          <a:solidFill>
+            <a:schemeClr val="bg1">
+              <a:lumMod val="95000"/>
+            </a:schemeClr>
+          </a:solidFill>
+        </p:spPr>
+        <p:style>
+          <a:lnRef idx="2">
+            <a:schemeClr val="accent1">
+              <a:shade val="50000"/>
+            </a:schemeClr>
+          </a:lnRef>
+          <a:fillRef idx="1">
+            <a:schemeClr val="accent1"/>
+          </a:fillRef>
+          <a:effectRef idx="0">
+            <a:schemeClr val="accent1"/>
+          </a:effectRef>
+          <a:fontRef idx="minor">
+            <a:schemeClr val="lt1"/>
+          </a:fontRef>
+        </p:style>
+        <p:txBody>
+          <a:bodyPr rtlCol="0" anchor="ctr"/>
+          <a:lstStyle/>
+          <a:p>
+            <a:pPr algn="ctr"/>
+            <a:r>
+              <a:rPr lang="en-US" altLang="ko-KR" sz="1400" dirty="0">
+                <a:solidFill>
+                  <a:schemeClr val="tx1"/>
+                </a:solidFill>
+              </a:rPr>
+              <a:t>Http Server for Server</a:t>
+            </a:r>
+          </a:p>
+          <a:p>
+            <a:pPr algn="ctr"/>
+            <a:r>
+              <a:rPr lang="en-US" altLang="ko-KR" sz="1400" dirty="0">
+                <a:solidFill>
+                  <a:schemeClr val="tx1"/>
+                </a:solidFill>
+              </a:rPr>
+              <a:t>(Jetty, Http Server)</a:t>
+            </a:r>
+            <a:endParaRPr lang="ko-KR" altLang="en-US" sz="1400" dirty="0">
+              <a:solidFill>
+                <a:schemeClr val="tx1"/>
+              </a:solidFill>
+            </a:endParaRPr>
+          </a:p>
+        </p:txBody>
+      </p:sp>
+      <p:sp>
+        <p:nvSpPr>
+          <p:cNvPr id="19" name="사각형: 둥근 모서리 18">
+            <a:extLst>
+              <a:ext uri="{FF2B5EF4-FFF2-40B4-BE49-F238E27FC236}">
+                <a16:creationId xmlns:a16="http://schemas.microsoft.com/office/drawing/2014/main" id="{7F4D9423-ABE1-4A9D-A1AC-FBFFE163BEC9}"/>
+              </a:ext>
+            </a:extLst>
+          </p:cNvPr>
+          <p:cNvSpPr/>
+          <p:nvPr/>
+        </p:nvSpPr>
+        <p:spPr>
+          <a:xfrm>
+            <a:off x="10304641" y="1176950"/>
+            <a:ext cx="1560944" cy="1488022"/>
+          </a:xfrm>
+          <a:prstGeom prst="roundRect">
+            <a:avLst/>
+          </a:prstGeom>
+          <a:solidFill>
+            <a:schemeClr val="accent6">
+              <a:lumMod val="20000"/>
+              <a:lumOff val="80000"/>
+            </a:schemeClr>
+          </a:solidFill>
+        </p:spPr>
+        <p:style>
+          <a:lnRef idx="2">
+            <a:schemeClr val="accent1">
+              <a:shade val="50000"/>
+            </a:schemeClr>
+          </a:lnRef>
+          <a:fillRef idx="1">
+            <a:schemeClr val="accent1"/>
+          </a:fillRef>
+          <a:effectRef idx="0">
+            <a:schemeClr val="accent1"/>
+          </a:effectRef>
+          <a:fontRef idx="minor">
+            <a:schemeClr val="lt1"/>
+          </a:fontRef>
+        </p:style>
+        <p:txBody>
+          <a:bodyPr rtlCol="0" anchor="t"/>
+          <a:lstStyle/>
+          <a:p>
+            <a:pPr algn="ctr"/>
+            <a:r>
+              <a:rPr lang="ko-KR" altLang="en-US" sz="1200" dirty="0">
+                <a:solidFill>
+                  <a:schemeClr val="tx1"/>
+                </a:solidFill>
+              </a:rPr>
+              <a:t>초기 데이터</a:t>
+            </a:r>
+          </a:p>
+        </p:txBody>
+      </p:sp>
+      <p:sp>
+        <p:nvSpPr>
+          <p:cNvPr id="12" name="순서도: 문서 11">
+            <a:extLst>
+              <a:ext uri="{FF2B5EF4-FFF2-40B4-BE49-F238E27FC236}">
+                <a16:creationId xmlns:a16="http://schemas.microsoft.com/office/drawing/2014/main" id="{AA8D5106-446F-42F7-B84F-B6E1E46EBC66}"/>
+              </a:ext>
+            </a:extLst>
+          </p:cNvPr>
+          <p:cNvSpPr/>
+          <p:nvPr/>
+        </p:nvSpPr>
+        <p:spPr>
+          <a:xfrm>
+            <a:off x="10524092" y="1490493"/>
+            <a:ext cx="1164516" cy="331445"/>
+          </a:xfrm>
+          <a:prstGeom prst="flowChartDocument">
+            <a:avLst/>
+          </a:prstGeom>
+          <a:solidFill>
+            <a:schemeClr val="bg1">
+              <a:lumMod val="95000"/>
+            </a:schemeClr>
+          </a:solidFill>
+        </p:spPr>
+        <p:style>
+          <a:lnRef idx="2">
+            <a:schemeClr val="accent1">
+              <a:shade val="50000"/>
+            </a:schemeClr>
+          </a:lnRef>
+          <a:fillRef idx="1">
+            <a:schemeClr val="accent1"/>
+          </a:fillRef>
+          <a:effectRef idx="0">
+            <a:schemeClr val="accent1"/>
+          </a:effectRef>
+          <a:fontRef idx="minor">
+            <a:schemeClr val="lt1"/>
+          </a:fontRef>
+        </p:style>
+        <p:txBody>
+          <a:bodyPr rtlCol="0" anchor="ctr"/>
+          <a:lstStyle/>
+          <a:p>
+            <a:pPr algn="ctr"/>
+            <a:r>
+              <a:rPr lang="en-US" altLang="ko-KR" sz="1000" dirty="0">
+                <a:solidFill>
+                  <a:schemeClr val="tx1"/>
+                </a:solidFill>
+              </a:rPr>
+              <a:t>VARIABLE </a:t>
+            </a:r>
+            <a:r>
+              <a:rPr lang="ko-KR" altLang="en-US" sz="1000" dirty="0">
+                <a:solidFill>
+                  <a:schemeClr val="tx1"/>
+                </a:solidFill>
+              </a:rPr>
+              <a:t>파일</a:t>
+            </a:r>
+          </a:p>
+        </p:txBody>
+      </p:sp>
+      <p:sp>
+        <p:nvSpPr>
+          <p:cNvPr id="13" name="순서도: 문서 12">
+            <a:extLst>
+              <a:ext uri="{FF2B5EF4-FFF2-40B4-BE49-F238E27FC236}">
+                <a16:creationId xmlns:a16="http://schemas.microsoft.com/office/drawing/2014/main" id="{CF777FA6-5F90-40EF-957F-F846B2A291DB}"/>
+              </a:ext>
+            </a:extLst>
+          </p:cNvPr>
+          <p:cNvSpPr/>
+          <p:nvPr/>
+        </p:nvSpPr>
+        <p:spPr>
+          <a:xfrm>
+            <a:off x="10524092" y="1869906"/>
+            <a:ext cx="1164516" cy="331445"/>
+          </a:xfrm>
+          <a:prstGeom prst="flowChartDocument">
+            <a:avLst/>
+          </a:prstGeom>
+          <a:solidFill>
+            <a:schemeClr val="bg1">
+              <a:lumMod val="95000"/>
+            </a:schemeClr>
+          </a:solidFill>
+        </p:spPr>
+        <p:style>
+          <a:lnRef idx="2">
+            <a:schemeClr val="accent1">
+              <a:shade val="50000"/>
+            </a:schemeClr>
+          </a:lnRef>
+          <a:fillRef idx="1">
+            <a:schemeClr val="accent1"/>
+          </a:fillRef>
+          <a:effectRef idx="0">
+            <a:schemeClr val="accent1"/>
+          </a:effectRef>
+          <a:fontRef idx="minor">
+            <a:schemeClr val="lt1"/>
+          </a:fontRef>
+        </p:style>
+        <p:txBody>
+          <a:bodyPr rtlCol="0" anchor="ctr"/>
+          <a:lstStyle/>
+          <a:p>
+            <a:pPr algn="ctr"/>
+            <a:r>
+              <a:rPr lang="en-US" altLang="ko-KR" sz="1000" dirty="0">
+                <a:solidFill>
+                  <a:schemeClr val="tx1"/>
+                </a:solidFill>
+              </a:rPr>
+              <a:t>State </a:t>
+            </a:r>
+            <a:r>
+              <a:rPr lang="ko-KR" altLang="en-US" sz="1000" dirty="0">
+                <a:solidFill>
+                  <a:schemeClr val="tx1"/>
+                </a:solidFill>
+              </a:rPr>
+              <a:t>파일</a:t>
+            </a:r>
+          </a:p>
+        </p:txBody>
+      </p:sp>
+      <p:cxnSp>
+        <p:nvCxnSpPr>
+          <p:cNvPr id="21" name="직선 화살표 연결선 20">
+            <a:extLst>
+              <a:ext uri="{FF2B5EF4-FFF2-40B4-BE49-F238E27FC236}">
+                <a16:creationId xmlns:a16="http://schemas.microsoft.com/office/drawing/2014/main" id="{83BCDF9F-2B99-496A-B019-DE9E6E2585EE}"/>
+              </a:ext>
+            </a:extLst>
+          </p:cNvPr>
+          <p:cNvCxnSpPr>
+            <a:cxnSpLocks/>
+            <a:stCxn id="5" idx="3"/>
+            <a:endCxn id="10" idx="1"/>
+          </p:cNvCxnSpPr>
+          <p:nvPr/>
+        </p:nvCxnSpPr>
+        <p:spPr>
+          <a:xfrm>
+            <a:off x="1971623" y="2038859"/>
+            <a:ext cx="699130" cy="0"/>
+          </a:xfrm>
+          <a:prstGeom prst="straightConnector1">
+            <a:avLst/>
+          </a:prstGeom>
+          <a:ln>
+            <a:solidFill>
+              <a:schemeClr val="tx1"/>
+            </a:solidFill>
+            <a:tailEnd type="triangle"/>
+          </a:ln>
+        </p:spPr>
+        <p:style>
+          <a:lnRef idx="1">
+            <a:schemeClr val="accent1"/>
+          </a:lnRef>
+          <a:fillRef idx="0">
+            <a:schemeClr val="accent1"/>
+          </a:fillRef>
+          <a:effectRef idx="0">
+            <a:schemeClr val="accent1"/>
+          </a:effectRef>
+          <a:fontRef idx="minor">
+            <a:schemeClr val="tx1"/>
+          </a:fontRef>
+        </p:style>
+      </p:cxnSp>
+      <p:cxnSp>
+        <p:nvCxnSpPr>
+          <p:cNvPr id="23" name="직선 화살표 연결선 22">
+            <a:extLst>
+              <a:ext uri="{FF2B5EF4-FFF2-40B4-BE49-F238E27FC236}">
+                <a16:creationId xmlns:a16="http://schemas.microsoft.com/office/drawing/2014/main" id="{E6DEE0BD-1704-44C8-984A-6B90D7BDED55}"/>
+              </a:ext>
+            </a:extLst>
+          </p:cNvPr>
+          <p:cNvCxnSpPr>
+            <a:cxnSpLocks/>
+            <a:stCxn id="2" idx="5"/>
+            <a:endCxn id="11" idx="1"/>
+          </p:cNvCxnSpPr>
+          <p:nvPr/>
+        </p:nvCxnSpPr>
+        <p:spPr>
+          <a:xfrm flipV="1">
+            <a:off x="1908342" y="3754338"/>
+            <a:ext cx="756238" cy="6927"/>
+          </a:xfrm>
+          <a:prstGeom prst="straightConnector1">
+            <a:avLst/>
+          </a:prstGeom>
+          <a:ln>
+            <a:solidFill>
+              <a:schemeClr val="tx1"/>
+            </a:solidFill>
+            <a:tailEnd type="triangle"/>
+          </a:ln>
+        </p:spPr>
+        <p:style>
+          <a:lnRef idx="1">
+            <a:schemeClr val="accent1"/>
+          </a:lnRef>
+          <a:fillRef idx="0">
+            <a:schemeClr val="accent1"/>
+          </a:fillRef>
+          <a:effectRef idx="0">
+            <a:schemeClr val="accent1"/>
+          </a:effectRef>
+          <a:fontRef idx="minor">
+            <a:schemeClr val="tx1"/>
+          </a:fontRef>
+        </p:style>
+      </p:cxnSp>
+      <p:sp>
+        <p:nvSpPr>
+          <p:cNvPr id="30" name="직사각형 29">
+            <a:extLst>
+              <a:ext uri="{FF2B5EF4-FFF2-40B4-BE49-F238E27FC236}">
+                <a16:creationId xmlns:a16="http://schemas.microsoft.com/office/drawing/2014/main" id="{3B3486B8-8F50-4A2E-B2EE-5186A10B98E3}"/>
+              </a:ext>
+            </a:extLst>
+          </p:cNvPr>
+          <p:cNvSpPr/>
+          <p:nvPr/>
+        </p:nvSpPr>
+        <p:spPr>
+          <a:xfrm>
+            <a:off x="2885283" y="4388076"/>
+            <a:ext cx="2472553" cy="629455"/>
+          </a:xfrm>
+          <a:prstGeom prst="rect">
+            <a:avLst/>
+          </a:prstGeom>
+          <a:solidFill>
+            <a:schemeClr val="bg1">
+              <a:lumMod val="95000"/>
+            </a:schemeClr>
+          </a:solidFill>
+        </p:spPr>
+        <p:style>
+          <a:lnRef idx="2">
+            <a:schemeClr val="accent1">
+              <a:shade val="50000"/>
+            </a:schemeClr>
+          </a:lnRef>
+          <a:fillRef idx="1">
+            <a:schemeClr val="accent1"/>
+          </a:fillRef>
+          <a:effectRef idx="0">
+            <a:schemeClr val="accent1"/>
+          </a:effectRef>
+          <a:fontRef idx="minor">
+            <a:schemeClr val="lt1"/>
+          </a:fontRef>
+        </p:style>
+        <p:txBody>
+          <a:bodyPr rtlCol="0" anchor="ctr"/>
+          <a:lstStyle/>
+          <a:p>
+            <a:pPr algn="ctr"/>
+            <a:r>
+              <a:rPr lang="en-US" altLang="ko-KR" sz="1400" dirty="0">
+                <a:solidFill>
+                  <a:schemeClr val="tx1"/>
+                </a:solidFill>
+              </a:rPr>
+              <a:t>Http Request Handler</a:t>
+            </a:r>
+          </a:p>
+          <a:p>
+            <a:pPr algn="ctr"/>
+            <a:r>
+              <a:rPr lang="en-US" altLang="ko-KR" sz="1400" dirty="0">
+                <a:solidFill>
+                  <a:schemeClr val="tx1"/>
+                </a:solidFill>
+              </a:rPr>
+              <a:t>(Servlet, </a:t>
+            </a:r>
+            <a:r>
+              <a:rPr lang="en-US" altLang="ko-KR" sz="1400" dirty="0" err="1">
+                <a:solidFill>
+                  <a:schemeClr val="tx1"/>
+                </a:solidFill>
+              </a:rPr>
+              <a:t>Url</a:t>
+            </a:r>
+            <a:r>
+              <a:rPr lang="en-US" altLang="ko-KR" sz="1400" dirty="0">
+                <a:solidFill>
+                  <a:schemeClr val="tx1"/>
+                </a:solidFill>
+              </a:rPr>
+              <a:t> Mapping, Json Se/Deserialization)</a:t>
+            </a:r>
+            <a:endParaRPr lang="ko-KR" altLang="en-US" sz="1400" dirty="0">
+              <a:solidFill>
+                <a:schemeClr val="tx1"/>
+              </a:solidFill>
+            </a:endParaRPr>
+          </a:p>
+        </p:txBody>
+      </p:sp>
+      <p:cxnSp>
+        <p:nvCxnSpPr>
+          <p:cNvPr id="36" name="직선 화살표 연결선 35">
+            <a:extLst>
+              <a:ext uri="{FF2B5EF4-FFF2-40B4-BE49-F238E27FC236}">
+                <a16:creationId xmlns:a16="http://schemas.microsoft.com/office/drawing/2014/main" id="{D4C08655-914C-4EEF-8D16-1060C8479478}"/>
+              </a:ext>
+            </a:extLst>
+          </p:cNvPr>
+          <p:cNvCxnSpPr>
+            <a:cxnSpLocks/>
+            <a:stCxn id="19" idx="1"/>
+            <a:endCxn id="133" idx="3"/>
+          </p:cNvCxnSpPr>
+          <p:nvPr/>
+        </p:nvCxnSpPr>
+        <p:spPr>
+          <a:xfrm flipH="1">
+            <a:off x="9633258" y="1920961"/>
+            <a:ext cx="671383" cy="67"/>
+          </a:xfrm>
+          <a:prstGeom prst="straightConnector1">
+            <a:avLst/>
+          </a:prstGeom>
+          <a:ln>
+            <a:solidFill>
+              <a:schemeClr val="tx1"/>
+            </a:solidFill>
+            <a:prstDash val="dash"/>
+            <a:tailEnd type="triangle"/>
+          </a:ln>
+        </p:spPr>
+        <p:style>
+          <a:lnRef idx="1">
+            <a:schemeClr val="accent1"/>
+          </a:lnRef>
+          <a:fillRef idx="0">
+            <a:schemeClr val="accent1"/>
+          </a:fillRef>
+          <a:effectRef idx="0">
+            <a:schemeClr val="accent1"/>
+          </a:effectRef>
+          <a:fontRef idx="minor">
+            <a:schemeClr val="tx1"/>
+          </a:fontRef>
+        </p:style>
+      </p:cxnSp>
+      <p:sp>
+        <p:nvSpPr>
+          <p:cNvPr id="67" name="직사각형 66">
+            <a:extLst>
+              <a:ext uri="{FF2B5EF4-FFF2-40B4-BE49-F238E27FC236}">
+                <a16:creationId xmlns:a16="http://schemas.microsoft.com/office/drawing/2014/main" id="{55FE4E93-55CA-4CFC-84B0-7CBD8460F9D9}"/>
+              </a:ext>
+            </a:extLst>
+          </p:cNvPr>
+          <p:cNvSpPr/>
+          <p:nvPr/>
+        </p:nvSpPr>
+        <p:spPr>
+          <a:xfrm>
+            <a:off x="7230675" y="2951200"/>
+            <a:ext cx="2341257" cy="663279"/>
+          </a:xfrm>
+          <a:prstGeom prst="rect">
+            <a:avLst/>
+          </a:prstGeom>
+          <a:solidFill>
+            <a:schemeClr val="accent6">
+              <a:lumMod val="60000"/>
+              <a:lumOff val="40000"/>
+            </a:schemeClr>
+          </a:solidFill>
+        </p:spPr>
+        <p:style>
+          <a:lnRef idx="2">
+            <a:schemeClr val="accent1">
+              <a:shade val="50000"/>
+            </a:schemeClr>
+          </a:lnRef>
+          <a:fillRef idx="1">
+            <a:schemeClr val="accent1"/>
+          </a:fillRef>
+          <a:effectRef idx="0">
+            <a:schemeClr val="accent1"/>
+          </a:effectRef>
+          <a:fontRef idx="minor">
+            <a:schemeClr val="lt1"/>
+          </a:fontRef>
+        </p:style>
+        <p:txBody>
+          <a:bodyPr rtlCol="0" anchor="ctr"/>
+          <a:lstStyle/>
+          <a:p>
+            <a:pPr algn="ctr"/>
+            <a:r>
+              <a:rPr lang="en-US" altLang="ko-KR" sz="1400" dirty="0">
+                <a:solidFill>
+                  <a:schemeClr val="tx1"/>
+                </a:solidFill>
+              </a:rPr>
+              <a:t>Variable/State/Workflow</a:t>
+            </a:r>
+          </a:p>
+          <a:p>
+            <a:pPr algn="ctr"/>
+            <a:r>
+              <a:rPr lang="ko-KR" altLang="en-US" sz="1400" dirty="0">
+                <a:solidFill>
+                  <a:schemeClr val="tx1"/>
+                </a:solidFill>
+              </a:rPr>
+              <a:t>데이터</a:t>
+            </a:r>
+          </a:p>
+        </p:txBody>
+      </p:sp>
+      <p:cxnSp>
+        <p:nvCxnSpPr>
+          <p:cNvPr id="68" name="직선 화살표 연결선 67">
+            <a:extLst>
+              <a:ext uri="{FF2B5EF4-FFF2-40B4-BE49-F238E27FC236}">
+                <a16:creationId xmlns:a16="http://schemas.microsoft.com/office/drawing/2014/main" id="{48BE5E93-B724-4614-8CF6-E3287FD3C46C}"/>
+              </a:ext>
+            </a:extLst>
+          </p:cNvPr>
+          <p:cNvCxnSpPr>
+            <a:cxnSpLocks/>
+            <a:stCxn id="133" idx="2"/>
+            <a:endCxn id="67" idx="0"/>
+          </p:cNvCxnSpPr>
+          <p:nvPr/>
+        </p:nvCxnSpPr>
+        <p:spPr>
+          <a:xfrm flipH="1">
+            <a:off x="8401304" y="2366769"/>
+            <a:ext cx="7614" cy="584431"/>
+          </a:xfrm>
+          <a:prstGeom prst="straightConnector1">
+            <a:avLst/>
+          </a:prstGeom>
+          <a:ln>
+            <a:solidFill>
+              <a:schemeClr val="tx1"/>
+            </a:solidFill>
+            <a:tailEnd type="triangle"/>
+          </a:ln>
+        </p:spPr>
+        <p:style>
+          <a:lnRef idx="1">
+            <a:schemeClr val="accent1"/>
+          </a:lnRef>
+          <a:fillRef idx="0">
+            <a:schemeClr val="accent1"/>
+          </a:fillRef>
+          <a:effectRef idx="0">
+            <a:schemeClr val="accent1"/>
+          </a:effectRef>
+          <a:fontRef idx="minor">
+            <a:schemeClr val="tx1"/>
+          </a:fontRef>
+        </p:style>
+      </p:cxnSp>
+      <p:sp>
+        <p:nvSpPr>
+          <p:cNvPr id="108" name="직사각형 107">
+            <a:extLst>
+              <a:ext uri="{FF2B5EF4-FFF2-40B4-BE49-F238E27FC236}">
+                <a16:creationId xmlns:a16="http://schemas.microsoft.com/office/drawing/2014/main" id="{8C78BF34-285F-4F84-A040-71E228338ADF}"/>
+              </a:ext>
+            </a:extLst>
+          </p:cNvPr>
+          <p:cNvSpPr/>
+          <p:nvPr/>
+        </p:nvSpPr>
+        <p:spPr>
+          <a:xfrm>
+            <a:off x="3123513" y="2534119"/>
+            <a:ext cx="2360139" cy="494292"/>
+          </a:xfrm>
+          <a:prstGeom prst="rect">
+            <a:avLst/>
+          </a:prstGeom>
+          <a:solidFill>
+            <a:schemeClr val="bg1">
+              <a:lumMod val="95000"/>
+            </a:schemeClr>
+          </a:solidFill>
+        </p:spPr>
+        <p:style>
+          <a:lnRef idx="2">
+            <a:schemeClr val="accent1">
+              <a:shade val="50000"/>
+            </a:schemeClr>
+          </a:lnRef>
+          <a:fillRef idx="1">
+            <a:schemeClr val="accent1"/>
+          </a:fillRef>
+          <a:effectRef idx="0">
+            <a:schemeClr val="accent1"/>
+          </a:effectRef>
+          <a:fontRef idx="minor">
+            <a:schemeClr val="lt1"/>
+          </a:fontRef>
+        </p:style>
+        <p:txBody>
+          <a:bodyPr rtlCol="0" anchor="ctr"/>
+          <a:lstStyle/>
+          <a:p>
+            <a:pPr algn="ctr"/>
+            <a:r>
+              <a:rPr lang="en-US" altLang="ko-KR" sz="1400" dirty="0">
+                <a:solidFill>
+                  <a:schemeClr val="tx1"/>
+                </a:solidFill>
+              </a:rPr>
+              <a:t> String Request Handler</a:t>
+            </a:r>
+          </a:p>
+        </p:txBody>
+      </p:sp>
+      <p:cxnSp>
+        <p:nvCxnSpPr>
+          <p:cNvPr id="119" name="연결선: 꺾임 118">
+            <a:extLst>
+              <a:ext uri="{FF2B5EF4-FFF2-40B4-BE49-F238E27FC236}">
+                <a16:creationId xmlns:a16="http://schemas.microsoft.com/office/drawing/2014/main" id="{A0C0696C-DDC9-4B49-BF37-9D0A673DE2AA}"/>
+              </a:ext>
+            </a:extLst>
+          </p:cNvPr>
+          <p:cNvCxnSpPr>
+            <a:cxnSpLocks/>
+            <a:stCxn id="10" idx="2"/>
+            <a:endCxn id="108" idx="1"/>
+          </p:cNvCxnSpPr>
+          <p:nvPr/>
+        </p:nvCxnSpPr>
+        <p:spPr>
+          <a:xfrm rot="5400000">
+            <a:off x="3333119" y="2156630"/>
+            <a:ext cx="415029" cy="834240"/>
+          </a:xfrm>
+          <a:prstGeom prst="bentConnector4">
+            <a:avLst>
+              <a:gd name="adj1" fmla="val 20225"/>
+              <a:gd name="adj2" fmla="val 127402"/>
+            </a:avLst>
+          </a:prstGeom>
+          <a:ln>
+            <a:solidFill>
+              <a:schemeClr val="tx1"/>
+            </a:solidFill>
+            <a:tailEnd type="triangle"/>
+          </a:ln>
+        </p:spPr>
+        <p:style>
+          <a:lnRef idx="1">
+            <a:schemeClr val="accent1"/>
+          </a:lnRef>
+          <a:fillRef idx="0">
+            <a:schemeClr val="accent1"/>
+          </a:fillRef>
+          <a:effectRef idx="0">
+            <a:schemeClr val="accent1"/>
+          </a:effectRef>
+          <a:fontRef idx="minor">
+            <a:schemeClr val="tx1"/>
+          </a:fontRef>
+        </p:style>
+      </p:cxnSp>
+      <p:sp>
+        <p:nvSpPr>
+          <p:cNvPr id="132" name="육각형 131">
+            <a:extLst>
+              <a:ext uri="{FF2B5EF4-FFF2-40B4-BE49-F238E27FC236}">
+                <a16:creationId xmlns:a16="http://schemas.microsoft.com/office/drawing/2014/main" id="{3266509B-2785-4295-AD7C-9E22C18A9D4D}"/>
+              </a:ext>
+            </a:extLst>
+          </p:cNvPr>
+          <p:cNvSpPr/>
+          <p:nvPr/>
+        </p:nvSpPr>
+        <p:spPr>
+          <a:xfrm>
+            <a:off x="10416701" y="4564048"/>
+            <a:ext cx="1560944" cy="1377875"/>
+          </a:xfrm>
+          <a:prstGeom prst="hexagon">
+            <a:avLst/>
+          </a:prstGeom>
+        </p:spPr>
+        <p:style>
+          <a:lnRef idx="2">
+            <a:schemeClr val="accent1">
+              <a:shade val="50000"/>
+            </a:schemeClr>
+          </a:lnRef>
+          <a:fillRef idx="1">
+            <a:schemeClr val="accent1"/>
+          </a:fillRef>
+          <a:effectRef idx="0">
+            <a:schemeClr val="accent1"/>
+          </a:effectRef>
+          <a:fontRef idx="minor">
+            <a:schemeClr val="lt1"/>
+          </a:fontRef>
+        </p:style>
+        <p:txBody>
+          <a:bodyPr rtlCol="0" anchor="ctr"/>
+          <a:lstStyle/>
+          <a:p>
+            <a:pPr algn="ctr"/>
+            <a:r>
+              <a:rPr lang="en-US" altLang="ko-KR" dirty="0" err="1"/>
+              <a:t>MicroService</a:t>
+            </a:r>
+            <a:endParaRPr lang="ko-KR" altLang="en-US" dirty="0"/>
+          </a:p>
+        </p:txBody>
+      </p:sp>
+      <p:cxnSp>
+        <p:nvCxnSpPr>
+          <p:cNvPr id="138" name="연결선: 꺾임 137">
+            <a:extLst>
+              <a:ext uri="{FF2B5EF4-FFF2-40B4-BE49-F238E27FC236}">
+                <a16:creationId xmlns:a16="http://schemas.microsoft.com/office/drawing/2014/main" id="{1378F51B-5E28-4F93-933A-1A42CF50ABBE}"/>
+              </a:ext>
+            </a:extLst>
+          </p:cNvPr>
+          <p:cNvCxnSpPr>
+            <a:cxnSpLocks/>
+            <a:stCxn id="108" idx="3"/>
+            <a:endCxn id="132" idx="4"/>
+          </p:cNvCxnSpPr>
+          <p:nvPr/>
+        </p:nvCxnSpPr>
+        <p:spPr>
+          <a:xfrm>
+            <a:off x="5483652" y="2781265"/>
+            <a:ext cx="5277518" cy="1782783"/>
+          </a:xfrm>
+          <a:prstGeom prst="bentConnector2">
+            <a:avLst/>
+          </a:prstGeom>
+          <a:ln>
+            <a:solidFill>
+              <a:schemeClr val="tx1"/>
+            </a:solidFill>
+            <a:tailEnd type="triangle"/>
+          </a:ln>
+        </p:spPr>
+        <p:style>
+          <a:lnRef idx="1">
+            <a:schemeClr val="accent1"/>
+          </a:lnRef>
+          <a:fillRef idx="0">
+            <a:schemeClr val="accent1"/>
+          </a:fillRef>
+          <a:effectRef idx="0">
+            <a:schemeClr val="accent1"/>
+          </a:effectRef>
+          <a:fontRef idx="minor">
+            <a:schemeClr val="tx1"/>
+          </a:fontRef>
+        </p:style>
+      </p:cxnSp>
+      <p:sp>
+        <p:nvSpPr>
+          <p:cNvPr id="2" name="순서도: 데이터 1">
+            <a:extLst>
+              <a:ext uri="{FF2B5EF4-FFF2-40B4-BE49-F238E27FC236}">
+                <a16:creationId xmlns:a16="http://schemas.microsoft.com/office/drawing/2014/main" id="{74868BB8-3E77-4F0B-9872-A8422468ABC3}"/>
+              </a:ext>
+            </a:extLst>
+          </p:cNvPr>
+          <p:cNvSpPr/>
+          <p:nvPr/>
+        </p:nvSpPr>
+        <p:spPr>
+          <a:xfrm>
+            <a:off x="552497" y="3497060"/>
+            <a:ext cx="1506494" cy="528410"/>
+          </a:xfrm>
+          <a:prstGeom prst="flowChartInputOutput">
+            <a:avLst/>
+          </a:prstGeom>
+          <a:solidFill>
+            <a:schemeClr val="bg1">
+              <a:lumMod val="95000"/>
+            </a:schemeClr>
+          </a:solidFill>
+        </p:spPr>
+        <p:style>
+          <a:lnRef idx="2">
+            <a:schemeClr val="accent1">
+              <a:shade val="50000"/>
+            </a:schemeClr>
+          </a:lnRef>
+          <a:fillRef idx="1">
+            <a:schemeClr val="accent1"/>
+          </a:fillRef>
+          <a:effectRef idx="0">
+            <a:schemeClr val="accent1"/>
+          </a:effectRef>
+          <a:fontRef idx="minor">
+            <a:schemeClr val="lt1"/>
+          </a:fontRef>
+        </p:style>
+        <p:txBody>
+          <a:bodyPr rot="0" spcFirstLastPara="0" vertOverflow="overflow" horzOverflow="overflow" vert="horz" wrap="square" lIns="91440" tIns="45720" rIns="91440" bIns="45720" numCol="1" spcCol="0" rtlCol="0" fromWordArt="0" anchor="ctr" anchorCtr="0" forceAA="0" compatLnSpc="1">
+            <a:prstTxWarp prst="textNoShape">
+              <a:avLst/>
+            </a:prstTxWarp>
+            <a:noAutofit/>
+          </a:bodyPr>
+          <a:lstStyle/>
+          <a:p>
+            <a:pPr algn="ctr"/>
+            <a:r>
+              <a:rPr lang="en-US" altLang="ko-KR" sz="1400" dirty="0">
+                <a:solidFill>
+                  <a:schemeClr val="tx1"/>
+                </a:solidFill>
+              </a:rPr>
+              <a:t>Http Request</a:t>
+            </a:r>
+            <a:endParaRPr lang="ko-KR" altLang="en-US" sz="1400" dirty="0">
+              <a:solidFill>
+                <a:schemeClr val="tx1"/>
+              </a:solidFill>
+            </a:endParaRPr>
+          </a:p>
+        </p:txBody>
+      </p:sp>
+      <p:sp>
+        <p:nvSpPr>
+          <p:cNvPr id="48" name="순서도: 문서 47">
+            <a:extLst>
+              <a:ext uri="{FF2B5EF4-FFF2-40B4-BE49-F238E27FC236}">
+                <a16:creationId xmlns:a16="http://schemas.microsoft.com/office/drawing/2014/main" id="{932F0511-9F59-4BE8-9CA4-F68B1DB06748}"/>
+              </a:ext>
+            </a:extLst>
+          </p:cNvPr>
+          <p:cNvSpPr/>
+          <p:nvPr/>
+        </p:nvSpPr>
+        <p:spPr>
+          <a:xfrm>
+            <a:off x="10524092" y="2242375"/>
+            <a:ext cx="1164516" cy="331445"/>
+          </a:xfrm>
+          <a:prstGeom prst="flowChartDocument">
+            <a:avLst/>
+          </a:prstGeom>
+          <a:solidFill>
+            <a:schemeClr val="bg1">
+              <a:lumMod val="95000"/>
+            </a:schemeClr>
+          </a:solidFill>
+        </p:spPr>
+        <p:style>
+          <a:lnRef idx="2">
+            <a:schemeClr val="accent1">
+              <a:shade val="50000"/>
+            </a:schemeClr>
+          </a:lnRef>
+          <a:fillRef idx="1">
+            <a:schemeClr val="accent1"/>
+          </a:fillRef>
+          <a:effectRef idx="0">
+            <a:schemeClr val="accent1"/>
+          </a:effectRef>
+          <a:fontRef idx="minor">
+            <a:schemeClr val="lt1"/>
+          </a:fontRef>
+        </p:style>
+        <p:txBody>
+          <a:bodyPr rtlCol="0" anchor="ctr"/>
+          <a:lstStyle/>
+          <a:p>
+            <a:pPr algn="ctr"/>
+            <a:r>
+              <a:rPr lang="en-US" altLang="ko-KR" sz="1000" dirty="0">
+                <a:solidFill>
+                  <a:schemeClr val="tx1"/>
+                </a:solidFill>
+              </a:rPr>
+              <a:t>Workflow </a:t>
+            </a:r>
+            <a:r>
+              <a:rPr lang="ko-KR" altLang="en-US" sz="1000" dirty="0">
+                <a:solidFill>
+                  <a:schemeClr val="tx1"/>
+                </a:solidFill>
+              </a:rPr>
+              <a:t>파일</a:t>
+            </a:r>
+          </a:p>
+        </p:txBody>
+      </p:sp>
+      <p:sp>
+        <p:nvSpPr>
+          <p:cNvPr id="58" name="직사각형 57">
+            <a:extLst>
+              <a:ext uri="{FF2B5EF4-FFF2-40B4-BE49-F238E27FC236}">
+                <a16:creationId xmlns:a16="http://schemas.microsoft.com/office/drawing/2014/main" id="{DBBA5215-5EB6-43A6-9154-C1F985B228F0}"/>
+              </a:ext>
+            </a:extLst>
+          </p:cNvPr>
+          <p:cNvSpPr/>
+          <p:nvPr/>
+        </p:nvSpPr>
+        <p:spPr>
+          <a:xfrm>
+            <a:off x="5609592" y="4933892"/>
+            <a:ext cx="2573998" cy="629455"/>
+          </a:xfrm>
+          <a:prstGeom prst="rect">
+            <a:avLst/>
+          </a:prstGeom>
+          <a:solidFill>
+            <a:schemeClr val="bg1">
+              <a:lumMod val="95000"/>
+            </a:schemeClr>
+          </a:solidFill>
+        </p:spPr>
+        <p:style>
+          <a:lnRef idx="2">
+            <a:schemeClr val="accent1">
+              <a:shade val="50000"/>
+            </a:schemeClr>
+          </a:lnRef>
+          <a:fillRef idx="1">
+            <a:schemeClr val="accent1"/>
+          </a:fillRef>
+          <a:effectRef idx="0">
+            <a:schemeClr val="accent1"/>
+          </a:effectRef>
+          <a:fontRef idx="minor">
+            <a:schemeClr val="lt1"/>
+          </a:fontRef>
+        </p:style>
+        <p:txBody>
+          <a:bodyPr rtlCol="0" anchor="ctr"/>
+          <a:lstStyle/>
+          <a:p>
+            <a:pPr algn="ctr"/>
+            <a:r>
+              <a:rPr lang="en-US" altLang="ko-KR" sz="1400" dirty="0">
+                <a:solidFill>
+                  <a:schemeClr val="tx1"/>
+                </a:solidFill>
+              </a:rPr>
+              <a:t>Workflow Executor</a:t>
+            </a:r>
+            <a:endParaRPr lang="ko-KR" altLang="en-US" sz="1400" dirty="0">
+              <a:solidFill>
+                <a:schemeClr val="tx1"/>
+              </a:solidFill>
+            </a:endParaRPr>
+          </a:p>
+        </p:txBody>
+      </p:sp>
+      <p:sp>
+        <p:nvSpPr>
+          <p:cNvPr id="61" name="직사각형 60">
+            <a:extLst>
+              <a:ext uri="{FF2B5EF4-FFF2-40B4-BE49-F238E27FC236}">
+                <a16:creationId xmlns:a16="http://schemas.microsoft.com/office/drawing/2014/main" id="{36626522-64F5-41CB-888C-C343B53285E0}"/>
+              </a:ext>
+            </a:extLst>
+          </p:cNvPr>
+          <p:cNvSpPr/>
+          <p:nvPr/>
+        </p:nvSpPr>
+        <p:spPr>
+          <a:xfrm>
+            <a:off x="5599355" y="3870150"/>
+            <a:ext cx="2573998" cy="629455"/>
+          </a:xfrm>
+          <a:prstGeom prst="rect">
+            <a:avLst/>
+          </a:prstGeom>
+          <a:solidFill>
+            <a:schemeClr val="bg1">
+              <a:lumMod val="95000"/>
+            </a:schemeClr>
+          </a:solidFill>
+        </p:spPr>
+        <p:style>
+          <a:lnRef idx="2">
+            <a:schemeClr val="accent1">
+              <a:shade val="50000"/>
+            </a:schemeClr>
+          </a:lnRef>
+          <a:fillRef idx="1">
+            <a:schemeClr val="accent1"/>
+          </a:fillRef>
+          <a:effectRef idx="0">
+            <a:schemeClr val="accent1"/>
+          </a:effectRef>
+          <a:fontRef idx="minor">
+            <a:schemeClr val="lt1"/>
+          </a:fontRef>
+        </p:style>
+        <p:txBody>
+          <a:bodyPr rtlCol="0" anchor="ctr"/>
+          <a:lstStyle/>
+          <a:p>
+            <a:pPr algn="ctr"/>
+            <a:r>
+              <a:rPr lang="en-US" altLang="ko-KR" sz="1400" dirty="0">
+                <a:solidFill>
+                  <a:schemeClr val="tx1"/>
+                </a:solidFill>
+              </a:rPr>
+              <a:t>Workflow Executor Pool</a:t>
+            </a:r>
+          </a:p>
+          <a:p>
+            <a:pPr algn="ctr"/>
+            <a:r>
+              <a:rPr lang="en-US" altLang="ko-KR" sz="1400" dirty="0">
+                <a:solidFill>
+                  <a:schemeClr val="tx1"/>
+                </a:solidFill>
+              </a:rPr>
+              <a:t>(</a:t>
+            </a:r>
+            <a:r>
+              <a:rPr lang="en-US" altLang="ko-KR" sz="1400" dirty="0" err="1">
+                <a:solidFill>
+                  <a:schemeClr val="tx1"/>
+                </a:solidFill>
+              </a:rPr>
+              <a:t>ExecutorService</a:t>
+            </a:r>
+            <a:r>
+              <a:rPr lang="en-US" altLang="ko-KR" sz="1400" dirty="0">
+                <a:solidFill>
+                  <a:schemeClr val="tx1"/>
+                </a:solidFill>
+              </a:rPr>
+              <a:t>) </a:t>
+            </a:r>
+            <a:endParaRPr lang="ko-KR" altLang="en-US" sz="1400" dirty="0">
+              <a:solidFill>
+                <a:schemeClr val="tx1"/>
+              </a:solidFill>
+            </a:endParaRPr>
+          </a:p>
+        </p:txBody>
+      </p:sp>
+      <p:sp>
+        <p:nvSpPr>
+          <p:cNvPr id="62" name="직사각형 61">
+            <a:extLst>
+              <a:ext uri="{FF2B5EF4-FFF2-40B4-BE49-F238E27FC236}">
+                <a16:creationId xmlns:a16="http://schemas.microsoft.com/office/drawing/2014/main" id="{0D941E12-A58E-4EE7-A5B9-BEE5F5D41AFE}"/>
+              </a:ext>
+            </a:extLst>
+          </p:cNvPr>
+          <p:cNvSpPr/>
+          <p:nvPr/>
+        </p:nvSpPr>
+        <p:spPr>
+          <a:xfrm>
+            <a:off x="5730290" y="5042742"/>
+            <a:ext cx="2573998" cy="629455"/>
+          </a:xfrm>
+          <a:prstGeom prst="rect">
+            <a:avLst/>
+          </a:prstGeom>
+          <a:solidFill>
+            <a:schemeClr val="bg1">
+              <a:lumMod val="95000"/>
+            </a:schemeClr>
+          </a:solidFill>
+        </p:spPr>
+        <p:style>
+          <a:lnRef idx="2">
+            <a:schemeClr val="accent1">
+              <a:shade val="50000"/>
+            </a:schemeClr>
+          </a:lnRef>
+          <a:fillRef idx="1">
+            <a:schemeClr val="accent1"/>
+          </a:fillRef>
+          <a:effectRef idx="0">
+            <a:schemeClr val="accent1"/>
+          </a:effectRef>
+          <a:fontRef idx="minor">
+            <a:schemeClr val="lt1"/>
+          </a:fontRef>
+        </p:style>
+        <p:txBody>
+          <a:bodyPr rtlCol="0" anchor="ctr"/>
+          <a:lstStyle/>
+          <a:p>
+            <a:pPr algn="ctr"/>
+            <a:r>
+              <a:rPr lang="en-US" altLang="ko-KR" sz="1400" dirty="0">
+                <a:solidFill>
+                  <a:schemeClr val="tx1"/>
+                </a:solidFill>
+              </a:rPr>
+              <a:t>Workflow Executor</a:t>
+            </a:r>
+            <a:endParaRPr lang="ko-KR" altLang="en-US" sz="1400" dirty="0">
+              <a:solidFill>
+                <a:schemeClr val="tx1"/>
+              </a:solidFill>
+            </a:endParaRPr>
+          </a:p>
+        </p:txBody>
+      </p:sp>
+      <p:sp>
+        <p:nvSpPr>
+          <p:cNvPr id="64" name="직사각형 63">
+            <a:extLst>
+              <a:ext uri="{FF2B5EF4-FFF2-40B4-BE49-F238E27FC236}">
+                <a16:creationId xmlns:a16="http://schemas.microsoft.com/office/drawing/2014/main" id="{FB4756F0-E931-4C73-A474-C1D727B1EA89}"/>
+              </a:ext>
+            </a:extLst>
+          </p:cNvPr>
+          <p:cNvSpPr/>
+          <p:nvPr/>
+        </p:nvSpPr>
+        <p:spPr>
+          <a:xfrm>
+            <a:off x="5850986" y="5130354"/>
+            <a:ext cx="2573998" cy="629455"/>
+          </a:xfrm>
+          <a:prstGeom prst="rect">
+            <a:avLst/>
+          </a:prstGeom>
+          <a:solidFill>
+            <a:schemeClr val="bg1">
+              <a:lumMod val="95000"/>
+            </a:schemeClr>
+          </a:solidFill>
+        </p:spPr>
+        <p:style>
+          <a:lnRef idx="2">
+            <a:schemeClr val="accent1">
+              <a:shade val="50000"/>
+            </a:schemeClr>
+          </a:lnRef>
+          <a:fillRef idx="1">
+            <a:schemeClr val="accent1"/>
+          </a:fillRef>
+          <a:effectRef idx="0">
+            <a:schemeClr val="accent1"/>
+          </a:effectRef>
+          <a:fontRef idx="minor">
+            <a:schemeClr val="lt1"/>
+          </a:fontRef>
+        </p:style>
+        <p:txBody>
+          <a:bodyPr rtlCol="0" anchor="ctr"/>
+          <a:lstStyle/>
+          <a:p>
+            <a:pPr algn="ctr"/>
+            <a:r>
+              <a:rPr lang="en-US" altLang="ko-KR" sz="1400" dirty="0">
+                <a:solidFill>
+                  <a:schemeClr val="tx1"/>
+                </a:solidFill>
+              </a:rPr>
+              <a:t>Workflow Executor</a:t>
+            </a:r>
+            <a:endParaRPr lang="ko-KR" altLang="en-US" sz="1400" dirty="0">
+              <a:solidFill>
+                <a:schemeClr val="tx1"/>
+              </a:solidFill>
+            </a:endParaRPr>
+          </a:p>
+        </p:txBody>
+      </p:sp>
+      <p:cxnSp>
+        <p:nvCxnSpPr>
+          <p:cNvPr id="65" name="연결선: 꺾임 64">
+            <a:extLst>
+              <a:ext uri="{FF2B5EF4-FFF2-40B4-BE49-F238E27FC236}">
+                <a16:creationId xmlns:a16="http://schemas.microsoft.com/office/drawing/2014/main" id="{09CC89B2-BCA6-4598-A413-A995308C29F8}"/>
+              </a:ext>
+            </a:extLst>
+          </p:cNvPr>
+          <p:cNvCxnSpPr>
+            <a:cxnSpLocks/>
+            <a:stCxn id="30" idx="2"/>
+            <a:endCxn id="61" idx="1"/>
+          </p:cNvCxnSpPr>
+          <p:nvPr/>
+        </p:nvCxnSpPr>
+        <p:spPr>
+          <a:xfrm rot="5400000" flipH="1" flipV="1">
+            <a:off x="4444130" y="3862307"/>
+            <a:ext cx="832653" cy="1477795"/>
+          </a:xfrm>
+          <a:prstGeom prst="bentConnector4">
+            <a:avLst>
+              <a:gd name="adj1" fmla="val -27454"/>
+              <a:gd name="adj2" fmla="val 91828"/>
+            </a:avLst>
+          </a:prstGeom>
+          <a:ln>
+            <a:solidFill>
+              <a:schemeClr val="tx1"/>
+            </a:solidFill>
+            <a:tailEnd type="triangle"/>
+          </a:ln>
+        </p:spPr>
+        <p:style>
+          <a:lnRef idx="1">
+            <a:schemeClr val="accent1"/>
+          </a:lnRef>
+          <a:fillRef idx="0">
+            <a:schemeClr val="accent1"/>
+          </a:fillRef>
+          <a:effectRef idx="0">
+            <a:schemeClr val="accent1"/>
+          </a:effectRef>
+          <a:fontRef idx="minor">
+            <a:schemeClr val="tx1"/>
+          </a:fontRef>
+        </p:style>
+      </p:cxnSp>
+      <p:sp>
+        <p:nvSpPr>
+          <p:cNvPr id="69" name="직사각형 68">
+            <a:extLst>
+              <a:ext uri="{FF2B5EF4-FFF2-40B4-BE49-F238E27FC236}">
+                <a16:creationId xmlns:a16="http://schemas.microsoft.com/office/drawing/2014/main" id="{244BED95-C94E-4E59-B309-23ED9E718BFA}"/>
+              </a:ext>
+            </a:extLst>
+          </p:cNvPr>
+          <p:cNvSpPr/>
+          <p:nvPr/>
+        </p:nvSpPr>
+        <p:spPr>
+          <a:xfrm>
+            <a:off x="8729781" y="3934593"/>
+            <a:ext cx="1285075" cy="629455"/>
+          </a:xfrm>
+          <a:prstGeom prst="rect">
+            <a:avLst/>
+          </a:prstGeom>
+          <a:solidFill>
+            <a:schemeClr val="bg1">
+              <a:lumMod val="95000"/>
+            </a:schemeClr>
+          </a:solidFill>
+        </p:spPr>
+        <p:style>
+          <a:lnRef idx="2">
+            <a:schemeClr val="accent1">
+              <a:shade val="50000"/>
+            </a:schemeClr>
+          </a:lnRef>
+          <a:fillRef idx="1">
+            <a:schemeClr val="accent1"/>
+          </a:fillRef>
+          <a:effectRef idx="0">
+            <a:schemeClr val="accent1"/>
+          </a:effectRef>
+          <a:fontRef idx="minor">
+            <a:schemeClr val="lt1"/>
+          </a:fontRef>
+        </p:style>
+        <p:txBody>
+          <a:bodyPr rtlCol="0" anchor="ctr"/>
+          <a:lstStyle/>
+          <a:p>
+            <a:pPr algn="ctr"/>
+            <a:r>
+              <a:rPr lang="en-US" altLang="ko-KR" sz="1400" dirty="0">
+                <a:solidFill>
+                  <a:schemeClr val="tx1"/>
+                </a:solidFill>
+              </a:rPr>
+              <a:t>Service Caller</a:t>
+            </a:r>
+            <a:endParaRPr lang="ko-KR" altLang="en-US" sz="1400" dirty="0">
+              <a:solidFill>
+                <a:schemeClr val="tx1"/>
+              </a:solidFill>
+            </a:endParaRPr>
+          </a:p>
+        </p:txBody>
+      </p:sp>
+      <p:cxnSp>
+        <p:nvCxnSpPr>
+          <p:cNvPr id="70" name="연결선: 꺾임 69">
+            <a:extLst>
+              <a:ext uri="{FF2B5EF4-FFF2-40B4-BE49-F238E27FC236}">
+                <a16:creationId xmlns:a16="http://schemas.microsoft.com/office/drawing/2014/main" id="{DBABFC34-7D0A-439A-9BBD-7530025B8678}"/>
+              </a:ext>
+            </a:extLst>
+          </p:cNvPr>
+          <p:cNvCxnSpPr>
+            <a:cxnSpLocks/>
+            <a:stCxn id="64" idx="3"/>
+            <a:endCxn id="69" idx="1"/>
+          </p:cNvCxnSpPr>
+          <p:nvPr/>
+        </p:nvCxnSpPr>
+        <p:spPr>
+          <a:xfrm flipV="1">
+            <a:off x="8424984" y="4249321"/>
+            <a:ext cx="304797" cy="1195761"/>
+          </a:xfrm>
+          <a:prstGeom prst="bentConnector3">
+            <a:avLst>
+              <a:gd name="adj1" fmla="val 50000"/>
+            </a:avLst>
+          </a:prstGeom>
+          <a:ln>
+            <a:solidFill>
+              <a:schemeClr val="tx1"/>
+            </a:solidFill>
+            <a:tailEnd type="triangle"/>
+          </a:ln>
+        </p:spPr>
+        <p:style>
+          <a:lnRef idx="1">
+            <a:schemeClr val="accent1"/>
+          </a:lnRef>
+          <a:fillRef idx="0">
+            <a:schemeClr val="accent1"/>
+          </a:fillRef>
+          <a:effectRef idx="0">
+            <a:schemeClr val="accent1"/>
+          </a:effectRef>
+          <a:fontRef idx="minor">
+            <a:schemeClr val="tx1"/>
+          </a:fontRef>
+        </p:style>
+      </p:cxnSp>
+      <p:cxnSp>
+        <p:nvCxnSpPr>
+          <p:cNvPr id="73" name="직선 화살표 연결선 72">
+            <a:extLst>
+              <a:ext uri="{FF2B5EF4-FFF2-40B4-BE49-F238E27FC236}">
+                <a16:creationId xmlns:a16="http://schemas.microsoft.com/office/drawing/2014/main" id="{4D3738F1-3D19-4589-BC56-6E90545FFF85}"/>
+              </a:ext>
+            </a:extLst>
+          </p:cNvPr>
+          <p:cNvCxnSpPr>
+            <a:cxnSpLocks/>
+            <a:stCxn id="61" idx="2"/>
+            <a:endCxn id="58" idx="0"/>
+          </p:cNvCxnSpPr>
+          <p:nvPr/>
+        </p:nvCxnSpPr>
+        <p:spPr>
+          <a:xfrm>
+            <a:off x="6886354" y="4499605"/>
+            <a:ext cx="10237" cy="434287"/>
+          </a:xfrm>
+          <a:prstGeom prst="straightConnector1">
+            <a:avLst/>
+          </a:prstGeom>
+          <a:ln>
+            <a:solidFill>
+              <a:schemeClr val="tx1"/>
+            </a:solidFill>
+            <a:tailEnd type="triangle"/>
+          </a:ln>
+        </p:spPr>
+        <p:style>
+          <a:lnRef idx="1">
+            <a:schemeClr val="accent1"/>
+          </a:lnRef>
+          <a:fillRef idx="0">
+            <a:schemeClr val="accent1"/>
+          </a:fillRef>
+          <a:effectRef idx="0">
+            <a:schemeClr val="accent1"/>
+          </a:effectRef>
+          <a:fontRef idx="minor">
+            <a:schemeClr val="tx1"/>
+          </a:fontRef>
+        </p:style>
+      </p:cxnSp>
+      <p:cxnSp>
+        <p:nvCxnSpPr>
+          <p:cNvPr id="86" name="연결선: 꺾임 85">
+            <a:extLst>
+              <a:ext uri="{FF2B5EF4-FFF2-40B4-BE49-F238E27FC236}">
+                <a16:creationId xmlns:a16="http://schemas.microsoft.com/office/drawing/2014/main" id="{E0979C4E-B248-488B-A32F-E7977E924065}"/>
+              </a:ext>
+            </a:extLst>
+          </p:cNvPr>
+          <p:cNvCxnSpPr>
+            <a:cxnSpLocks/>
+            <a:stCxn id="69" idx="2"/>
+            <a:endCxn id="132" idx="3"/>
+          </p:cNvCxnSpPr>
+          <p:nvPr/>
+        </p:nvCxnSpPr>
+        <p:spPr>
+          <a:xfrm rot="16200000" flipH="1">
+            <a:off x="9550041" y="4386326"/>
+            <a:ext cx="688938" cy="1044382"/>
+          </a:xfrm>
+          <a:prstGeom prst="bentConnector2">
+            <a:avLst/>
+          </a:prstGeom>
+          <a:ln>
+            <a:solidFill>
+              <a:schemeClr val="tx1"/>
+            </a:solidFill>
+            <a:tailEnd type="triangle"/>
+          </a:ln>
+        </p:spPr>
+        <p:style>
+          <a:lnRef idx="1">
+            <a:schemeClr val="accent1"/>
+          </a:lnRef>
+          <a:fillRef idx="0">
+            <a:schemeClr val="accent1"/>
+          </a:fillRef>
+          <a:effectRef idx="0">
+            <a:schemeClr val="accent1"/>
+          </a:effectRef>
+          <a:fontRef idx="minor">
+            <a:schemeClr val="tx1"/>
+          </a:fontRef>
+        </p:style>
+      </p:cxnSp>
+      <p:cxnSp>
+        <p:nvCxnSpPr>
+          <p:cNvPr id="91" name="연결선: 꺾임 90">
+            <a:extLst>
+              <a:ext uri="{FF2B5EF4-FFF2-40B4-BE49-F238E27FC236}">
+                <a16:creationId xmlns:a16="http://schemas.microsoft.com/office/drawing/2014/main" id="{838F526D-1793-46B0-9DD3-F7841F176154}"/>
+              </a:ext>
+            </a:extLst>
+          </p:cNvPr>
+          <p:cNvCxnSpPr>
+            <a:cxnSpLocks/>
+            <a:stCxn id="67" idx="1"/>
+            <a:endCxn id="108" idx="2"/>
+          </p:cNvCxnSpPr>
+          <p:nvPr/>
+        </p:nvCxnSpPr>
+        <p:spPr>
+          <a:xfrm rot="10800000">
+            <a:off x="4303583" y="3028412"/>
+            <a:ext cx="2927092" cy="254429"/>
+          </a:xfrm>
+          <a:prstGeom prst="bentConnector2">
+            <a:avLst/>
+          </a:prstGeom>
+          <a:ln>
+            <a:solidFill>
+              <a:schemeClr val="tx1"/>
+            </a:solidFill>
+            <a:prstDash val="dash"/>
+            <a:tailEnd type="triangle"/>
+          </a:ln>
+        </p:spPr>
+        <p:style>
+          <a:lnRef idx="1">
+            <a:schemeClr val="accent1"/>
+          </a:lnRef>
+          <a:fillRef idx="0">
+            <a:schemeClr val="accent1"/>
+          </a:fillRef>
+          <a:effectRef idx="0">
+            <a:schemeClr val="accent1"/>
+          </a:effectRef>
+          <a:fontRef idx="minor">
+            <a:schemeClr val="tx1"/>
+          </a:fontRef>
+        </p:style>
+      </p:cxnSp>
+      <p:cxnSp>
+        <p:nvCxnSpPr>
+          <p:cNvPr id="106" name="연결선: 꺾임 105">
+            <a:extLst>
+              <a:ext uri="{FF2B5EF4-FFF2-40B4-BE49-F238E27FC236}">
+                <a16:creationId xmlns:a16="http://schemas.microsoft.com/office/drawing/2014/main" id="{29A765EA-7C9C-4C23-9AD0-548B22ECAD5C}"/>
+              </a:ext>
+            </a:extLst>
+          </p:cNvPr>
+          <p:cNvCxnSpPr>
+            <a:cxnSpLocks/>
+            <a:stCxn id="67" idx="2"/>
+            <a:endCxn id="64" idx="0"/>
+          </p:cNvCxnSpPr>
+          <p:nvPr/>
+        </p:nvCxnSpPr>
+        <p:spPr>
+          <a:xfrm rot="5400000">
+            <a:off x="7011708" y="3740757"/>
+            <a:ext cx="1515875" cy="1263319"/>
+          </a:xfrm>
+          <a:prstGeom prst="bentConnector3">
+            <a:avLst>
+              <a:gd name="adj1" fmla="val 69150"/>
+            </a:avLst>
+          </a:prstGeom>
+          <a:ln>
+            <a:solidFill>
+              <a:schemeClr val="tx1"/>
+            </a:solidFill>
+            <a:prstDash val="dash"/>
+            <a:tailEnd type="triangle"/>
+          </a:ln>
+        </p:spPr>
+        <p:style>
+          <a:lnRef idx="1">
+            <a:schemeClr val="accent1"/>
+          </a:lnRef>
+          <a:fillRef idx="0">
+            <a:schemeClr val="accent1"/>
+          </a:fillRef>
+          <a:effectRef idx="0">
+            <a:schemeClr val="accent1"/>
+          </a:effectRef>
+          <a:fontRef idx="minor">
+            <a:schemeClr val="tx1"/>
+          </a:fontRef>
+        </p:style>
+      </p:cxnSp>
+      <p:cxnSp>
+        <p:nvCxnSpPr>
+          <p:cNvPr id="114" name="연결선: 꺾임 113">
+            <a:extLst>
+              <a:ext uri="{FF2B5EF4-FFF2-40B4-BE49-F238E27FC236}">
+                <a16:creationId xmlns:a16="http://schemas.microsoft.com/office/drawing/2014/main" id="{E5A14C86-3DF0-4398-B8E9-C16B52A39087}"/>
+              </a:ext>
+            </a:extLst>
+          </p:cNvPr>
+          <p:cNvCxnSpPr>
+            <a:cxnSpLocks/>
+            <a:stCxn id="69" idx="0"/>
+            <a:endCxn id="67" idx="3"/>
+          </p:cNvCxnSpPr>
+          <p:nvPr/>
+        </p:nvCxnSpPr>
+        <p:spPr>
+          <a:xfrm rot="5400000" flipH="1" flipV="1">
+            <a:off x="9146249" y="3508911"/>
+            <a:ext cx="651753" cy="199613"/>
+          </a:xfrm>
+          <a:prstGeom prst="bentConnector4">
+            <a:avLst>
+              <a:gd name="adj1" fmla="val 24558"/>
+              <a:gd name="adj2" fmla="val 214522"/>
+            </a:avLst>
+          </a:prstGeom>
+          <a:ln>
+            <a:solidFill>
+              <a:schemeClr val="tx1"/>
+            </a:solidFill>
+            <a:tailEnd type="triangle"/>
+          </a:ln>
+        </p:spPr>
+        <p:style>
+          <a:lnRef idx="1">
+            <a:schemeClr val="accent1"/>
+          </a:lnRef>
+          <a:fillRef idx="0">
+            <a:schemeClr val="accent1"/>
+          </a:fillRef>
+          <a:effectRef idx="0">
+            <a:schemeClr val="accent1"/>
+          </a:effectRef>
+          <a:fontRef idx="minor">
+            <a:schemeClr val="tx1"/>
+          </a:fontRef>
+        </p:style>
+      </p:cxnSp>
+      <p:cxnSp>
+        <p:nvCxnSpPr>
+          <p:cNvPr id="135" name="연결선: 꺾임 134">
+            <a:extLst>
+              <a:ext uri="{FF2B5EF4-FFF2-40B4-BE49-F238E27FC236}">
+                <a16:creationId xmlns:a16="http://schemas.microsoft.com/office/drawing/2014/main" id="{34471A87-622C-4606-B6E7-A24A0A673111}"/>
+              </a:ext>
+            </a:extLst>
+          </p:cNvPr>
+          <p:cNvCxnSpPr>
+            <a:cxnSpLocks/>
+            <a:stCxn id="11" idx="2"/>
+            <a:endCxn id="30" idx="1"/>
+          </p:cNvCxnSpPr>
+          <p:nvPr/>
+        </p:nvCxnSpPr>
+        <p:spPr>
+          <a:xfrm rot="5400000">
+            <a:off x="3107888" y="3859111"/>
+            <a:ext cx="621089" cy="1066297"/>
+          </a:xfrm>
+          <a:prstGeom prst="bentConnector4">
+            <a:avLst>
+              <a:gd name="adj1" fmla="val 24663"/>
+              <a:gd name="adj2" fmla="val 121439"/>
+            </a:avLst>
+          </a:prstGeom>
+          <a:ln>
+            <a:solidFill>
+              <a:schemeClr val="tx1"/>
+            </a:solidFill>
+            <a:tailEnd type="triangle"/>
+          </a:ln>
+        </p:spPr>
+        <p:style>
+          <a:lnRef idx="1">
+            <a:schemeClr val="accent1"/>
+          </a:lnRef>
+          <a:fillRef idx="0">
+            <a:schemeClr val="accent1"/>
+          </a:fillRef>
+          <a:effectRef idx="0">
+            <a:schemeClr val="accent1"/>
+          </a:effectRef>
+          <a:fontRef idx="minor">
+            <a:schemeClr val="tx1"/>
+          </a:fontRef>
+        </p:style>
+      </p:cxnSp>
+      <p:sp>
+        <p:nvSpPr>
+          <p:cNvPr id="133" name="순서도: 준비 132">
+            <a:extLst>
+              <a:ext uri="{FF2B5EF4-FFF2-40B4-BE49-F238E27FC236}">
+                <a16:creationId xmlns:a16="http://schemas.microsoft.com/office/drawing/2014/main" id="{0EFA1ABD-757D-4CFC-800E-6C0EEC671FBD}"/>
+              </a:ext>
+            </a:extLst>
+          </p:cNvPr>
+          <p:cNvSpPr/>
+          <p:nvPr/>
+        </p:nvSpPr>
+        <p:spPr>
+          <a:xfrm>
+            <a:off x="7184577" y="1475286"/>
+            <a:ext cx="2448681" cy="891483"/>
+          </a:xfrm>
+          <a:prstGeom prst="flowChartPreparation">
+            <a:avLst/>
+          </a:prstGeom>
+          <a:solidFill>
+            <a:schemeClr val="bg1">
+              <a:lumMod val="95000"/>
+            </a:schemeClr>
+          </a:solidFill>
+        </p:spPr>
+        <p:style>
+          <a:lnRef idx="2">
+            <a:schemeClr val="accent1">
+              <a:shade val="50000"/>
+            </a:schemeClr>
+          </a:lnRef>
+          <a:fillRef idx="1">
+            <a:schemeClr val="accent1"/>
+          </a:fillRef>
+          <a:effectRef idx="0">
+            <a:schemeClr val="accent1"/>
+          </a:effectRef>
+          <a:fontRef idx="minor">
+            <a:schemeClr val="lt1"/>
+          </a:fontRef>
+        </p:style>
+        <p:txBody>
+          <a:bodyPr rot="0" spcFirstLastPara="0" vertOverflow="overflow" horzOverflow="overflow" vert="horz" wrap="square" lIns="91440" tIns="45720" rIns="91440" bIns="45720" numCol="1" spcCol="0" rtlCol="0" fromWordArt="0" anchor="ctr" anchorCtr="0" forceAA="0" compatLnSpc="1">
+            <a:prstTxWarp prst="textNoShape">
+              <a:avLst/>
+            </a:prstTxWarp>
+            <a:noAutofit/>
+          </a:bodyPr>
+          <a:lstStyle/>
+          <a:p>
+            <a:pPr algn="ctr"/>
+            <a:r>
+              <a:rPr lang="en-US" altLang="ko-KR" sz="1200" dirty="0">
+                <a:solidFill>
+                  <a:schemeClr val="tx1"/>
+                </a:solidFill>
+              </a:rPr>
+              <a:t>Initial Data Loader</a:t>
+            </a:r>
+          </a:p>
+          <a:p>
+            <a:pPr algn="ctr"/>
+            <a:r>
+              <a:rPr lang="en-US" altLang="ko-KR" sz="1200" dirty="0">
+                <a:solidFill>
+                  <a:schemeClr val="tx1"/>
+                </a:solidFill>
+              </a:rPr>
+              <a:t>(File Reader, String</a:t>
+            </a:r>
+            <a:r>
+              <a:rPr lang="ko-KR" altLang="en-US" sz="1200" dirty="0">
+                <a:solidFill>
+                  <a:schemeClr val="tx1"/>
+                </a:solidFill>
+              </a:rPr>
+              <a:t> </a:t>
+            </a:r>
+            <a:r>
+              <a:rPr lang="en-US" altLang="ko-KR" sz="1200" dirty="0">
+                <a:solidFill>
+                  <a:schemeClr val="tx1"/>
+                </a:solidFill>
+              </a:rPr>
+              <a:t>Parser, Json Se/Deserialization)</a:t>
+            </a:r>
+            <a:endParaRPr lang="ko-KR" altLang="en-US" sz="1200" dirty="0">
+              <a:solidFill>
+                <a:schemeClr val="tx1"/>
+              </a:solidFill>
+            </a:endParaRPr>
+          </a:p>
+        </p:txBody>
+      </p:sp>
+    </p:spTree>
+    <p:extLst>
+      <p:ext uri="{BB962C8B-B14F-4D97-AF65-F5344CB8AC3E}">
+        <p14:creationId xmlns:p14="http://schemas.microsoft.com/office/powerpoint/2010/main" val="1373846915"/>
+      </p:ext>
+    </p:extLst>
+  </p:cSld>
+  <p:clrMapOvr>
+    <a:masterClrMapping/>
+  </p:clrMapOvr>
+</p:sld>
+</file>
+
+<file path=ppt/slides/slide9.xml><?xml version="1.0" encoding="utf-8"?>
+<p:sld xmlns:a="http://schemas.openxmlformats.org/drawingml/2006/main" xmlns:r="http://schemas.openxmlformats.org/officeDocument/2006/relationships" xmlns:p="http://schemas.openxmlformats.org/presentationml/2006/main">
+  <p:cSld>
+    <p:spTree>
+      <p:nvGrpSpPr>
+        <p:cNvPr id="1" name=""/>
+        <p:cNvGrpSpPr/>
+        <p:nvPr/>
+      </p:nvGrpSpPr>
+      <p:grpSpPr>
+        <a:xfrm>
+          <a:off x="0" y="0"/>
+          <a:ext cx="0" cy="0"/>
+          <a:chOff x="0" y="0"/>
+          <a:chExt cx="0" cy="0"/>
+        </a:xfrm>
+      </p:grpSpPr>
+      <p:sp>
+        <p:nvSpPr>
+          <p:cNvPr id="4" name="TextBox 3">
+            <a:extLst>
+              <a:ext uri="{FF2B5EF4-FFF2-40B4-BE49-F238E27FC236}">
+                <a16:creationId xmlns:a16="http://schemas.microsoft.com/office/drawing/2014/main" id="{6564232D-F8FC-40A1-B944-4413795A1578}"/>
+              </a:ext>
+            </a:extLst>
+          </p:cNvPr>
+          <p:cNvSpPr txBox="1"/>
+          <p:nvPr/>
+        </p:nvSpPr>
+        <p:spPr>
+          <a:xfrm>
+            <a:off x="462844" y="417689"/>
+            <a:ext cx="3014134" cy="369332"/>
+          </a:xfrm>
+          <a:prstGeom prst="rect">
+            <a:avLst/>
+          </a:prstGeom>
+          <a:noFill/>
+        </p:spPr>
+        <p:txBody>
+          <a:bodyPr wrap="square" rtlCol="0">
+            <a:spAutoFit/>
+          </a:bodyPr>
+          <a:lstStyle/>
+          <a:p>
+            <a:r>
+              <a:rPr lang="en-US" altLang="ko-KR" dirty="0"/>
+              <a:t>3. </a:t>
+            </a:r>
+            <a:r>
+              <a:rPr lang="ko-KR" altLang="en-US" dirty="0"/>
+              <a:t>적용 기술 </a:t>
+            </a:r>
+            <a:r>
+              <a:rPr lang="en-US" altLang="ko-KR" dirty="0"/>
+              <a:t>(</a:t>
+            </a:r>
+            <a:r>
+              <a:rPr lang="ko-KR" altLang="en-US" dirty="0"/>
+              <a:t>확장기능</a:t>
+            </a:r>
+            <a:r>
+              <a:rPr lang="en-US" altLang="ko-KR" dirty="0"/>
+              <a:t>)</a:t>
+            </a:r>
+            <a:endParaRPr lang="ko-KR" altLang="en-US" dirty="0"/>
+          </a:p>
+        </p:txBody>
+      </p:sp>
+      <p:graphicFrame>
+        <p:nvGraphicFramePr>
+          <p:cNvPr id="43" name="표 43">
+            <a:extLst>
+              <a:ext uri="{FF2B5EF4-FFF2-40B4-BE49-F238E27FC236}">
+                <a16:creationId xmlns:a16="http://schemas.microsoft.com/office/drawing/2014/main" id="{ED1909A5-59BF-415D-9742-ADBD15B84F5A}"/>
+              </a:ext>
+            </a:extLst>
+          </p:cNvPr>
+          <p:cNvGraphicFramePr>
+            <a:graphicFrameLocks noGrp="1"/>
+          </p:cNvGraphicFramePr>
+          <p:nvPr/>
+        </p:nvGraphicFramePr>
+        <p:xfrm>
+          <a:off x="660400" y="828379"/>
+          <a:ext cx="10909300" cy="5385558"/>
+        </p:xfrm>
+        <a:graphic>
+          <a:graphicData uri="http://schemas.openxmlformats.org/drawingml/2006/table">
+            <a:tbl>
+              <a:tblPr firstRow="1" bandRow="1">
+                <a:tableStyleId>{616DA210-FB5B-4158-B5E0-FEB733F419BA}</a:tableStyleId>
+              </a:tblPr>
+              <a:tblGrid>
+                <a:gridCol w="1409700">
+                  <a:extLst>
+                    <a:ext uri="{9D8B030D-6E8A-4147-A177-3AD203B41FA5}">
+                      <a16:colId xmlns:a16="http://schemas.microsoft.com/office/drawing/2014/main" val="4061283726"/>
+                    </a:ext>
+                  </a:extLst>
+                </a:gridCol>
+                <a:gridCol w="2327729">
+                  <a:extLst>
+                    <a:ext uri="{9D8B030D-6E8A-4147-A177-3AD203B41FA5}">
+                      <a16:colId xmlns:a16="http://schemas.microsoft.com/office/drawing/2014/main" val="3685920021"/>
+                    </a:ext>
+                  </a:extLst>
+                </a:gridCol>
+                <a:gridCol w="2772228">
+                  <a:extLst>
+                    <a:ext uri="{9D8B030D-6E8A-4147-A177-3AD203B41FA5}">
+                      <a16:colId xmlns:a16="http://schemas.microsoft.com/office/drawing/2014/main" val="2450232448"/>
+                    </a:ext>
+                  </a:extLst>
+                </a:gridCol>
+                <a:gridCol w="4399643">
+                  <a:extLst>
+                    <a:ext uri="{9D8B030D-6E8A-4147-A177-3AD203B41FA5}">
+                      <a16:colId xmlns:a16="http://schemas.microsoft.com/office/drawing/2014/main" val="624999606"/>
+                    </a:ext>
+                  </a:extLst>
+                </a:gridCol>
+              </a:tblGrid>
+              <a:tr h="343886">
+                <a:tc>
+                  <a:txBody>
+                    <a:bodyPr/>
+                    <a:lstStyle/>
+                    <a:p>
+                      <a:pPr algn="ctr" latinLnBrk="1"/>
+                      <a:r>
+                        <a:rPr lang="ko-KR" altLang="en-US" sz="1400" dirty="0">
+                          <a:latin typeface="LG스마트체 Regular" panose="020B0600000101010101" pitchFamily="50" charset="-127"/>
+                          <a:ea typeface="LG스마트체 Regular" panose="020B0600000101010101" pitchFamily="50" charset="-127"/>
+                        </a:rPr>
+                        <a:t>구성 요소</a:t>
+                      </a:r>
+                    </a:p>
+                  </a:txBody>
+                  <a:tcPr>
+                    <a:solidFill>
+                      <a:schemeClr val="bg1">
+                        <a:lumMod val="95000"/>
+                      </a:schemeClr>
+                    </a:solidFill>
+                  </a:tcPr>
+                </a:tc>
+                <a:tc>
+                  <a:txBody>
+                    <a:bodyPr/>
+                    <a:lstStyle/>
+                    <a:p>
+                      <a:pPr algn="ctr" latinLnBrk="1"/>
+                      <a:r>
+                        <a:rPr lang="ko-KR" altLang="en-US" sz="1400" dirty="0">
+                          <a:latin typeface="LG스마트체 Regular" panose="020B0600000101010101" pitchFamily="50" charset="-127"/>
+                          <a:ea typeface="LG스마트체 Regular" panose="020B0600000101010101" pitchFamily="50" charset="-127"/>
+                        </a:rPr>
+                        <a:t>기능</a:t>
+                      </a:r>
+                    </a:p>
+                  </a:txBody>
+                  <a:tcPr>
+                    <a:solidFill>
+                      <a:schemeClr val="bg1">
+                        <a:lumMod val="95000"/>
+                      </a:schemeClr>
+                    </a:solidFill>
+                  </a:tcPr>
+                </a:tc>
+                <a:tc>
+                  <a:txBody>
+                    <a:bodyPr/>
+                    <a:lstStyle/>
+                    <a:p>
+                      <a:pPr algn="ctr" latinLnBrk="1"/>
+                      <a:r>
+                        <a:rPr lang="ko-KR" altLang="en-US" sz="1400" dirty="0">
+                          <a:latin typeface="LG스마트체 Regular" panose="020B0600000101010101" pitchFamily="50" charset="-127"/>
+                          <a:ea typeface="LG스마트체 Regular" panose="020B0600000101010101" pitchFamily="50" charset="-127"/>
+                        </a:rPr>
+                        <a:t>적용 기술</a:t>
+                      </a:r>
+                    </a:p>
+                  </a:txBody>
+                  <a:tcPr>
+                    <a:solidFill>
+                      <a:schemeClr val="bg1">
+                        <a:lumMod val="95000"/>
+                      </a:schemeClr>
+                    </a:solidFill>
+                  </a:tcPr>
+                </a:tc>
+                <a:tc>
+                  <a:txBody>
+                    <a:bodyPr/>
+                    <a:lstStyle/>
+                    <a:p>
+                      <a:pPr algn="ctr" latinLnBrk="1"/>
+                      <a:r>
+                        <a:rPr lang="ko-KR" altLang="en-US" sz="1400" dirty="0">
+                          <a:latin typeface="LG스마트체 Regular" panose="020B0600000101010101" pitchFamily="50" charset="-127"/>
+                          <a:ea typeface="LG스마트체 Regular" panose="020B0600000101010101" pitchFamily="50" charset="-127"/>
+                        </a:rPr>
+                        <a:t>선정 기준</a:t>
+                      </a:r>
+                    </a:p>
+                  </a:txBody>
+                  <a:tcPr>
+                    <a:solidFill>
+                      <a:schemeClr val="bg1">
+                        <a:lumMod val="95000"/>
+                      </a:schemeClr>
+                    </a:solidFill>
+                  </a:tcPr>
+                </a:tc>
+                <a:extLst>
+                  <a:ext uri="{0D108BD9-81ED-4DB2-BD59-A6C34878D82A}">
+                    <a16:rowId xmlns:a16="http://schemas.microsoft.com/office/drawing/2014/main" val="1176235680"/>
+                  </a:ext>
+                </a:extLst>
+              </a:tr>
+              <a:tr h="515829">
+                <a:tc>
+                  <a:txBody>
+                    <a:bodyPr/>
+                    <a:lstStyle/>
+                    <a:p>
+                      <a:pPr marL="0" marR="0" lvl="0" indent="0" algn="l" defTabSz="914400" rtl="0" eaLnBrk="1" fontAlgn="auto" latinLnBrk="0" hangingPunct="1">
+                        <a:lnSpc>
+                          <a:spcPct val="100000"/>
+                        </a:lnSpc>
+                        <a:spcBef>
+                          <a:spcPts val="0"/>
+                        </a:spcBef>
+                        <a:spcAft>
+                          <a:spcPts val="0"/>
+                        </a:spcAft>
+                        <a:buClrTx/>
+                        <a:buSzTx/>
+                        <a:buFontTx/>
+                        <a:buNone/>
+                        <a:tabLst/>
+                        <a:defRPr/>
+                      </a:pPr>
+                      <a:r>
+                        <a:rPr lang="ko-KR" altLang="en-US" sz="1200" dirty="0">
+                          <a:latin typeface="LG스마트체 Regular" panose="020B0600000101010101" pitchFamily="50" charset="-127"/>
+                          <a:ea typeface="LG스마트체 Regular" panose="020B0600000101010101" pitchFamily="50" charset="-127"/>
+                        </a:rPr>
+                        <a:t>서비스간 통신 및 문서화</a:t>
+                      </a:r>
+                    </a:p>
+                  </a:txBody>
+                  <a:tcPr anchor="ctr">
+                    <a:noFill/>
+                  </a:tcPr>
+                </a:tc>
+                <a:tc>
+                  <a:txBody>
+                    <a:bodyPr/>
+                    <a:lstStyle/>
+                    <a:p>
+                      <a:pPr marL="0" marR="0" lvl="0" indent="0" algn="l" defTabSz="914400" rtl="0" eaLnBrk="1" fontAlgn="auto" latinLnBrk="0" hangingPunct="1">
+                        <a:lnSpc>
+                          <a:spcPct val="100000"/>
+                        </a:lnSpc>
+                        <a:spcBef>
+                          <a:spcPts val="0"/>
+                        </a:spcBef>
+                        <a:spcAft>
+                          <a:spcPts val="0"/>
+                        </a:spcAft>
+                        <a:buClrTx/>
+                        <a:buSzTx/>
+                        <a:buFontTx/>
+                        <a:buNone/>
+                        <a:tabLst/>
+                        <a:defRPr/>
+                      </a:pPr>
+                      <a:r>
+                        <a:rPr lang="ko-KR" altLang="en-US" sz="1200" dirty="0">
+                          <a:latin typeface="LG스마트체 Regular" panose="020B0600000101010101" pitchFamily="50" charset="-127"/>
+                          <a:ea typeface="LG스마트체 Regular" panose="020B0600000101010101" pitchFamily="50" charset="-127"/>
+                        </a:rPr>
+                        <a:t>서버간 통신 방식을 정의하고 </a:t>
+                      </a:r>
+                      <a:r>
+                        <a:rPr lang="en-US" altLang="ko-KR" sz="1200" dirty="0">
+                          <a:latin typeface="LG스마트체 Regular" panose="020B0600000101010101" pitchFamily="50" charset="-127"/>
+                          <a:ea typeface="LG스마트체 Regular" panose="020B0600000101010101" pitchFamily="50" charset="-127"/>
+                        </a:rPr>
+                        <a:t>API </a:t>
+                      </a:r>
+                      <a:r>
+                        <a:rPr lang="ko-KR" altLang="en-US" sz="1200" dirty="0">
+                          <a:latin typeface="LG스마트체 Regular" panose="020B0600000101010101" pitchFamily="50" charset="-127"/>
+                          <a:ea typeface="LG스마트체 Regular" panose="020B0600000101010101" pitchFamily="50" charset="-127"/>
+                        </a:rPr>
+                        <a:t>명세화</a:t>
+                      </a:r>
+                      <a:r>
+                        <a:rPr lang="en-US" altLang="ko-KR" sz="1200" dirty="0">
+                          <a:latin typeface="LG스마트체 Regular" panose="020B0600000101010101" pitchFamily="50" charset="-127"/>
+                          <a:ea typeface="LG스마트체 Regular" panose="020B0600000101010101" pitchFamily="50" charset="-127"/>
+                        </a:rPr>
+                        <a:t>(</a:t>
+                      </a:r>
+                      <a:r>
+                        <a:rPr lang="ko-KR" altLang="en-US" sz="1200" dirty="0">
+                          <a:latin typeface="LG스마트체 Regular" panose="020B0600000101010101" pitchFamily="50" charset="-127"/>
+                          <a:ea typeface="LG스마트체 Regular" panose="020B0600000101010101" pitchFamily="50" charset="-127"/>
+                        </a:rPr>
+                        <a:t>문서화</a:t>
+                      </a:r>
+                      <a:r>
+                        <a:rPr lang="en-US" altLang="ko-KR" sz="1200" dirty="0">
+                          <a:latin typeface="LG스마트체 Regular" panose="020B0600000101010101" pitchFamily="50" charset="-127"/>
+                          <a:ea typeface="LG스마트체 Regular" panose="020B0600000101010101" pitchFamily="50" charset="-127"/>
+                        </a:rPr>
+                        <a:t>)</a:t>
+                      </a:r>
+                      <a:endParaRPr lang="ko-KR" altLang="en-US" sz="1200" dirty="0">
+                        <a:latin typeface="LG스마트체 Regular" panose="020B0600000101010101" pitchFamily="50" charset="-127"/>
+                        <a:ea typeface="LG스마트체 Regular" panose="020B0600000101010101" pitchFamily="50" charset="-127"/>
+                      </a:endParaRPr>
+                    </a:p>
+                  </a:txBody>
+                  <a:tcPr anchor="ctr">
+                    <a:noFill/>
+                  </a:tcPr>
+                </a:tc>
+                <a:tc>
+                  <a:txBody>
+                    <a:bodyPr/>
+                    <a:lstStyle/>
+                    <a:p>
+                      <a:pPr latinLnBrk="0"/>
+                      <a:r>
+                        <a:rPr lang="en-US" altLang="ko-KR" sz="1200" dirty="0">
+                          <a:latin typeface="LG스마트체 Regular" panose="020B0600000101010101" pitchFamily="50" charset="-127"/>
+                          <a:ea typeface="LG스마트체 Regular" panose="020B0600000101010101" pitchFamily="50" charset="-127"/>
+                        </a:rPr>
+                        <a:t>REST API, Swagger</a:t>
+                      </a:r>
+                      <a:endParaRPr lang="ko-KR" altLang="en-US" sz="1200" dirty="0">
+                        <a:latin typeface="LG스마트체 Regular" panose="020B0600000101010101" pitchFamily="50" charset="-127"/>
+                        <a:ea typeface="LG스마트체 Regular" panose="020B0600000101010101" pitchFamily="50" charset="-127"/>
+                      </a:endParaRPr>
+                    </a:p>
+                  </a:txBody>
+                  <a:tcPr anchor="ctr">
+                    <a:noFill/>
+                  </a:tcPr>
+                </a:tc>
+                <a:tc>
+                  <a:txBody>
+                    <a:bodyPr/>
+                    <a:lstStyle/>
+                    <a:p>
+                      <a:pPr latinLnBrk="0"/>
+                      <a:r>
+                        <a:rPr lang="ko-KR" altLang="en-US" sz="1200" dirty="0">
+                          <a:latin typeface="LG스마트체 Regular" panose="020B0600000101010101" pitchFamily="50" charset="-127"/>
+                          <a:ea typeface="LG스마트체 Regular" panose="020B0600000101010101" pitchFamily="50" charset="-127"/>
+                        </a:rPr>
+                        <a:t>서버</a:t>
+                      </a:r>
+                      <a:r>
+                        <a:rPr lang="en-US" altLang="ko-KR" sz="1200" dirty="0">
+                          <a:latin typeface="LG스마트체 Regular" panose="020B0600000101010101" pitchFamily="50" charset="-127"/>
+                          <a:ea typeface="LG스마트체 Regular" panose="020B0600000101010101" pitchFamily="50" charset="-127"/>
+                        </a:rPr>
+                        <a:t>(</a:t>
+                      </a:r>
+                      <a:r>
+                        <a:rPr lang="ko-KR" altLang="en-US" sz="1200" dirty="0">
+                          <a:latin typeface="LG스마트체 Regular" panose="020B0600000101010101" pitchFamily="50" charset="-127"/>
+                          <a:ea typeface="LG스마트체 Regular" panose="020B0600000101010101" pitchFamily="50" charset="-127"/>
+                        </a:rPr>
+                        <a:t>서비스</a:t>
+                      </a:r>
+                      <a:r>
+                        <a:rPr lang="en-US" altLang="ko-KR" sz="1200" dirty="0">
+                          <a:latin typeface="LG스마트체 Regular" panose="020B0600000101010101" pitchFamily="50" charset="-127"/>
+                          <a:ea typeface="LG스마트체 Regular" panose="020B0600000101010101" pitchFamily="50" charset="-127"/>
+                        </a:rPr>
+                        <a:t>)</a:t>
+                      </a:r>
+                      <a:r>
+                        <a:rPr lang="ko-KR" altLang="en-US" sz="1200" dirty="0">
+                          <a:latin typeface="LG스마트체 Regular" panose="020B0600000101010101" pitchFamily="50" charset="-127"/>
+                          <a:ea typeface="LG스마트체 Regular" panose="020B0600000101010101" pitchFamily="50" charset="-127"/>
+                        </a:rPr>
+                        <a:t>간 표준 통신 방식</a:t>
+                      </a:r>
+                      <a:r>
+                        <a:rPr lang="en-US" altLang="ko-KR" sz="1200" dirty="0">
+                          <a:latin typeface="LG스마트체 Regular" panose="020B0600000101010101" pitchFamily="50" charset="-127"/>
+                          <a:ea typeface="LG스마트체 Regular" panose="020B0600000101010101" pitchFamily="50" charset="-127"/>
+                        </a:rPr>
+                        <a:t>(Http, API</a:t>
+                      </a:r>
+                      <a:r>
+                        <a:rPr lang="ko-KR" altLang="en-US" sz="1200" dirty="0">
+                          <a:latin typeface="LG스마트체 Regular" panose="020B0600000101010101" pitchFamily="50" charset="-127"/>
+                          <a:ea typeface="LG스마트체 Regular" panose="020B0600000101010101" pitchFamily="50" charset="-127"/>
+                        </a:rPr>
+                        <a:t>표준</a:t>
+                      </a:r>
+                      <a:r>
+                        <a:rPr lang="en-US" altLang="ko-KR" sz="1200" dirty="0">
+                          <a:latin typeface="LG스마트체 Regular" panose="020B0600000101010101" pitchFamily="50" charset="-127"/>
+                          <a:ea typeface="LG스마트체 Regular" panose="020B0600000101010101" pitchFamily="50" charset="-127"/>
+                        </a:rPr>
+                        <a:t>)</a:t>
+                      </a:r>
+                      <a:r>
+                        <a:rPr lang="ko-KR" altLang="en-US" sz="1200" dirty="0">
+                          <a:latin typeface="LG스마트체 Regular" panose="020B0600000101010101" pitchFamily="50" charset="-127"/>
+                          <a:ea typeface="LG스마트체 Regular" panose="020B0600000101010101" pitchFamily="50" charset="-127"/>
+                        </a:rPr>
+                        <a:t>으로 채택하고 </a:t>
+                      </a:r>
+                      <a:r>
+                        <a:rPr lang="en-US" altLang="ko-KR" sz="1200" dirty="0">
+                          <a:latin typeface="LG스마트체 Regular" panose="020B0600000101010101" pitchFamily="50" charset="-127"/>
+                          <a:ea typeface="LG스마트체 Regular" panose="020B0600000101010101" pitchFamily="50" charset="-127"/>
+                        </a:rPr>
+                        <a:t>API </a:t>
+                      </a:r>
+                      <a:r>
+                        <a:rPr lang="ko-KR" altLang="en-US" sz="1200" dirty="0">
+                          <a:latin typeface="LG스마트체 Regular" panose="020B0600000101010101" pitchFamily="50" charset="-127"/>
+                          <a:ea typeface="LG스마트체 Regular" panose="020B0600000101010101" pitchFamily="50" charset="-127"/>
+                        </a:rPr>
+                        <a:t>명세 및 테스트를 지원하는 </a:t>
+                      </a:r>
+                      <a:r>
+                        <a:rPr lang="en-US" altLang="ko-KR" sz="1200" dirty="0">
+                          <a:latin typeface="LG스마트체 Regular" panose="020B0600000101010101" pitchFamily="50" charset="-127"/>
+                          <a:ea typeface="LG스마트체 Regular" panose="020B0600000101010101" pitchFamily="50" charset="-127"/>
+                        </a:rPr>
+                        <a:t>Swagger </a:t>
+                      </a:r>
+                      <a:r>
+                        <a:rPr lang="ko-KR" altLang="en-US" sz="1200" dirty="0">
+                          <a:latin typeface="LG스마트체 Regular" panose="020B0600000101010101" pitchFamily="50" charset="-127"/>
+                          <a:ea typeface="LG스마트체 Regular" panose="020B0600000101010101" pitchFamily="50" charset="-127"/>
+                        </a:rPr>
+                        <a:t>사용 </a:t>
+                      </a:r>
+                    </a:p>
+                  </a:txBody>
+                  <a:tcPr anchor="ctr">
+                    <a:noFill/>
+                  </a:tcPr>
+                </a:tc>
+                <a:extLst>
+                  <a:ext uri="{0D108BD9-81ED-4DB2-BD59-A6C34878D82A}">
+                    <a16:rowId xmlns:a16="http://schemas.microsoft.com/office/drawing/2014/main" val="2200896706"/>
+                  </a:ext>
+                </a:extLst>
+              </a:tr>
+              <a:tr h="515829">
+                <a:tc>
+                  <a:txBody>
+                    <a:bodyPr/>
+                    <a:lstStyle/>
+                    <a:p>
+                      <a:pPr marL="0" marR="0" lvl="0" indent="0" algn="l" defTabSz="914400" rtl="0" eaLnBrk="1" fontAlgn="auto" latinLnBrk="0" hangingPunct="1">
+                        <a:lnSpc>
+                          <a:spcPct val="100000"/>
+                        </a:lnSpc>
+                        <a:spcBef>
+                          <a:spcPts val="0"/>
+                        </a:spcBef>
+                        <a:spcAft>
+                          <a:spcPts val="0"/>
+                        </a:spcAft>
+                        <a:buClrTx/>
+                        <a:buSzTx/>
+                        <a:buFontTx/>
+                        <a:buNone/>
+                        <a:tabLst/>
+                        <a:defRPr/>
+                      </a:pPr>
+                      <a:r>
+                        <a:rPr lang="ko-KR" altLang="en-US" sz="1200" dirty="0">
+                          <a:latin typeface="LG스마트체 Regular" panose="020B0600000101010101" pitchFamily="50" charset="-127"/>
+                          <a:ea typeface="LG스마트체 Regular" panose="020B0600000101010101" pitchFamily="50" charset="-127"/>
+                        </a:rPr>
+                        <a:t>사용자 인증 및 권한</a:t>
+                      </a:r>
+                    </a:p>
+                  </a:txBody>
+                  <a:tcPr anchor="ctr">
+                    <a:noFill/>
+                  </a:tcPr>
+                </a:tc>
+                <a:tc>
+                  <a:txBody>
+                    <a:bodyPr/>
+                    <a:lstStyle/>
+                    <a:p>
+                      <a:pPr marL="0" marR="0" lvl="0" indent="0" algn="l" defTabSz="914400" rtl="0" eaLnBrk="1" fontAlgn="auto" latinLnBrk="0" hangingPunct="1">
+                        <a:lnSpc>
+                          <a:spcPct val="100000"/>
+                        </a:lnSpc>
+                        <a:spcBef>
+                          <a:spcPts val="0"/>
+                        </a:spcBef>
+                        <a:spcAft>
+                          <a:spcPts val="0"/>
+                        </a:spcAft>
+                        <a:buClrTx/>
+                        <a:buSzTx/>
+                        <a:buFontTx/>
+                        <a:buNone/>
+                        <a:tabLst/>
+                        <a:defRPr/>
+                      </a:pPr>
+                      <a:r>
+                        <a:rPr lang="ko-KR" altLang="en-US" sz="1200" dirty="0">
+                          <a:latin typeface="LG스마트체 Regular" panose="020B0600000101010101" pitchFamily="50" charset="-127"/>
+                          <a:ea typeface="LG스마트체 Regular" panose="020B0600000101010101" pitchFamily="50" charset="-127"/>
+                        </a:rPr>
+                        <a:t>서버간</a:t>
+                      </a:r>
+                      <a:r>
+                        <a:rPr lang="en-US" altLang="ko-KR" sz="1200" dirty="0">
+                          <a:latin typeface="LG스마트체 Regular" panose="020B0600000101010101" pitchFamily="50" charset="-127"/>
+                          <a:ea typeface="LG스마트체 Regular" panose="020B0600000101010101" pitchFamily="50" charset="-127"/>
+                        </a:rPr>
+                        <a:t>(Service) Http</a:t>
+                      </a:r>
+                      <a:r>
+                        <a:rPr lang="ko-KR" altLang="en-US" sz="1200" dirty="0">
+                          <a:latin typeface="LG스마트체 Regular" panose="020B0600000101010101" pitchFamily="50" charset="-127"/>
+                          <a:ea typeface="LG스마트체 Regular" panose="020B0600000101010101" pitchFamily="50" charset="-127"/>
+                        </a:rPr>
+                        <a:t> 요청에 대한 인증 및 권한 처리</a:t>
+                      </a:r>
+                    </a:p>
+                  </a:txBody>
+                  <a:tcPr anchor="ctr">
+                    <a:noFill/>
+                  </a:tcPr>
+                </a:tc>
+                <a:tc>
+                  <a:txBody>
+                    <a:bodyPr/>
+                    <a:lstStyle/>
+                    <a:p>
+                      <a:pPr latinLnBrk="0"/>
+                      <a:r>
+                        <a:rPr lang="en-US" altLang="ko-KR" sz="1200" dirty="0">
+                          <a:latin typeface="LG스마트체 Regular" panose="020B0600000101010101" pitchFamily="50" charset="-127"/>
+                          <a:ea typeface="LG스마트체 Regular" panose="020B0600000101010101" pitchFamily="50" charset="-127"/>
+                        </a:rPr>
+                        <a:t>JWT, Token</a:t>
+                      </a:r>
+                      <a:endParaRPr lang="ko-KR" altLang="en-US" sz="1200" dirty="0">
+                        <a:latin typeface="LG스마트체 Regular" panose="020B0600000101010101" pitchFamily="50" charset="-127"/>
+                        <a:ea typeface="LG스마트체 Regular" panose="020B0600000101010101" pitchFamily="50" charset="-127"/>
+                      </a:endParaRPr>
+                    </a:p>
+                  </a:txBody>
+                  <a:tcPr anchor="ctr">
+                    <a:noFill/>
+                  </a:tcPr>
+                </a:tc>
+                <a:tc>
+                  <a:txBody>
+                    <a:bodyPr/>
+                    <a:lstStyle/>
+                    <a:p>
+                      <a:pPr latinLnBrk="0"/>
+                      <a:r>
+                        <a:rPr lang="ko-KR" altLang="en-US" sz="1200" dirty="0">
+                          <a:latin typeface="LG스마트체 Regular" panose="020B0600000101010101" pitchFamily="50" charset="-127"/>
+                          <a:ea typeface="LG스마트체 Regular" panose="020B0600000101010101" pitchFamily="50" charset="-127"/>
+                        </a:rPr>
+                        <a:t>사용자 인증 </a:t>
+                      </a:r>
+                      <a:r>
+                        <a:rPr lang="en-US" altLang="ko-KR" sz="1200" dirty="0">
+                          <a:latin typeface="LG스마트체 Regular" panose="020B0600000101010101" pitchFamily="50" charset="-127"/>
+                          <a:ea typeface="LG스마트체 Regular" panose="020B0600000101010101" pitchFamily="50" charset="-127"/>
+                        </a:rPr>
+                        <a:t>JWT(token</a:t>
+                      </a:r>
+                      <a:r>
+                        <a:rPr lang="ko-KR" altLang="en-US" sz="1200" dirty="0">
+                          <a:latin typeface="LG스마트체 Regular" panose="020B0600000101010101" pitchFamily="50" charset="-127"/>
+                          <a:ea typeface="LG스마트체 Regular" panose="020B0600000101010101" pitchFamily="50" charset="-127"/>
+                        </a:rPr>
+                        <a:t>방식</a:t>
+                      </a:r>
+                      <a:r>
+                        <a:rPr lang="en-US" altLang="ko-KR" sz="1200" dirty="0">
+                          <a:latin typeface="LG스마트체 Regular" panose="020B0600000101010101" pitchFamily="50" charset="-127"/>
+                          <a:ea typeface="LG스마트체 Regular" panose="020B0600000101010101" pitchFamily="50" charset="-127"/>
+                        </a:rPr>
+                        <a:t>)</a:t>
+                      </a:r>
+                      <a:r>
+                        <a:rPr lang="ko-KR" altLang="en-US" sz="1200" dirty="0">
+                          <a:latin typeface="LG스마트체 Regular" panose="020B0600000101010101" pitchFamily="50" charset="-127"/>
+                          <a:ea typeface="LG스마트체 Regular" panose="020B0600000101010101" pitchFamily="50" charset="-127"/>
+                        </a:rPr>
+                        <a:t>은 </a:t>
+                      </a:r>
+                      <a:r>
+                        <a:rPr lang="en-US" altLang="ko-KR" sz="1200" dirty="0">
+                          <a:latin typeface="LG스마트체 Regular" panose="020B0600000101010101" pitchFamily="50" charset="-127"/>
+                          <a:ea typeface="LG스마트체 Regular" panose="020B0600000101010101" pitchFamily="50" charset="-127"/>
+                        </a:rPr>
+                        <a:t>Session </a:t>
+                      </a:r>
+                      <a:r>
+                        <a:rPr lang="ko-KR" altLang="en-US" sz="1200" dirty="0">
+                          <a:latin typeface="LG스마트체 Regular" panose="020B0600000101010101" pitchFamily="50" charset="-127"/>
+                          <a:ea typeface="LG스마트체 Regular" panose="020B0600000101010101" pitchFamily="50" charset="-127"/>
+                        </a:rPr>
+                        <a:t>방식보다 가볍고 분산환경에서 확장성이 좋음</a:t>
+                      </a:r>
+                    </a:p>
+                  </a:txBody>
+                  <a:tcPr anchor="ctr">
+                    <a:noFill/>
+                  </a:tcPr>
+                </a:tc>
+                <a:extLst>
+                  <a:ext uri="{0D108BD9-81ED-4DB2-BD59-A6C34878D82A}">
+                    <a16:rowId xmlns:a16="http://schemas.microsoft.com/office/drawing/2014/main" val="3564276748"/>
+                  </a:ext>
+                </a:extLst>
+              </a:tr>
+              <a:tr h="734468">
+                <a:tc>
+                  <a:txBody>
+                    <a:bodyPr/>
+                    <a:lstStyle/>
+                    <a:p>
+                      <a:pPr marL="0" marR="0" lvl="0" indent="0" algn="l" defTabSz="914400" rtl="0" eaLnBrk="1" fontAlgn="auto" latinLnBrk="0" hangingPunct="1">
+                        <a:lnSpc>
+                          <a:spcPct val="100000"/>
+                        </a:lnSpc>
+                        <a:spcBef>
+                          <a:spcPts val="0"/>
+                        </a:spcBef>
+                        <a:spcAft>
+                          <a:spcPts val="0"/>
+                        </a:spcAft>
+                        <a:buClrTx/>
+                        <a:buSzTx/>
+                        <a:buFontTx/>
+                        <a:buNone/>
+                        <a:tabLst/>
+                        <a:defRPr/>
+                      </a:pPr>
+                      <a:r>
+                        <a:rPr lang="ko-KR" altLang="en-US" sz="1200" dirty="0">
+                          <a:latin typeface="LG스마트체 Regular" panose="020B0600000101010101" pitchFamily="50" charset="-127"/>
+                          <a:ea typeface="LG스마트체 Regular" panose="020B0600000101010101" pitchFamily="50" charset="-127"/>
+                        </a:rPr>
+                        <a:t>메타데이터 저장소</a:t>
+                      </a:r>
+                    </a:p>
+                  </a:txBody>
+                  <a:tcPr anchor="ctr">
+                    <a:noFill/>
+                  </a:tcPr>
+                </a:tc>
+                <a:tc>
+                  <a:txBody>
+                    <a:bodyPr/>
+                    <a:lstStyle/>
+                    <a:p>
+                      <a:pPr latinLnBrk="0"/>
+                      <a:r>
+                        <a:rPr lang="ko-KR" altLang="en-US" sz="1200" dirty="0">
+                          <a:latin typeface="LG스마트체 Regular" panose="020B0600000101010101" pitchFamily="50" charset="-127"/>
+                          <a:ea typeface="LG스마트체 Regular" panose="020B0600000101010101" pitchFamily="50" charset="-127"/>
+                        </a:rPr>
+                        <a:t>파일 기반의 메타데이터 관리를 메모리</a:t>
+                      </a:r>
+                      <a:r>
+                        <a:rPr lang="en-US" altLang="ko-KR" sz="1200" dirty="0">
+                          <a:latin typeface="LG스마트체 Regular" panose="020B0600000101010101" pitchFamily="50" charset="-127"/>
+                          <a:ea typeface="LG스마트체 Regular" panose="020B0600000101010101" pitchFamily="50" charset="-127"/>
+                        </a:rPr>
+                        <a:t> </a:t>
+                      </a:r>
+                      <a:r>
+                        <a:rPr lang="ko-KR" altLang="en-US" sz="1200" dirty="0">
+                          <a:latin typeface="LG스마트체 Regular" panose="020B0600000101010101" pitchFamily="50" charset="-127"/>
+                          <a:ea typeface="LG스마트체 Regular" panose="020B0600000101010101" pitchFamily="50" charset="-127"/>
+                        </a:rPr>
+                        <a:t>기반 데이터 관리</a:t>
+                      </a:r>
+                    </a:p>
+                  </a:txBody>
+                  <a:tcPr anchor="ctr">
+                    <a:noFill/>
+                  </a:tcPr>
+                </a:tc>
+                <a:tc>
+                  <a:txBody>
+                    <a:bodyPr/>
+                    <a:lstStyle/>
+                    <a:p>
+                      <a:pPr latinLnBrk="0"/>
+                      <a:r>
+                        <a:rPr lang="en-US" altLang="ko-KR" sz="1200" dirty="0" err="1">
+                          <a:latin typeface="LG스마트체 Regular" panose="020B0600000101010101" pitchFamily="50" charset="-127"/>
+                          <a:ea typeface="LG스마트체 Regular" panose="020B0600000101010101" pitchFamily="50" charset="-127"/>
+                        </a:rPr>
+                        <a:t>Ehcache</a:t>
+                      </a:r>
+                      <a:endParaRPr lang="en-US" altLang="ko-KR" sz="1200" dirty="0">
+                        <a:latin typeface="LG스마트체 Regular" panose="020B0600000101010101" pitchFamily="50" charset="-127"/>
+                        <a:ea typeface="LG스마트체 Regular" panose="020B0600000101010101" pitchFamily="50" charset="-127"/>
+                      </a:endParaRPr>
+                    </a:p>
+                    <a:p>
+                      <a:pPr latinLnBrk="0"/>
+                      <a:r>
+                        <a:rPr lang="en-US" altLang="ko-KR" sz="1200" dirty="0">
+                          <a:latin typeface="LG스마트체 Regular" panose="020B0600000101010101" pitchFamily="50" charset="-127"/>
+                          <a:ea typeface="LG스마트체 Regular" panose="020B0600000101010101" pitchFamily="50" charset="-127"/>
+                        </a:rPr>
+                        <a:t>Redis Cache</a:t>
+                      </a:r>
+                    </a:p>
+                  </a:txBody>
+                  <a:tcPr anchor="ctr">
+                    <a:noFill/>
+                  </a:tcPr>
+                </a:tc>
+                <a:tc>
+                  <a:txBody>
+                    <a:bodyPr/>
+                    <a:lstStyle/>
+                    <a:p>
+                      <a:pPr latinLnBrk="0"/>
+                      <a:r>
+                        <a:rPr lang="ko-KR" altLang="en-US" sz="1200" dirty="0">
+                          <a:latin typeface="LG스마트체 Regular" panose="020B0600000101010101" pitchFamily="50" charset="-127"/>
+                          <a:ea typeface="LG스마트체 Regular" panose="020B0600000101010101" pitchFamily="50" charset="-127"/>
+                        </a:rPr>
+                        <a:t>변경이 적고 조회가 많은 데이터들을 메모리 기반으로 관리함으로써 성능 개선과 분산환경에서 </a:t>
+                      </a:r>
+                      <a:r>
+                        <a:rPr lang="en-US" altLang="ko-KR" sz="1200" dirty="0">
+                          <a:latin typeface="LG스마트체 Regular" panose="020B0600000101010101" pitchFamily="50" charset="-127"/>
+                          <a:ea typeface="LG스마트체 Regular" panose="020B0600000101010101" pitchFamily="50" charset="-127"/>
+                        </a:rPr>
+                        <a:t>global </a:t>
+                      </a:r>
+                      <a:r>
+                        <a:rPr lang="ko-KR" altLang="en-US" sz="1200" dirty="0">
+                          <a:latin typeface="LG스마트체 Regular" panose="020B0600000101010101" pitchFamily="50" charset="-127"/>
+                          <a:ea typeface="LG스마트체 Regular" panose="020B0600000101010101" pitchFamily="50" charset="-127"/>
+                        </a:rPr>
+                        <a:t>캐시로서 확장성을 가져갈 수 있음</a:t>
+                      </a:r>
+                    </a:p>
+                  </a:txBody>
+                  <a:tcPr anchor="ctr">
+                    <a:noFill/>
+                  </a:tcPr>
+                </a:tc>
+                <a:extLst>
+                  <a:ext uri="{0D108BD9-81ED-4DB2-BD59-A6C34878D82A}">
+                    <a16:rowId xmlns:a16="http://schemas.microsoft.com/office/drawing/2014/main" val="1606717659"/>
+                  </a:ext>
+                </a:extLst>
+              </a:tr>
+              <a:tr h="734468">
+                <a:tc>
+                  <a:txBody>
+                    <a:bodyPr/>
+                    <a:lstStyle/>
+                    <a:p>
+                      <a:pPr marL="0" marR="0" lvl="0" indent="0" algn="l" defTabSz="914400" rtl="0" eaLnBrk="1" fontAlgn="auto" latinLnBrk="0" hangingPunct="1">
+                        <a:lnSpc>
+                          <a:spcPct val="100000"/>
+                        </a:lnSpc>
+                        <a:spcBef>
+                          <a:spcPts val="0"/>
+                        </a:spcBef>
+                        <a:spcAft>
+                          <a:spcPts val="0"/>
+                        </a:spcAft>
+                        <a:buClrTx/>
+                        <a:buSzTx/>
+                        <a:buFontTx/>
+                        <a:buNone/>
+                        <a:tabLst/>
+                        <a:defRPr/>
+                      </a:pPr>
+                      <a:r>
+                        <a:rPr lang="ko-KR" altLang="en-US" sz="1200" dirty="0">
+                          <a:latin typeface="LG스마트체 Regular" panose="020B0600000101010101" pitchFamily="50" charset="-127"/>
+                          <a:ea typeface="LG스마트체 Regular" panose="020B0600000101010101" pitchFamily="50" charset="-127"/>
+                        </a:rPr>
+                        <a:t>서비스 컨테이너화</a:t>
+                      </a:r>
+                      <a:r>
+                        <a:rPr lang="en-US" altLang="ko-KR" sz="1200" dirty="0">
+                          <a:latin typeface="LG스마트체 Regular" panose="020B0600000101010101" pitchFamily="50" charset="-127"/>
+                          <a:ea typeface="LG스마트체 Regular" panose="020B0600000101010101" pitchFamily="50" charset="-127"/>
+                        </a:rPr>
+                        <a:t> </a:t>
+                      </a:r>
+                      <a:r>
+                        <a:rPr lang="ko-KR" altLang="en-US" sz="1200" dirty="0">
+                          <a:latin typeface="LG스마트체 Regular" panose="020B0600000101010101" pitchFamily="50" charset="-127"/>
+                          <a:ea typeface="LG스마트체 Regular" panose="020B0600000101010101" pitchFamily="50" charset="-127"/>
+                        </a:rPr>
+                        <a:t>및 오케스트레이션</a:t>
+                      </a:r>
+                    </a:p>
+                  </a:txBody>
+                  <a:tcPr anchor="ctr">
+                    <a:noFill/>
+                  </a:tcPr>
+                </a:tc>
+                <a:tc>
+                  <a:txBody>
+                    <a:bodyPr/>
+                    <a:lstStyle/>
+                    <a:p>
+                      <a:pPr latinLnBrk="0"/>
+                      <a:r>
+                        <a:rPr lang="ko-KR" altLang="en-US" sz="1200" dirty="0">
+                          <a:latin typeface="LG스마트체 Regular" panose="020B0600000101010101" pitchFamily="50" charset="-127"/>
+                          <a:ea typeface="LG스마트체 Regular" panose="020B0600000101010101" pitchFamily="50" charset="-127"/>
+                        </a:rPr>
+                        <a:t>컨테이너화 된 서비스 관리</a:t>
+                      </a:r>
+                      <a:r>
+                        <a:rPr lang="en-US" altLang="ko-KR" sz="1200" dirty="0">
+                          <a:latin typeface="LG스마트체 Regular" panose="020B0600000101010101" pitchFamily="50" charset="-127"/>
+                          <a:ea typeface="LG스마트체 Regular" panose="020B0600000101010101" pitchFamily="50" charset="-127"/>
+                        </a:rPr>
+                        <a:t>(</a:t>
+                      </a:r>
+                      <a:r>
+                        <a:rPr lang="ko-KR" altLang="en-US" sz="1200" dirty="0">
+                          <a:latin typeface="LG스마트체 Regular" panose="020B0600000101010101" pitchFamily="50" charset="-127"/>
+                          <a:ea typeface="LG스마트체 Regular" panose="020B0600000101010101" pitchFamily="50" charset="-127"/>
+                        </a:rPr>
+                        <a:t>배포</a:t>
+                      </a:r>
+                      <a:r>
+                        <a:rPr lang="en-US" altLang="ko-KR" sz="1200" dirty="0">
+                          <a:latin typeface="LG스마트체 Regular" panose="020B0600000101010101" pitchFamily="50" charset="-127"/>
+                          <a:ea typeface="LG스마트체 Regular" panose="020B0600000101010101" pitchFamily="50" charset="-127"/>
+                        </a:rPr>
+                        <a:t>,</a:t>
+                      </a:r>
+                      <a:r>
+                        <a:rPr lang="ko-KR" altLang="en-US" sz="1200" dirty="0">
+                          <a:latin typeface="LG스마트체 Regular" panose="020B0600000101010101" pitchFamily="50" charset="-127"/>
+                          <a:ea typeface="LG스마트체 Regular" panose="020B0600000101010101" pitchFamily="50" charset="-127"/>
+                        </a:rPr>
+                        <a:t>운영</a:t>
+                      </a:r>
+                      <a:r>
+                        <a:rPr lang="en-US" altLang="ko-KR" sz="1200" dirty="0">
+                          <a:latin typeface="LG스마트체 Regular" panose="020B0600000101010101" pitchFamily="50" charset="-127"/>
+                          <a:ea typeface="LG스마트체 Regular" panose="020B0600000101010101" pitchFamily="50" charset="-127"/>
+                        </a:rPr>
+                        <a:t>) </a:t>
+                      </a:r>
+                      <a:r>
+                        <a:rPr lang="ko-KR" altLang="en-US" sz="1200" dirty="0">
+                          <a:latin typeface="LG스마트체 Regular" panose="020B0600000101010101" pitchFamily="50" charset="-127"/>
+                          <a:ea typeface="LG스마트체 Regular" panose="020B0600000101010101" pitchFamily="50" charset="-127"/>
+                        </a:rPr>
+                        <a:t>기능</a:t>
+                      </a:r>
+                    </a:p>
+                  </a:txBody>
+                  <a:tcPr anchor="ctr">
+                    <a:noFill/>
+                  </a:tcPr>
+                </a:tc>
+                <a:tc>
+                  <a:txBody>
+                    <a:bodyPr/>
+                    <a:lstStyle/>
+                    <a:p>
+                      <a:pPr marL="0" marR="0" lvl="0" indent="0" algn="l" defTabSz="914400" rtl="0" eaLnBrk="1" fontAlgn="auto" latinLnBrk="0" hangingPunct="1">
+                        <a:lnSpc>
+                          <a:spcPct val="100000"/>
+                        </a:lnSpc>
+                        <a:spcBef>
+                          <a:spcPts val="0"/>
+                        </a:spcBef>
+                        <a:spcAft>
+                          <a:spcPts val="0"/>
+                        </a:spcAft>
+                        <a:buClrTx/>
+                        <a:buSzTx/>
+                        <a:buFontTx/>
+                        <a:buNone/>
+                        <a:tabLst/>
+                        <a:defRPr/>
+                      </a:pPr>
+                      <a:r>
+                        <a:rPr lang="en-US" altLang="ko-KR" sz="1200" dirty="0">
+                          <a:latin typeface="LG스마트체 Regular" panose="020B0600000101010101" pitchFamily="50" charset="-127"/>
+                          <a:ea typeface="LG스마트체 Regular" panose="020B0600000101010101" pitchFamily="50" charset="-127"/>
+                        </a:rPr>
+                        <a:t>Docker, K8S</a:t>
+                      </a:r>
+                      <a:endParaRPr lang="ko-KR" altLang="en-US" sz="1200" dirty="0">
+                        <a:latin typeface="LG스마트체 Regular" panose="020B0600000101010101" pitchFamily="50" charset="-127"/>
+                        <a:ea typeface="LG스마트체 Regular" panose="020B0600000101010101" pitchFamily="50" charset="-127"/>
+                      </a:endParaRPr>
+                    </a:p>
+                  </a:txBody>
+                  <a:tcPr anchor="ctr">
+                    <a:noFill/>
+                  </a:tcPr>
+                </a:tc>
+                <a:tc>
+                  <a:txBody>
+                    <a:bodyPr/>
+                    <a:lstStyle/>
+                    <a:p>
+                      <a:pPr latinLnBrk="0"/>
+                      <a:r>
+                        <a:rPr lang="en-US" altLang="ko-KR" sz="1200" dirty="0">
+                          <a:latin typeface="LG스마트체 Regular" panose="020B0600000101010101" pitchFamily="50" charset="-127"/>
+                          <a:ea typeface="LG스마트체 Regular" panose="020B0600000101010101" pitchFamily="50" charset="-127"/>
+                        </a:rPr>
+                        <a:t>Docker</a:t>
+                      </a:r>
+                      <a:r>
+                        <a:rPr lang="ko-KR" altLang="en-US" sz="1200" dirty="0">
+                          <a:latin typeface="LG스마트체 Regular" panose="020B0600000101010101" pitchFamily="50" charset="-127"/>
+                          <a:ea typeface="LG스마트체 Regular" panose="020B0600000101010101" pitchFamily="50" charset="-127"/>
+                        </a:rPr>
+                        <a:t>는 서비스 컨테이너화를 지원하고</a:t>
+                      </a:r>
+                      <a:r>
+                        <a:rPr lang="en-US" altLang="ko-KR" sz="1200" dirty="0">
+                          <a:latin typeface="LG스마트체 Regular" panose="020B0600000101010101" pitchFamily="50" charset="-127"/>
+                          <a:ea typeface="LG스마트체 Regular" panose="020B0600000101010101" pitchFamily="50" charset="-127"/>
+                        </a:rPr>
+                        <a:t>, K8S</a:t>
+                      </a:r>
+                      <a:r>
+                        <a:rPr lang="ko-KR" altLang="en-US" sz="1200" dirty="0">
+                          <a:latin typeface="LG스마트체 Regular" panose="020B0600000101010101" pitchFamily="50" charset="-127"/>
+                          <a:ea typeface="LG스마트체 Regular" panose="020B0600000101010101" pitchFamily="50" charset="-127"/>
+                        </a:rPr>
+                        <a:t>는 컨테이너들의 배포</a:t>
+                      </a:r>
+                      <a:r>
+                        <a:rPr lang="en-US" altLang="ko-KR" sz="1200" dirty="0">
+                          <a:latin typeface="LG스마트체 Regular" panose="020B0600000101010101" pitchFamily="50" charset="-127"/>
+                          <a:ea typeface="LG스마트체 Regular" panose="020B0600000101010101" pitchFamily="50" charset="-127"/>
+                        </a:rPr>
+                        <a:t>, </a:t>
+                      </a:r>
+                      <a:r>
+                        <a:rPr lang="ko-KR" altLang="en-US" sz="1200" dirty="0">
+                          <a:latin typeface="LG스마트체 Regular" panose="020B0600000101010101" pitchFamily="50" charset="-127"/>
+                          <a:ea typeface="LG스마트체 Regular" panose="020B0600000101010101" pitchFamily="50" charset="-127"/>
+                        </a:rPr>
+                        <a:t>스케일링 및 관리를 지원 </a:t>
+                      </a:r>
+                    </a:p>
+                  </a:txBody>
+                  <a:tcPr anchor="ctr">
+                    <a:noFill/>
+                  </a:tcPr>
+                </a:tc>
+                <a:extLst>
+                  <a:ext uri="{0D108BD9-81ED-4DB2-BD59-A6C34878D82A}">
+                    <a16:rowId xmlns:a16="http://schemas.microsoft.com/office/drawing/2014/main" val="2352520198"/>
+                  </a:ext>
+                </a:extLst>
+              </a:tr>
+              <a:tr h="515829">
+                <a:tc>
+                  <a:txBody>
+                    <a:bodyPr/>
+                    <a:lstStyle/>
+                    <a:p>
+                      <a:pPr marL="0" marR="0" lvl="0" indent="0" algn="l" defTabSz="914400" rtl="0" eaLnBrk="1" fontAlgn="auto" latinLnBrk="0" hangingPunct="1">
+                        <a:lnSpc>
+                          <a:spcPct val="100000"/>
+                        </a:lnSpc>
+                        <a:spcBef>
+                          <a:spcPts val="0"/>
+                        </a:spcBef>
+                        <a:spcAft>
+                          <a:spcPts val="0"/>
+                        </a:spcAft>
+                        <a:buClrTx/>
+                        <a:buSzTx/>
+                        <a:buFontTx/>
+                        <a:buNone/>
+                        <a:tabLst/>
+                        <a:defRPr/>
+                      </a:pPr>
+                      <a:r>
+                        <a:rPr lang="en-US" altLang="ko-KR" sz="1200" dirty="0">
+                          <a:latin typeface="LG스마트체 Regular" panose="020B0600000101010101" pitchFamily="50" charset="-127"/>
+                          <a:ea typeface="LG스마트체 Regular" panose="020B0600000101010101" pitchFamily="50" charset="-127"/>
+                        </a:rPr>
+                        <a:t>Http Server</a:t>
+                      </a:r>
+                      <a:endParaRPr lang="ko-KR" altLang="en-US" sz="1200" dirty="0">
+                        <a:latin typeface="LG스마트체 Regular" panose="020B0600000101010101" pitchFamily="50" charset="-127"/>
+                        <a:ea typeface="LG스마트체 Regular" panose="020B0600000101010101" pitchFamily="50" charset="-127"/>
+                      </a:endParaRPr>
+                    </a:p>
+                  </a:txBody>
+                  <a:tcPr anchor="ctr">
+                    <a:noFill/>
+                  </a:tcPr>
+                </a:tc>
+                <a:tc>
+                  <a:txBody>
+                    <a:bodyPr/>
+                    <a:lstStyle/>
+                    <a:p>
+                      <a:pPr latinLnBrk="0"/>
+                      <a:r>
+                        <a:rPr lang="en-US" altLang="ko-KR" sz="1200" dirty="0">
+                          <a:latin typeface="LG스마트체 Regular" panose="020B0600000101010101" pitchFamily="50" charset="-127"/>
+                          <a:ea typeface="LG스마트체 Regular" panose="020B0600000101010101" pitchFamily="50" charset="-127"/>
+                        </a:rPr>
+                        <a:t>Http</a:t>
+                      </a:r>
+                      <a:r>
+                        <a:rPr lang="ko-KR" altLang="en-US" sz="1200" dirty="0">
+                          <a:latin typeface="LG스마트체 Regular" panose="020B0600000101010101" pitchFamily="50" charset="-127"/>
+                          <a:ea typeface="LG스마트체 Regular" panose="020B0600000101010101" pitchFamily="50" charset="-127"/>
+                        </a:rPr>
+                        <a:t> 통신을 지원하는 전문 솔루션</a:t>
+                      </a:r>
+                    </a:p>
+                  </a:txBody>
+                  <a:tcPr anchor="ctr">
+                    <a:noFill/>
+                  </a:tcPr>
+                </a:tc>
+                <a:tc>
+                  <a:txBody>
+                    <a:bodyPr/>
+                    <a:lstStyle/>
+                    <a:p>
+                      <a:pPr marL="0" marR="0" lvl="0" indent="0" algn="l" defTabSz="914400" rtl="0" eaLnBrk="1" fontAlgn="auto" latinLnBrk="0" hangingPunct="1">
+                        <a:lnSpc>
+                          <a:spcPct val="100000"/>
+                        </a:lnSpc>
+                        <a:spcBef>
+                          <a:spcPts val="0"/>
+                        </a:spcBef>
+                        <a:spcAft>
+                          <a:spcPts val="0"/>
+                        </a:spcAft>
+                        <a:buClrTx/>
+                        <a:buSzTx/>
+                        <a:buFontTx/>
+                        <a:buNone/>
+                        <a:tabLst/>
+                        <a:defRPr/>
+                      </a:pPr>
+                      <a:r>
+                        <a:rPr lang="en-US" altLang="ko-KR" sz="1200" dirty="0">
+                          <a:latin typeface="LG스마트체 Regular" panose="020B0600000101010101" pitchFamily="50" charset="-127"/>
+                          <a:ea typeface="LG스마트체 Regular" panose="020B0600000101010101" pitchFamily="50" charset="-127"/>
+                        </a:rPr>
+                        <a:t>Tomcat, Nginx</a:t>
+                      </a:r>
+                    </a:p>
+                  </a:txBody>
+                  <a:tcPr anchor="ctr">
+                    <a:noFill/>
+                  </a:tcPr>
+                </a:tc>
+                <a:tc>
+                  <a:txBody>
+                    <a:bodyPr/>
+                    <a:lstStyle/>
+                    <a:p>
+                      <a:pPr latinLnBrk="0"/>
+                      <a:r>
+                        <a:rPr lang="en-US" altLang="ko-KR" sz="1200" dirty="0">
+                          <a:latin typeface="LG스마트체 Regular" panose="020B0600000101010101" pitchFamily="50" charset="-127"/>
+                          <a:ea typeface="LG스마트체 Regular" panose="020B0600000101010101" pitchFamily="50" charset="-127"/>
+                        </a:rPr>
+                        <a:t>Http</a:t>
+                      </a:r>
+                      <a:r>
+                        <a:rPr lang="ko-KR" altLang="en-US" sz="1200" dirty="0">
+                          <a:latin typeface="LG스마트체 Regular" panose="020B0600000101010101" pitchFamily="50" charset="-127"/>
+                          <a:ea typeface="LG스마트체 Regular" panose="020B0600000101010101" pitchFamily="50" charset="-127"/>
+                        </a:rPr>
+                        <a:t> 실행과 운영이 좀 더 고도화된 웹서버를 도입함으로써 엔터프라이즈 레벨의 기능을 지원하고 탑재 가능</a:t>
+                      </a:r>
+                    </a:p>
+                  </a:txBody>
+                  <a:tcPr anchor="ctr">
+                    <a:noFill/>
+                  </a:tcPr>
+                </a:tc>
+                <a:extLst>
+                  <a:ext uri="{0D108BD9-81ED-4DB2-BD59-A6C34878D82A}">
+                    <a16:rowId xmlns:a16="http://schemas.microsoft.com/office/drawing/2014/main" val="65369676"/>
+                  </a:ext>
+                </a:extLst>
+              </a:tr>
+              <a:tr h="734468">
+                <a:tc>
+                  <a:txBody>
+                    <a:bodyPr/>
+                    <a:lstStyle/>
+                    <a:p>
+                      <a:pPr marL="0" marR="0" lvl="0" indent="0" algn="l" defTabSz="914400" rtl="0" eaLnBrk="1" fontAlgn="auto" latinLnBrk="0" hangingPunct="1">
+                        <a:lnSpc>
+                          <a:spcPct val="100000"/>
+                        </a:lnSpc>
+                        <a:spcBef>
+                          <a:spcPts val="0"/>
+                        </a:spcBef>
+                        <a:spcAft>
+                          <a:spcPts val="0"/>
+                        </a:spcAft>
+                        <a:buClrTx/>
+                        <a:buSzTx/>
+                        <a:buFontTx/>
+                        <a:buNone/>
+                        <a:tabLst/>
+                        <a:defRPr/>
+                      </a:pPr>
+                      <a:r>
+                        <a:rPr lang="ko-KR" altLang="en-US" sz="1200" dirty="0">
+                          <a:latin typeface="LG스마트체 Regular" panose="020B0600000101010101" pitchFamily="50" charset="-127"/>
+                          <a:ea typeface="LG스마트체 Regular" panose="020B0600000101010101" pitchFamily="50" charset="-127"/>
+                        </a:rPr>
+                        <a:t>서비스 로깅</a:t>
+                      </a:r>
+                    </a:p>
+                  </a:txBody>
+                  <a:tcPr anchor="ctr">
+                    <a:noFill/>
+                  </a:tcPr>
+                </a:tc>
+                <a:tc>
+                  <a:txBody>
+                    <a:bodyPr/>
+                    <a:lstStyle/>
+                    <a:p>
+                      <a:pPr latinLnBrk="0"/>
+                      <a:r>
+                        <a:rPr lang="ko-KR" altLang="en-US" sz="1200" dirty="0">
+                          <a:latin typeface="LG스마트체 Regular" panose="020B0600000101010101" pitchFamily="50" charset="-127"/>
+                          <a:ea typeface="LG스마트체 Regular" panose="020B0600000101010101" pitchFamily="50" charset="-127"/>
+                        </a:rPr>
+                        <a:t>시스템</a:t>
+                      </a:r>
+                      <a:r>
+                        <a:rPr lang="en-US" altLang="ko-KR" sz="1200" dirty="0">
+                          <a:latin typeface="LG스마트체 Regular" panose="020B0600000101010101" pitchFamily="50" charset="-127"/>
+                          <a:ea typeface="LG스마트체 Regular" panose="020B0600000101010101" pitchFamily="50" charset="-127"/>
+                        </a:rPr>
+                        <a:t>, </a:t>
+                      </a:r>
+                      <a:r>
+                        <a:rPr lang="ko-KR" altLang="en-US" sz="1200" dirty="0">
+                          <a:latin typeface="LG스마트체 Regular" panose="020B0600000101010101" pitchFamily="50" charset="-127"/>
+                          <a:ea typeface="LG스마트체 Regular" panose="020B0600000101010101" pitchFamily="50" charset="-127"/>
+                        </a:rPr>
+                        <a:t>어플리케이션이 남기는 로그들을 수집하고 모니터링</a:t>
+                      </a:r>
+                    </a:p>
+                  </a:txBody>
+                  <a:tcPr anchor="ctr">
+                    <a:noFill/>
+                  </a:tcPr>
+                </a:tc>
+                <a:tc>
+                  <a:txBody>
+                    <a:bodyPr/>
+                    <a:lstStyle/>
+                    <a:p>
+                      <a:pPr latinLnBrk="0"/>
+                      <a:r>
+                        <a:rPr lang="en-US" altLang="ko-KR" sz="1200" dirty="0">
+                          <a:latin typeface="LG스마트체 Regular" panose="020B0600000101010101" pitchFamily="50" charset="-127"/>
+                          <a:ea typeface="LG스마트체 Regular" panose="020B0600000101010101" pitchFamily="50" charset="-127"/>
+                        </a:rPr>
+                        <a:t>ELK Stack (Elasticsearch, Logstash, Kibana)</a:t>
+                      </a:r>
+                    </a:p>
+                    <a:p>
+                      <a:pPr latinLnBrk="0"/>
+                      <a:r>
+                        <a:rPr lang="en-US" altLang="ko-KR" sz="1200" dirty="0">
+                          <a:latin typeface="LG스마트체 Regular" panose="020B0600000101010101" pitchFamily="50" charset="-127"/>
+                          <a:ea typeface="LG스마트체 Regular" panose="020B0600000101010101" pitchFamily="50" charset="-127"/>
+                        </a:rPr>
+                        <a:t>Prometheus, Grafana</a:t>
+                      </a:r>
+                      <a:endParaRPr lang="ko-KR" altLang="en-US" sz="1200" dirty="0">
+                        <a:latin typeface="LG스마트체 Regular" panose="020B0600000101010101" pitchFamily="50" charset="-127"/>
+                        <a:ea typeface="LG스마트체 Regular" panose="020B0600000101010101" pitchFamily="50" charset="-127"/>
+                      </a:endParaRPr>
+                    </a:p>
+                  </a:txBody>
+                  <a:tcPr anchor="ctr">
+                    <a:noFill/>
+                  </a:tcPr>
+                </a:tc>
+                <a:tc>
+                  <a:txBody>
+                    <a:bodyPr/>
+                    <a:lstStyle/>
+                    <a:p>
+                      <a:pPr latinLnBrk="0"/>
+                      <a:r>
+                        <a:rPr lang="ko-KR" altLang="en-US" sz="1200" dirty="0">
+                          <a:latin typeface="LG스마트체 Regular" panose="020B0600000101010101" pitchFamily="50" charset="-127"/>
+                          <a:ea typeface="LG스마트체 Regular" panose="020B0600000101010101" pitchFamily="50" charset="-127"/>
+                        </a:rPr>
+                        <a:t>시스템</a:t>
+                      </a:r>
+                      <a:r>
+                        <a:rPr lang="en-US" altLang="ko-KR" sz="1200" dirty="0">
+                          <a:latin typeface="LG스마트체 Regular" panose="020B0600000101010101" pitchFamily="50" charset="-127"/>
+                          <a:ea typeface="LG스마트체 Regular" panose="020B0600000101010101" pitchFamily="50" charset="-127"/>
+                        </a:rPr>
+                        <a:t>,</a:t>
+                      </a:r>
+                      <a:r>
+                        <a:rPr lang="ko-KR" altLang="en-US" sz="1200" dirty="0">
+                          <a:latin typeface="LG스마트체 Regular" panose="020B0600000101010101" pitchFamily="50" charset="-127"/>
+                          <a:ea typeface="LG스마트체 Regular" panose="020B0600000101010101" pitchFamily="50" charset="-127"/>
+                        </a:rPr>
+                        <a:t>어플리케이션이 남기는 로그들을 수집하고 분석해서 시스템의 상태를 실시간으로 확인할 수 있는 환경 구성을 지원</a:t>
+                      </a:r>
+                    </a:p>
+                  </a:txBody>
+                  <a:tcPr anchor="ctr">
+                    <a:noFill/>
+                  </a:tcPr>
+                </a:tc>
+                <a:extLst>
+                  <a:ext uri="{0D108BD9-81ED-4DB2-BD59-A6C34878D82A}">
+                    <a16:rowId xmlns:a16="http://schemas.microsoft.com/office/drawing/2014/main" val="2449278400"/>
+                  </a:ext>
+                </a:extLst>
+              </a:tr>
+              <a:tr h="568621">
+                <a:tc>
+                  <a:txBody>
+                    <a:bodyPr/>
+                    <a:lstStyle/>
+                    <a:p>
+                      <a:pPr marL="0" marR="0" lvl="0" indent="0" algn="l" defTabSz="914400" rtl="0" eaLnBrk="1" fontAlgn="auto" latinLnBrk="0" hangingPunct="1">
+                        <a:lnSpc>
+                          <a:spcPct val="100000"/>
+                        </a:lnSpc>
+                        <a:spcBef>
+                          <a:spcPts val="0"/>
+                        </a:spcBef>
+                        <a:spcAft>
+                          <a:spcPts val="0"/>
+                        </a:spcAft>
+                        <a:buClrTx/>
+                        <a:buSzTx/>
+                        <a:buFontTx/>
+                        <a:buNone/>
+                        <a:tabLst/>
+                        <a:defRPr/>
+                      </a:pPr>
+                      <a:r>
+                        <a:rPr lang="ko-KR" altLang="en-US" sz="1200" dirty="0">
+                          <a:latin typeface="LG스마트체 Regular" panose="020B0600000101010101" pitchFamily="50" charset="-127"/>
+                          <a:ea typeface="LG스마트체 Regular" panose="020B0600000101010101" pitchFamily="50" charset="-127"/>
+                        </a:rPr>
+                        <a:t>서비스 추적</a:t>
+                      </a:r>
+                    </a:p>
+                  </a:txBody>
+                  <a:tcPr anchor="ctr">
+                    <a:noFill/>
+                  </a:tcPr>
+                </a:tc>
+                <a:tc>
+                  <a:txBody>
+                    <a:bodyPr/>
+                    <a:lstStyle/>
+                    <a:p>
+                      <a:pPr latinLnBrk="0"/>
+                      <a:r>
+                        <a:rPr lang="ko-KR" altLang="en-US" sz="1200" dirty="0">
+                          <a:latin typeface="LG스마트체 Regular" panose="020B0600000101010101" pitchFamily="50" charset="-127"/>
+                          <a:ea typeface="LG스마트체 Regular" panose="020B0600000101010101" pitchFamily="50" charset="-127"/>
+                        </a:rPr>
+                        <a:t>서비스 간 요청에 대해 추적하고 관리</a:t>
+                      </a:r>
+                    </a:p>
+                  </a:txBody>
+                  <a:tcPr anchor="ctr">
+                    <a:noFill/>
+                  </a:tcPr>
+                </a:tc>
+                <a:tc>
+                  <a:txBody>
+                    <a:bodyPr/>
+                    <a:lstStyle/>
+                    <a:p>
+                      <a:pPr marL="0" marR="0" lvl="0" indent="0" algn="l" defTabSz="914400" rtl="0" eaLnBrk="1" fontAlgn="auto" latinLnBrk="0" hangingPunct="1">
+                        <a:lnSpc>
+                          <a:spcPct val="100000"/>
+                        </a:lnSpc>
+                        <a:spcBef>
+                          <a:spcPts val="0"/>
+                        </a:spcBef>
+                        <a:spcAft>
+                          <a:spcPts val="0"/>
+                        </a:spcAft>
+                        <a:buClrTx/>
+                        <a:buSzTx/>
+                        <a:buFontTx/>
+                        <a:buNone/>
+                        <a:tabLst/>
+                        <a:defRPr/>
+                      </a:pPr>
+                      <a:r>
+                        <a:rPr lang="en-US" altLang="ko-KR" sz="1200" dirty="0" err="1">
+                          <a:latin typeface="LG스마트체 Regular" panose="020B0600000101010101" pitchFamily="50" charset="-127"/>
+                          <a:ea typeface="LG스마트체 Regular" panose="020B0600000101010101" pitchFamily="50" charset="-127"/>
+                        </a:rPr>
+                        <a:t>OpenTelemetry</a:t>
+                      </a:r>
+                      <a:endParaRPr lang="en-US" altLang="ko-KR" sz="1200" dirty="0">
+                        <a:latin typeface="LG스마트체 Regular" panose="020B0600000101010101" pitchFamily="50" charset="-127"/>
+                        <a:ea typeface="LG스마트체 Regular" panose="020B0600000101010101" pitchFamily="50" charset="-127"/>
+                      </a:endParaRPr>
+                    </a:p>
+                  </a:txBody>
+                  <a:tcPr anchor="ctr">
+                    <a:noFill/>
+                  </a:tcPr>
+                </a:tc>
+                <a:tc>
+                  <a:txBody>
+                    <a:bodyPr/>
+                    <a:lstStyle/>
+                    <a:p>
+                      <a:pPr latinLnBrk="0"/>
+                      <a:r>
+                        <a:rPr lang="ko-KR" altLang="en-US" sz="1200" dirty="0">
+                          <a:latin typeface="LG스마트체 Regular" panose="020B0600000101010101" pitchFamily="50" charset="-127"/>
+                          <a:ea typeface="LG스마트체 Regular" panose="020B0600000101010101" pitchFamily="50" charset="-127"/>
+                        </a:rPr>
+                        <a:t>서비스 간 요청에 대해 추적 기능을 제공하고 문제 발생시 빠르게 문제를 파악할 수 있음</a:t>
+                      </a:r>
+                    </a:p>
+                  </a:txBody>
+                  <a:tcPr anchor="ctr">
+                    <a:noFill/>
+                  </a:tcPr>
+                </a:tc>
+                <a:extLst>
+                  <a:ext uri="{0D108BD9-81ED-4DB2-BD59-A6C34878D82A}">
+                    <a16:rowId xmlns:a16="http://schemas.microsoft.com/office/drawing/2014/main" val="4099867513"/>
+                  </a:ext>
+                </a:extLst>
+              </a:tr>
+              <a:tr h="722160">
+                <a:tc>
+                  <a:txBody>
+                    <a:bodyPr/>
+                    <a:lstStyle/>
+                    <a:p>
+                      <a:pPr marL="0" marR="0" lvl="0" indent="0" algn="l" defTabSz="914400" rtl="0" eaLnBrk="1" fontAlgn="auto" latinLnBrk="0" hangingPunct="1">
+                        <a:lnSpc>
+                          <a:spcPct val="100000"/>
+                        </a:lnSpc>
+                        <a:spcBef>
+                          <a:spcPts val="0"/>
+                        </a:spcBef>
+                        <a:spcAft>
+                          <a:spcPts val="0"/>
+                        </a:spcAft>
+                        <a:buClrTx/>
+                        <a:buSzTx/>
+                        <a:buFontTx/>
+                        <a:buNone/>
+                        <a:tabLst/>
+                        <a:defRPr/>
+                      </a:pPr>
+                      <a:r>
+                        <a:rPr lang="ko-KR" altLang="en-US" sz="1200" dirty="0" err="1">
+                          <a:latin typeface="LG스마트체 Regular" panose="020B0600000101010101" pitchFamily="50" charset="-127"/>
+                          <a:ea typeface="LG스마트체 Regular" panose="020B0600000101010101" pitchFamily="50" charset="-127"/>
+                        </a:rPr>
+                        <a:t>로드밸런싱</a:t>
+                      </a:r>
+                      <a:endParaRPr lang="ko-KR" altLang="en-US" sz="1200" dirty="0">
+                        <a:latin typeface="LG스마트체 Regular" panose="020B0600000101010101" pitchFamily="50" charset="-127"/>
+                        <a:ea typeface="LG스마트체 Regular" panose="020B0600000101010101" pitchFamily="50" charset="-127"/>
+                      </a:endParaRPr>
+                    </a:p>
+                  </a:txBody>
+                  <a:tcPr anchor="ctr">
+                    <a:noFill/>
+                  </a:tcPr>
+                </a:tc>
+                <a:tc>
+                  <a:txBody>
+                    <a:bodyPr/>
+                    <a:lstStyle/>
+                    <a:p>
+                      <a:pPr latinLnBrk="0"/>
+                      <a:r>
+                        <a:rPr lang="ko-KR" altLang="en-US" sz="1200" dirty="0">
+                          <a:latin typeface="LG스마트체 Regular" panose="020B0600000101010101" pitchFamily="50" charset="-127"/>
+                          <a:ea typeface="LG스마트체 Regular" panose="020B0600000101010101" pitchFamily="50" charset="-127"/>
+                        </a:rPr>
+                        <a:t>서비스 단일 접근 포인트를 제공하고 멀티 서비스들의 부하 분산 지원</a:t>
+                      </a:r>
+                    </a:p>
+                  </a:txBody>
+                  <a:tcPr anchor="ctr">
+                    <a:noFill/>
+                  </a:tcPr>
+                </a:tc>
+                <a:tc>
+                  <a:txBody>
+                    <a:bodyPr/>
+                    <a:lstStyle/>
+                    <a:p>
+                      <a:pPr marL="0" indent="0" latinLnBrk="0">
+                        <a:buFontTx/>
+                        <a:buNone/>
+                      </a:pPr>
+                      <a:r>
+                        <a:rPr lang="en-US" altLang="ko-KR" sz="1200" dirty="0" err="1">
+                          <a:latin typeface="LG스마트체 Regular" panose="020B0600000101010101" pitchFamily="50" charset="-127"/>
+                          <a:ea typeface="LG스마트체 Regular" panose="020B0600000101010101" pitchFamily="50" charset="-127"/>
+                        </a:rPr>
+                        <a:t>HAProxy</a:t>
+                      </a:r>
+                      <a:endParaRPr lang="en-US" altLang="ko-KR" sz="1200" dirty="0">
+                        <a:latin typeface="LG스마트체 Regular" panose="020B0600000101010101" pitchFamily="50" charset="-127"/>
+                        <a:ea typeface="LG스마트체 Regular" panose="020B0600000101010101" pitchFamily="50" charset="-127"/>
+                      </a:endParaRPr>
+                    </a:p>
+                  </a:txBody>
+                  <a:tcPr anchor="ctr">
+                    <a:noFill/>
+                  </a:tcPr>
+                </a:tc>
+                <a:tc>
+                  <a:txBody>
+                    <a:bodyPr/>
+                    <a:lstStyle/>
+                    <a:p>
+                      <a:pPr latinLnBrk="0"/>
+                      <a:r>
+                        <a:rPr lang="ko-KR" altLang="en-US" sz="1200" dirty="0">
+                          <a:latin typeface="LG스마트체 Regular" panose="020B0600000101010101" pitchFamily="50" charset="-127"/>
+                          <a:ea typeface="LG스마트체 Regular" panose="020B0600000101010101" pitchFamily="50" charset="-127"/>
+                        </a:rPr>
+                        <a:t>하드웨어 스위치를 대체하는 소프트웨어 </a:t>
+                      </a:r>
+                      <a:r>
+                        <a:rPr lang="en-US" altLang="ko-KR" sz="1200" dirty="0">
+                          <a:latin typeface="LG스마트체 Regular" panose="020B0600000101010101" pitchFamily="50" charset="-127"/>
+                          <a:ea typeface="LG스마트체 Regular" panose="020B0600000101010101" pitchFamily="50" charset="-127"/>
+                        </a:rPr>
+                        <a:t>reverse-proxy</a:t>
+                      </a:r>
+                      <a:r>
+                        <a:rPr lang="ko-KR" altLang="en-US" sz="1200" dirty="0">
+                          <a:latin typeface="LG스마트체 Regular" panose="020B0600000101010101" pitchFamily="50" charset="-127"/>
+                          <a:ea typeface="LG스마트체 Regular" panose="020B0600000101010101" pitchFamily="50" charset="-127"/>
+                        </a:rPr>
+                        <a:t>로서 가용성</a:t>
+                      </a:r>
+                      <a:r>
+                        <a:rPr lang="en-US" altLang="ko-KR" sz="1200" dirty="0">
+                          <a:latin typeface="LG스마트체 Regular" panose="020B0600000101010101" pitchFamily="50" charset="-127"/>
+                          <a:ea typeface="LG스마트체 Regular" panose="020B0600000101010101" pitchFamily="50" charset="-127"/>
+                        </a:rPr>
+                        <a:t>, </a:t>
+                      </a:r>
+                      <a:r>
+                        <a:rPr lang="ko-KR" altLang="en-US" sz="1200" dirty="0" err="1">
+                          <a:latin typeface="LG스마트체 Regular" panose="020B0600000101010101" pitchFamily="50" charset="-127"/>
+                          <a:ea typeface="LG스마트체 Regular" panose="020B0600000101010101" pitchFamily="50" charset="-127"/>
+                        </a:rPr>
+                        <a:t>로드밸런싱</a:t>
+                      </a:r>
+                      <a:r>
+                        <a:rPr lang="ko-KR" altLang="en-US" sz="1200" dirty="0">
+                          <a:latin typeface="LG스마트체 Regular" panose="020B0600000101010101" pitchFamily="50" charset="-127"/>
+                          <a:ea typeface="LG스마트체 Regular" panose="020B0600000101010101" pitchFamily="50" charset="-127"/>
+                        </a:rPr>
+                        <a:t> 기능을 제공</a:t>
+                      </a:r>
+                    </a:p>
+                  </a:txBody>
+                  <a:tcPr anchor="ctr">
+                    <a:noFill/>
+                  </a:tcPr>
+                </a:tc>
+                <a:extLst>
+                  <a:ext uri="{0D108BD9-81ED-4DB2-BD59-A6C34878D82A}">
+                    <a16:rowId xmlns:a16="http://schemas.microsoft.com/office/drawing/2014/main" val="2765346293"/>
+                  </a:ext>
+                </a:extLst>
+              </a:tr>
+            </a:tbl>
+          </a:graphicData>
+        </a:graphic>
+      </p:graphicFrame>
+    </p:spTree>
+    <p:extLst>
+      <p:ext uri="{BB962C8B-B14F-4D97-AF65-F5344CB8AC3E}">
+        <p14:creationId xmlns:p14="http://schemas.microsoft.com/office/powerpoint/2010/main" val="1668992297"/>
       </p:ext>
     </p:extLst>
   </p:cSld>
